--- a/Powerpoint for Orals.pptx
+++ b/Powerpoint for Orals.pptx
@@ -9,6 +9,25 @@
     <p:sldId id="257" r:id="rId3"/>
     <p:sldId id="258" r:id="rId4"/>
     <p:sldId id="259" r:id="rId5"/>
+    <p:sldId id="260" r:id="rId6"/>
+    <p:sldId id="261" r:id="rId7"/>
+    <p:sldId id="262" r:id="rId8"/>
+    <p:sldId id="263" r:id="rId9"/>
+    <p:sldId id="264" r:id="rId10"/>
+    <p:sldId id="265" r:id="rId11"/>
+    <p:sldId id="266" r:id="rId12"/>
+    <p:sldId id="279" r:id="rId13"/>
+    <p:sldId id="280" r:id="rId14"/>
+    <p:sldId id="268" r:id="rId15"/>
+    <p:sldId id="270" r:id="rId16"/>
+    <p:sldId id="271" r:id="rId17"/>
+    <p:sldId id="272" r:id="rId18"/>
+    <p:sldId id="273" r:id="rId19"/>
+    <p:sldId id="274" r:id="rId20"/>
+    <p:sldId id="275" r:id="rId21"/>
+    <p:sldId id="276" r:id="rId22"/>
+    <p:sldId id="277" r:id="rId23"/>
+    <p:sldId id="278" r:id="rId24"/>
   </p:sldIdLst>
   <p:sldSz cx="9144000" cy="6858000" type="screen4x3"/>
   <p:notesSz cx="6858000" cy="9144000"/>
@@ -110,6 +129,616 @@
 </p:presentation>
 </file>
 
+<file path=ppt/charts/chart1.xml><?xml version="1.0" encoding="utf-8"?>
+<c:chartSpace xmlns:c="http://schemas.openxmlformats.org/drawingml/2006/chart" xmlns:a="http://schemas.openxmlformats.org/drawingml/2006/main" xmlns:r="http://schemas.openxmlformats.org/officeDocument/2006/relationships">
+  <c:date1904 val="1"/>
+  <c:lang val="en-US"/>
+  <c:chart>
+    <c:plotArea>
+      <c:layout/>
+      <c:scatterChart>
+        <c:scatterStyle val="smoothMarker"/>
+        <c:ser>
+          <c:idx val="0"/>
+          <c:order val="0"/>
+          <c:tx>
+            <c:strRef>
+              <c:f>Sheet1!$A$1</c:f>
+              <c:strCache>
+                <c:ptCount val="1"/>
+                <c:pt idx="0">
+                  <c:v>5Ω</c:v>
+                </c:pt>
+              </c:strCache>
+            </c:strRef>
+          </c:tx>
+          <c:xVal>
+            <c:numRef>
+              <c:f>Sheet1!$C$3:$C$23</c:f>
+              <c:numCache>
+                <c:formatCode>0.000</c:formatCode>
+                <c:ptCount val="21"/>
+                <c:pt idx="0">
+                  <c:v>0</c:v>
+                </c:pt>
+                <c:pt idx="1">
+                  <c:v>0.31100000000000005</c:v>
+                </c:pt>
+                <c:pt idx="2">
+                  <c:v>0.52</c:v>
+                </c:pt>
+                <c:pt idx="3">
+                  <c:v>0.75200000000000011</c:v>
+                </c:pt>
+                <c:pt idx="4">
+                  <c:v>0.99099999999999999</c:v>
+                </c:pt>
+                <c:pt idx="5">
+                  <c:v>1.256</c:v>
+                </c:pt>
+                <c:pt idx="6">
+                  <c:v>1.486</c:v>
+                </c:pt>
+                <c:pt idx="7">
+                  <c:v>1.7260000000000002</c:v>
+                </c:pt>
+                <c:pt idx="8">
+                  <c:v>1.97</c:v>
+                </c:pt>
+                <c:pt idx="9">
+                  <c:v>2.2090000000000001</c:v>
+                </c:pt>
+                <c:pt idx="10">
+                  <c:v>2.4619999999999997</c:v>
+                </c:pt>
+                <c:pt idx="11">
+                  <c:v>2.698</c:v>
+                </c:pt>
+                <c:pt idx="12">
+                  <c:v>2.9289999999999998</c:v>
+                </c:pt>
+                <c:pt idx="13">
+                  <c:v>3.1669999999999998</c:v>
+                </c:pt>
+                <c:pt idx="14">
+                  <c:v>3.4079999999999999</c:v>
+                </c:pt>
+                <c:pt idx="15">
+                  <c:v>3.6359999999999997</c:v>
+                </c:pt>
+                <c:pt idx="16">
+                  <c:v>3.8559999999999994</c:v>
+                </c:pt>
+                <c:pt idx="17">
+                  <c:v>4.1049999999999995</c:v>
+                </c:pt>
+                <c:pt idx="18">
+                  <c:v>4.3339999999999996</c:v>
+                </c:pt>
+                <c:pt idx="19">
+                  <c:v>4.54</c:v>
+                </c:pt>
+                <c:pt idx="20">
+                  <c:v>4.7639999999999993</c:v>
+                </c:pt>
+              </c:numCache>
+            </c:numRef>
+          </c:xVal>
+          <c:yVal>
+            <c:numRef>
+              <c:f>Sheet1!$F$3:$F$23</c:f>
+              <c:numCache>
+                <c:formatCode>0.000</c:formatCode>
+                <c:ptCount val="21"/>
+                <c:pt idx="0">
+                  <c:v>0</c:v>
+                </c:pt>
+                <c:pt idx="1">
+                  <c:v>1.9344200000000002E-2</c:v>
+                </c:pt>
+                <c:pt idx="2">
+                  <c:v>5.4080000000000017E-2</c:v>
+                </c:pt>
+                <c:pt idx="3">
+                  <c:v>0.11310080000000002</c:v>
+                </c:pt>
+                <c:pt idx="4">
+                  <c:v>0.19641620000000004</c:v>
+                </c:pt>
+                <c:pt idx="5">
+                  <c:v>0.3155072000000001</c:v>
+                </c:pt>
+                <c:pt idx="6">
+                  <c:v>0.44163920000000001</c:v>
+                </c:pt>
+                <c:pt idx="7">
+                  <c:v>0.59581519999999999</c:v>
+                </c:pt>
+                <c:pt idx="8">
+                  <c:v>0.77617999999999998</c:v>
+                </c:pt>
+                <c:pt idx="9">
+                  <c:v>0.97593620000000003</c:v>
+                </c:pt>
+                <c:pt idx="10">
+                  <c:v>1.2122888000000001</c:v>
+                </c:pt>
+                <c:pt idx="11">
+                  <c:v>1.4558407999999998</c:v>
+                </c:pt>
+                <c:pt idx="12">
+                  <c:v>1.7158081999999997</c:v>
+                </c:pt>
+                <c:pt idx="13">
+                  <c:v>2.0059778000000001</c:v>
+                </c:pt>
+                <c:pt idx="14">
+                  <c:v>2.3228927999999995</c:v>
+                </c:pt>
+                <c:pt idx="15">
+                  <c:v>2.6440992000000008</c:v>
+                </c:pt>
+                <c:pt idx="16">
+                  <c:v>2.9737471999999991</c:v>
+                </c:pt>
+                <c:pt idx="17">
+                  <c:v>3.3702050000000003</c:v>
+                </c:pt>
+                <c:pt idx="18">
+                  <c:v>3.7567111999999994</c:v>
+                </c:pt>
+                <c:pt idx="19">
+                  <c:v>4.1223199999999993</c:v>
+                </c:pt>
+                <c:pt idx="20">
+                  <c:v>4.5391392000000002</c:v>
+                </c:pt>
+              </c:numCache>
+            </c:numRef>
+          </c:yVal>
+          <c:smooth val="1"/>
+        </c:ser>
+        <c:ser>
+          <c:idx val="1"/>
+          <c:order val="1"/>
+          <c:tx>
+            <c:strRef>
+              <c:f>Sheet1!$N$1</c:f>
+              <c:strCache>
+                <c:ptCount val="1"/>
+                <c:pt idx="0">
+                  <c:v>1Ω</c:v>
+                </c:pt>
+              </c:strCache>
+            </c:strRef>
+          </c:tx>
+          <c:xVal>
+            <c:numRef>
+              <c:f>Sheet1!$O$3:$O$23</c:f>
+              <c:numCache>
+                <c:formatCode>0.000</c:formatCode>
+                <c:ptCount val="21"/>
+                <c:pt idx="0">
+                  <c:v>0</c:v>
+                </c:pt>
+                <c:pt idx="1">
+                  <c:v>0.29300000000000004</c:v>
+                </c:pt>
+                <c:pt idx="2">
+                  <c:v>0.501</c:v>
+                </c:pt>
+                <c:pt idx="3">
+                  <c:v>0.7340000000000001</c:v>
+                </c:pt>
+                <c:pt idx="4">
+                  <c:v>0.96300000000000008</c:v>
+                </c:pt>
+                <c:pt idx="5">
+                  <c:v>1.2</c:v>
+                </c:pt>
+                <c:pt idx="6">
+                  <c:v>1.4389999999999998</c:v>
+                </c:pt>
+                <c:pt idx="7">
+                  <c:v>1.6600000000000001</c:v>
+                </c:pt>
+                <c:pt idx="8">
+                  <c:v>1.9029999999999998</c:v>
+                </c:pt>
+                <c:pt idx="9">
+                  <c:v>2.1389999999999998</c:v>
+                </c:pt>
+                <c:pt idx="10">
+                  <c:v>2.3749999999999996</c:v>
+                </c:pt>
+                <c:pt idx="11">
+                  <c:v>2.609</c:v>
+                </c:pt>
+                <c:pt idx="12">
+                  <c:v>2.8499999999999996</c:v>
+                </c:pt>
+                <c:pt idx="13">
+                  <c:v>3.1</c:v>
+                </c:pt>
+                <c:pt idx="14">
+                  <c:v>3.3389999999999995</c:v>
+                </c:pt>
+                <c:pt idx="15">
+                  <c:v>3.56</c:v>
+                </c:pt>
+                <c:pt idx="16">
+                  <c:v>3.8169999999999997</c:v>
+                </c:pt>
+                <c:pt idx="17">
+                  <c:v>4.0439999999999996</c:v>
+                </c:pt>
+                <c:pt idx="18">
+                  <c:v>4.3069999999999995</c:v>
+                </c:pt>
+                <c:pt idx="19">
+                  <c:v>4.5419999999999998</c:v>
+                </c:pt>
+                <c:pt idx="20">
+                  <c:v>4.762999999999999</c:v>
+                </c:pt>
+              </c:numCache>
+            </c:numRef>
+          </c:xVal>
+          <c:yVal>
+            <c:numRef>
+              <c:f>Sheet1!$R$3:$R$23</c:f>
+              <c:numCache>
+                <c:formatCode>0.000</c:formatCode>
+                <c:ptCount val="21"/>
+                <c:pt idx="0">
+                  <c:v>0</c:v>
+                </c:pt>
+                <c:pt idx="1">
+                  <c:v>8.5849000000000023E-2</c:v>
+                </c:pt>
+                <c:pt idx="2">
+                  <c:v>0.25100100000000003</c:v>
+                </c:pt>
+                <c:pt idx="3">
+                  <c:v>0.53875600000000001</c:v>
+                </c:pt>
+                <c:pt idx="4">
+                  <c:v>0.92736899999999978</c:v>
+                </c:pt>
+                <c:pt idx="5">
+                  <c:v>1.44</c:v>
+                </c:pt>
+                <c:pt idx="6">
+                  <c:v>2.0707210000000007</c:v>
+                </c:pt>
+                <c:pt idx="7">
+                  <c:v>2.7555999999999998</c:v>
+                </c:pt>
+                <c:pt idx="8">
+                  <c:v>3.6214089999999994</c:v>
+                </c:pt>
+                <c:pt idx="9">
+                  <c:v>4.5753209999999989</c:v>
+                </c:pt>
+                <c:pt idx="10">
+                  <c:v>5.640625</c:v>
+                </c:pt>
+                <c:pt idx="11">
+                  <c:v>6.8068809999999988</c:v>
+                </c:pt>
+                <c:pt idx="12">
+                  <c:v>8.1225000000000005</c:v>
+                </c:pt>
+                <c:pt idx="13">
+                  <c:v>9.6100000000000012</c:v>
+                </c:pt>
+                <c:pt idx="14">
+                  <c:v>11.148920999999996</c:v>
+                </c:pt>
+                <c:pt idx="15">
+                  <c:v>12.6736</c:v>
+                </c:pt>
+                <c:pt idx="16">
+                  <c:v>14.569489000000004</c:v>
+                </c:pt>
+                <c:pt idx="17">
+                  <c:v>16.353935999999997</c:v>
+                </c:pt>
+                <c:pt idx="18">
+                  <c:v>18.550249000000001</c:v>
+                </c:pt>
+                <c:pt idx="19">
+                  <c:v>20.629763999999994</c:v>
+                </c:pt>
+                <c:pt idx="20">
+                  <c:v>22.686169</c:v>
+                </c:pt>
+              </c:numCache>
+            </c:numRef>
+          </c:yVal>
+          <c:smooth val="1"/>
+        </c:ser>
+        <c:ser>
+          <c:idx val="2"/>
+          <c:order val="2"/>
+          <c:tx>
+            <c:strRef>
+              <c:f>Sheet1!$T$1</c:f>
+              <c:strCache>
+                <c:ptCount val="1"/>
+                <c:pt idx="0">
+                  <c:v>0.5Ω</c:v>
+                </c:pt>
+              </c:strCache>
+            </c:strRef>
+          </c:tx>
+          <c:xVal>
+            <c:numRef>
+              <c:f>Sheet1!$U$3:$U$23</c:f>
+              <c:numCache>
+                <c:formatCode>0.000</c:formatCode>
+                <c:ptCount val="21"/>
+                <c:pt idx="0">
+                  <c:v>0</c:v>
+                </c:pt>
+                <c:pt idx="1">
+                  <c:v>0.2</c:v>
+                </c:pt>
+                <c:pt idx="2">
+                  <c:v>0.4230000000000001</c:v>
+                </c:pt>
+                <c:pt idx="3">
+                  <c:v>0.64500000000000013</c:v>
+                </c:pt>
+                <c:pt idx="4">
+                  <c:v>0.86900000000000011</c:v>
+                </c:pt>
+                <c:pt idx="5">
+                  <c:v>1.0980000000000001</c:v>
+                </c:pt>
+                <c:pt idx="6">
+                  <c:v>1.333</c:v>
+                </c:pt>
+                <c:pt idx="7">
+                  <c:v>1.5509999999999997</c:v>
+                </c:pt>
+                <c:pt idx="8">
+                  <c:v>1.7709999999999999</c:v>
+                </c:pt>
+                <c:pt idx="9">
+                  <c:v>2.0019999999999998</c:v>
+                </c:pt>
+                <c:pt idx="10">
+                  <c:v>2.226</c:v>
+                </c:pt>
+                <c:pt idx="11">
+                  <c:v>2.448</c:v>
+                </c:pt>
+                <c:pt idx="12">
+                  <c:v>2.6880000000000002</c:v>
+                </c:pt>
+                <c:pt idx="13">
+                  <c:v>2.9119999999999995</c:v>
+                </c:pt>
+                <c:pt idx="14">
+                  <c:v>3.14</c:v>
+                </c:pt>
+                <c:pt idx="15">
+                  <c:v>3.36</c:v>
+                </c:pt>
+                <c:pt idx="16">
+                  <c:v>3.58</c:v>
+                </c:pt>
+                <c:pt idx="17">
+                  <c:v>3.8079999999999998</c:v>
+                </c:pt>
+                <c:pt idx="18">
+                  <c:v>4.0179999999999989</c:v>
+                </c:pt>
+                <c:pt idx="19">
+                  <c:v>4.24</c:v>
+                </c:pt>
+                <c:pt idx="20">
+                  <c:v>4.4379999999999997</c:v>
+                </c:pt>
+              </c:numCache>
+            </c:numRef>
+          </c:xVal>
+          <c:yVal>
+            <c:numRef>
+              <c:f>Sheet1!$X$3:$X$23</c:f>
+              <c:numCache>
+                <c:formatCode>0.000</c:formatCode>
+                <c:ptCount val="21"/>
+                <c:pt idx="0">
+                  <c:v>0</c:v>
+                </c:pt>
+                <c:pt idx="1">
+                  <c:v>8.0000000000000029E-2</c:v>
+                </c:pt>
+                <c:pt idx="2">
+                  <c:v>0.35785800000000006</c:v>
+                </c:pt>
+                <c:pt idx="3">
+                  <c:v>0.83205000000000018</c:v>
+                </c:pt>
+                <c:pt idx="4">
+                  <c:v>1.5103219999999997</c:v>
+                </c:pt>
+                <c:pt idx="5">
+                  <c:v>2.4112079999999994</c:v>
+                </c:pt>
+                <c:pt idx="6">
+                  <c:v>3.5537779999999999</c:v>
+                </c:pt>
+                <c:pt idx="7">
+                  <c:v>4.8112019999999998</c:v>
+                </c:pt>
+                <c:pt idx="8">
+                  <c:v>6.2728819999999983</c:v>
+                </c:pt>
+                <c:pt idx="9">
+                  <c:v>8.0160079999999994</c:v>
+                </c:pt>
+                <c:pt idx="10">
+                  <c:v>9.9101520000000001</c:v>
+                </c:pt>
+                <c:pt idx="11">
+                  <c:v>11.985408000000001</c:v>
+                </c:pt>
+                <c:pt idx="12">
+                  <c:v>14.450688000000003</c:v>
+                </c:pt>
+                <c:pt idx="13">
+                  <c:v>16.959488</c:v>
+                </c:pt>
+                <c:pt idx="14">
+                  <c:v>19.719200000000001</c:v>
+                </c:pt>
+                <c:pt idx="15">
+                  <c:v>22.579199999999993</c:v>
+                </c:pt>
+                <c:pt idx="16">
+                  <c:v>25.632800000000003</c:v>
+                </c:pt>
+                <c:pt idx="17">
+                  <c:v>29.001727999999993</c:v>
+                </c:pt>
+                <c:pt idx="18">
+                  <c:v>32.288648000000002</c:v>
+                </c:pt>
+                <c:pt idx="19">
+                  <c:v>35.955200000000005</c:v>
+                </c:pt>
+                <c:pt idx="20">
+                  <c:v>39.391687999999995</c:v>
+                </c:pt>
+              </c:numCache>
+            </c:numRef>
+          </c:yVal>
+          <c:smooth val="1"/>
+        </c:ser>
+        <c:axId val="91175168"/>
+        <c:axId val="91185536"/>
+      </c:scatterChart>
+      <c:valAx>
+        <c:axId val="91175168"/>
+        <c:scaling>
+          <c:orientation val="minMax"/>
+        </c:scaling>
+        <c:axPos val="b"/>
+        <c:title>
+          <c:tx>
+            <c:rich>
+              <a:bodyPr/>
+              <a:lstStyle/>
+              <a:p>
+                <a:pPr>
+                  <a:defRPr sz="2000"/>
+                </a:pPr>
+                <a:r>
+                  <a:rPr lang="en-US" sz="2000"/>
+                  <a:t>Voltage (V)</a:t>
+                </a:r>
+              </a:p>
+            </c:rich>
+          </c:tx>
+          <c:layout/>
+        </c:title>
+        <c:numFmt formatCode="0.000" sourceLinked="1"/>
+        <c:tickLblPos val="nextTo"/>
+        <c:txPr>
+          <a:bodyPr/>
+          <a:lstStyle/>
+          <a:p>
+            <a:pPr>
+              <a:defRPr sz="1600"/>
+            </a:pPr>
+            <a:endParaRPr lang="en-US"/>
+          </a:p>
+        </c:txPr>
+        <c:crossAx val="91185536"/>
+        <c:crosses val="autoZero"/>
+        <c:crossBetween val="midCat"/>
+      </c:valAx>
+      <c:valAx>
+        <c:axId val="91185536"/>
+        <c:scaling>
+          <c:orientation val="minMax"/>
+          <c:max val="40"/>
+        </c:scaling>
+        <c:axPos val="l"/>
+        <c:majorGridlines/>
+        <c:title>
+          <c:tx>
+            <c:rich>
+              <a:bodyPr rot="-5400000" vert="horz"/>
+              <a:lstStyle/>
+              <a:p>
+                <a:pPr>
+                  <a:defRPr sz="2000"/>
+                </a:pPr>
+                <a:r>
+                  <a:rPr lang="en-US" sz="2000"/>
+                  <a:t>Power (W) [=V</a:t>
+                </a:r>
+                <a:r>
+                  <a:rPr lang="en-US" sz="2000" baseline="30000"/>
+                  <a:t>2</a:t>
+                </a:r>
+                <a:r>
+                  <a:rPr lang="en-US" sz="2000"/>
+                  <a:t>/R]</a:t>
+                </a:r>
+              </a:p>
+            </c:rich>
+          </c:tx>
+          <c:layout/>
+        </c:title>
+        <c:numFmt formatCode="0.000" sourceLinked="1"/>
+        <c:tickLblPos val="nextTo"/>
+        <c:txPr>
+          <a:bodyPr/>
+          <a:lstStyle/>
+          <a:p>
+            <a:pPr>
+              <a:defRPr sz="1600"/>
+            </a:pPr>
+            <a:endParaRPr lang="en-US"/>
+          </a:p>
+        </c:txPr>
+        <c:crossAx val="91175168"/>
+        <c:crosses val="autoZero"/>
+        <c:crossBetween val="midCat"/>
+        <c:majorUnit val="10"/>
+      </c:valAx>
+    </c:plotArea>
+    <c:legend>
+      <c:legendPos val="r"/>
+      <c:layout/>
+      <c:txPr>
+        <a:bodyPr/>
+        <a:lstStyle/>
+        <a:p>
+          <a:pPr>
+            <a:defRPr sz="2000"/>
+          </a:pPr>
+          <a:endParaRPr lang="en-US"/>
+        </a:p>
+      </c:txPr>
+    </c:legend>
+    <c:plotVisOnly val="1"/>
+    <c:dispBlanksAs val="gap"/>
+  </c:chart>
+  <c:spPr>
+    <a:solidFill>
+      <a:schemeClr val="bg1"/>
+    </a:solidFill>
+  </c:spPr>
+  <c:externalData r:id="rId1"/>
+</c:chartSpace>
+</file>
+
 <file path=ppt/slideLayouts/slideLayout1.xml><?xml version="1.0" encoding="utf-8"?>
 <p:sldLayout xmlns:a="http://schemas.openxmlformats.org/drawingml/2006/main" xmlns:r="http://schemas.openxmlformats.org/officeDocument/2006/relationships" xmlns:p="http://schemas.openxmlformats.org/presentationml/2006/main" type="title" preserve="1">
   <p:cSld name="Title Slide">
@@ -291,7 +920,8 @@
           <a:p>
             <a:fld id="{73CB4113-4B61-4036-A26A-B78772B4AC3A}" type="datetimeFigureOut">
               <a:rPr lang="en-US" smtClean="0"/>
-              <a:t>8/19/2011</a:t>
+              <a:pPr/>
+              <a:t>9/3/2011</a:t>
             </a:fld>
             <a:endParaRPr lang="en-US"/>
           </a:p>
@@ -333,6 +963,7 @@
           <a:p>
             <a:fld id="{236F73BC-DAD1-4167-9548-B122AFBB4444}" type="slidenum">
               <a:rPr lang="en-US" smtClean="0"/>
+              <a:pPr/>
               <a:t>‹#›</a:t>
             </a:fld>
             <a:endParaRPr lang="en-US"/>
@@ -456,7 +1087,8 @@
           <a:p>
             <a:fld id="{73CB4113-4B61-4036-A26A-B78772B4AC3A}" type="datetimeFigureOut">
               <a:rPr lang="en-US" smtClean="0"/>
-              <a:t>8/19/2011</a:t>
+              <a:pPr/>
+              <a:t>9/3/2011</a:t>
             </a:fld>
             <a:endParaRPr lang="en-US"/>
           </a:p>
@@ -498,6 +1130,7 @@
           <a:p>
             <a:fld id="{236F73BC-DAD1-4167-9548-B122AFBB4444}" type="slidenum">
               <a:rPr lang="en-US" smtClean="0"/>
+              <a:pPr/>
               <a:t>‹#›</a:t>
             </a:fld>
             <a:endParaRPr lang="en-US"/>
@@ -631,7 +1264,8 @@
           <a:p>
             <a:fld id="{73CB4113-4B61-4036-A26A-B78772B4AC3A}" type="datetimeFigureOut">
               <a:rPr lang="en-US" smtClean="0"/>
-              <a:t>8/19/2011</a:t>
+              <a:pPr/>
+              <a:t>9/3/2011</a:t>
             </a:fld>
             <a:endParaRPr lang="en-US"/>
           </a:p>
@@ -673,6 +1307,7 @@
           <a:p>
             <a:fld id="{236F73BC-DAD1-4167-9548-B122AFBB4444}" type="slidenum">
               <a:rPr lang="en-US" smtClean="0"/>
+              <a:pPr/>
               <a:t>‹#›</a:t>
             </a:fld>
             <a:endParaRPr lang="en-US"/>
@@ -796,7 +1431,8 @@
           <a:p>
             <a:fld id="{73CB4113-4B61-4036-A26A-B78772B4AC3A}" type="datetimeFigureOut">
               <a:rPr lang="en-US" smtClean="0"/>
-              <a:t>8/19/2011</a:t>
+              <a:pPr/>
+              <a:t>9/3/2011</a:t>
             </a:fld>
             <a:endParaRPr lang="en-US"/>
           </a:p>
@@ -838,6 +1474,7 @@
           <a:p>
             <a:fld id="{236F73BC-DAD1-4167-9548-B122AFBB4444}" type="slidenum">
               <a:rPr lang="en-US" smtClean="0"/>
+              <a:pPr/>
               <a:t>‹#›</a:t>
             </a:fld>
             <a:endParaRPr lang="en-US"/>
@@ -1037,7 +1674,8 @@
           <a:p>
             <a:fld id="{73CB4113-4B61-4036-A26A-B78772B4AC3A}" type="datetimeFigureOut">
               <a:rPr lang="en-US" smtClean="0"/>
-              <a:t>8/19/2011</a:t>
+              <a:pPr/>
+              <a:t>9/3/2011</a:t>
             </a:fld>
             <a:endParaRPr lang="en-US"/>
           </a:p>
@@ -1079,6 +1717,7 @@
           <a:p>
             <a:fld id="{236F73BC-DAD1-4167-9548-B122AFBB4444}" type="slidenum">
               <a:rPr lang="en-US" smtClean="0"/>
+              <a:pPr/>
               <a:t>‹#›</a:t>
             </a:fld>
             <a:endParaRPr lang="en-US"/>
@@ -1320,7 +1959,8 @@
           <a:p>
             <a:fld id="{73CB4113-4B61-4036-A26A-B78772B4AC3A}" type="datetimeFigureOut">
               <a:rPr lang="en-US" smtClean="0"/>
-              <a:t>8/19/2011</a:t>
+              <a:pPr/>
+              <a:t>9/3/2011</a:t>
             </a:fld>
             <a:endParaRPr lang="en-US"/>
           </a:p>
@@ -1362,6 +2002,7 @@
           <a:p>
             <a:fld id="{236F73BC-DAD1-4167-9548-B122AFBB4444}" type="slidenum">
               <a:rPr lang="en-US" smtClean="0"/>
+              <a:pPr/>
               <a:t>‹#›</a:t>
             </a:fld>
             <a:endParaRPr lang="en-US"/>
@@ -1737,7 +2378,8 @@
           <a:p>
             <a:fld id="{73CB4113-4B61-4036-A26A-B78772B4AC3A}" type="datetimeFigureOut">
               <a:rPr lang="en-US" smtClean="0"/>
-              <a:t>8/19/2011</a:t>
+              <a:pPr/>
+              <a:t>9/3/2011</a:t>
             </a:fld>
             <a:endParaRPr lang="en-US"/>
           </a:p>
@@ -1779,6 +2421,7 @@
           <a:p>
             <a:fld id="{236F73BC-DAD1-4167-9548-B122AFBB4444}" type="slidenum">
               <a:rPr lang="en-US" smtClean="0"/>
+              <a:pPr/>
               <a:t>‹#›</a:t>
             </a:fld>
             <a:endParaRPr lang="en-US"/>
@@ -1850,7 +2493,8 @@
           <a:p>
             <a:fld id="{73CB4113-4B61-4036-A26A-B78772B4AC3A}" type="datetimeFigureOut">
               <a:rPr lang="en-US" smtClean="0"/>
-              <a:t>8/19/2011</a:t>
+              <a:pPr/>
+              <a:t>9/3/2011</a:t>
             </a:fld>
             <a:endParaRPr lang="en-US"/>
           </a:p>
@@ -1892,6 +2536,7 @@
           <a:p>
             <a:fld id="{236F73BC-DAD1-4167-9548-B122AFBB4444}" type="slidenum">
               <a:rPr lang="en-US" smtClean="0"/>
+              <a:pPr/>
               <a:t>‹#›</a:t>
             </a:fld>
             <a:endParaRPr lang="en-US"/>
@@ -1940,7 +2585,8 @@
           <a:p>
             <a:fld id="{73CB4113-4B61-4036-A26A-B78772B4AC3A}" type="datetimeFigureOut">
               <a:rPr lang="en-US" smtClean="0"/>
-              <a:t>8/19/2011</a:t>
+              <a:pPr/>
+              <a:t>9/3/2011</a:t>
             </a:fld>
             <a:endParaRPr lang="en-US"/>
           </a:p>
@@ -1982,6 +2628,7 @@
           <a:p>
             <a:fld id="{236F73BC-DAD1-4167-9548-B122AFBB4444}" type="slidenum">
               <a:rPr lang="en-US" smtClean="0"/>
+              <a:pPr/>
               <a:t>‹#›</a:t>
             </a:fld>
             <a:endParaRPr lang="en-US"/>
@@ -2212,7 +2859,8 @@
           <a:p>
             <a:fld id="{73CB4113-4B61-4036-A26A-B78772B4AC3A}" type="datetimeFigureOut">
               <a:rPr lang="en-US" smtClean="0"/>
-              <a:t>8/19/2011</a:t>
+              <a:pPr/>
+              <a:t>9/3/2011</a:t>
             </a:fld>
             <a:endParaRPr lang="en-US"/>
           </a:p>
@@ -2254,6 +2902,7 @@
           <a:p>
             <a:fld id="{236F73BC-DAD1-4167-9548-B122AFBB4444}" type="slidenum">
               <a:rPr lang="en-US" smtClean="0"/>
+              <a:pPr/>
               <a:t>‹#›</a:t>
             </a:fld>
             <a:endParaRPr lang="en-US"/>
@@ -2460,7 +3109,8 @@
           <a:p>
             <a:fld id="{73CB4113-4B61-4036-A26A-B78772B4AC3A}" type="datetimeFigureOut">
               <a:rPr lang="en-US" smtClean="0"/>
-              <a:t>8/19/2011</a:t>
+              <a:pPr/>
+              <a:t>9/3/2011</a:t>
             </a:fld>
             <a:endParaRPr lang="en-US"/>
           </a:p>
@@ -2502,6 +3152,7 @@
           <a:p>
             <a:fld id="{236F73BC-DAD1-4167-9548-B122AFBB4444}" type="slidenum">
               <a:rPr lang="en-US" smtClean="0"/>
+              <a:pPr/>
               <a:t>‹#›</a:t>
             </a:fld>
             <a:endParaRPr lang="en-US"/>
@@ -2520,9 +3171,18 @@
 <p:sldMaster xmlns:a="http://schemas.openxmlformats.org/drawingml/2006/main" xmlns:r="http://schemas.openxmlformats.org/officeDocument/2006/relationships" xmlns:p="http://schemas.openxmlformats.org/presentationml/2006/main">
   <p:cSld>
     <p:bg>
-      <p:bgRef idx="1001">
-        <a:schemeClr val="bg1"/>
-      </p:bgRef>
+      <p:bgPr>
+        <a:blipFill dpi="0" rotWithShape="1">
+          <a:blip r:embed="rId13" cstate="print">
+            <a:lum bright="-20000"/>
+          </a:blip>
+          <a:srcRect/>
+          <a:stretch>
+            <a:fillRect/>
+          </a:stretch>
+        </a:blipFill>
+        <a:effectLst/>
+      </p:bgPr>
     </p:bg>
     <p:spTree>
       <p:nvGrpSpPr>
@@ -2668,7 +3328,8 @@
           <a:p>
             <a:fld id="{73CB4113-4B61-4036-A26A-B78772B4AC3A}" type="datetimeFigureOut">
               <a:rPr lang="en-US" smtClean="0"/>
-              <a:t>8/19/2011</a:t>
+              <a:pPr/>
+              <a:t>9/3/2011</a:t>
             </a:fld>
             <a:endParaRPr lang="en-US"/>
           </a:p>
@@ -2746,6 +3407,7 @@
           <a:p>
             <a:fld id="{236F73BC-DAD1-4167-9548-B122AFBB4444}" type="slidenum">
               <a:rPr lang="en-US" smtClean="0"/>
+              <a:pPr/>
               <a:t>‹#›</a:t>
             </a:fld>
             <a:endParaRPr lang="en-US"/>
@@ -3038,32 +3700,6 @@
           <a:chExt cx="0" cy="0"/>
         </a:xfrm>
       </p:grpSpPr>
-      <p:pic>
-        <p:nvPicPr>
-          <p:cNvPr id="4" name="Picture 3" descr="under_water_turbine.jpg"/>
-          <p:cNvPicPr>
-            <a:picLocks noChangeAspect="1"/>
-          </p:cNvPicPr>
-          <p:nvPr/>
-        </p:nvPicPr>
-        <p:blipFill>
-          <a:blip r:embed="rId2" cstate="print">
-            <a:lum bright="-20000"/>
-          </a:blip>
-          <a:stretch>
-            <a:fillRect/>
-          </a:stretch>
-        </p:blipFill>
-        <p:spPr>
-          <a:xfrm>
-            <a:off x="0" y="-2795"/>
-            <a:ext cx="9143999" cy="6863589"/>
-          </a:xfrm>
-          <a:prstGeom prst="rect">
-            <a:avLst/>
-          </a:prstGeom>
-        </p:spPr>
-      </p:pic>
       <p:sp>
         <p:nvSpPr>
           <p:cNvPr id="2" name="Title 1"/>
@@ -3170,6 +3806,2284 @@
       </p:par>
     </p:tnLst>
   </p:timing>
+</p:sld>
+</file>
+
+<file path=ppt/slides/slide10.xml><?xml version="1.0" encoding="utf-8"?>
+<p:sld xmlns:a="http://schemas.openxmlformats.org/drawingml/2006/main" xmlns:r="http://schemas.openxmlformats.org/officeDocument/2006/relationships" xmlns:p="http://schemas.openxmlformats.org/presentationml/2006/main">
+  <p:cSld>
+    <p:spTree>
+      <p:nvGrpSpPr>
+        <p:cNvPr id="1" name=""/>
+        <p:cNvGrpSpPr/>
+        <p:nvPr/>
+      </p:nvGrpSpPr>
+      <p:grpSpPr>
+        <a:xfrm>
+          <a:off x="0" y="0"/>
+          <a:ext cx="0" cy="0"/>
+          <a:chOff x="0" y="0"/>
+          <a:chExt cx="0" cy="0"/>
+        </a:xfrm>
+      </p:grpSpPr>
+      <p:sp>
+        <p:nvSpPr>
+          <p:cNvPr id="2" name="Title 1"/>
+          <p:cNvSpPr>
+            <a:spLocks noGrp="1"/>
+          </p:cNvSpPr>
+          <p:nvPr>
+            <p:ph type="title"/>
+          </p:nvPr>
+        </p:nvSpPr>
+        <p:spPr/>
+        <p:txBody>
+          <a:bodyPr/>
+          <a:lstStyle/>
+          <a:p>
+            <a:r>
+              <a:rPr lang="en-US" dirty="0" smtClean="0">
+                <a:solidFill>
+                  <a:schemeClr val="bg1"/>
+                </a:solidFill>
+              </a:rPr>
+              <a:t>Gearbox</a:t>
+            </a:r>
+            <a:endParaRPr lang="en-US" dirty="0">
+              <a:solidFill>
+                <a:schemeClr val="bg1"/>
+              </a:solidFill>
+            </a:endParaRPr>
+          </a:p>
+        </p:txBody>
+      </p:sp>
+      <p:sp>
+        <p:nvSpPr>
+          <p:cNvPr id="3" name="Content Placeholder 2"/>
+          <p:cNvSpPr>
+            <a:spLocks noGrp="1"/>
+          </p:cNvSpPr>
+          <p:nvPr>
+            <p:ph idx="1"/>
+          </p:nvPr>
+        </p:nvSpPr>
+        <p:spPr/>
+        <p:txBody>
+          <a:bodyPr/>
+          <a:lstStyle/>
+          <a:p>
+            <a:r>
+              <a:rPr lang="en-US" dirty="0" smtClean="0">
+                <a:solidFill>
+                  <a:schemeClr val="bg1"/>
+                </a:solidFill>
+              </a:rPr>
+              <a:t>A gearbox will be required to bring the turbine up to speed in order to generate efficiently</a:t>
+            </a:r>
+          </a:p>
+          <a:p>
+            <a:r>
+              <a:rPr lang="en-US" dirty="0" smtClean="0">
+                <a:solidFill>
+                  <a:schemeClr val="bg1"/>
+                </a:solidFill>
+              </a:rPr>
+              <a:t>Speed required is 2400 rpm</a:t>
+            </a:r>
+          </a:p>
+          <a:p>
+            <a:r>
+              <a:rPr lang="en-US" dirty="0" smtClean="0">
+                <a:solidFill>
+                  <a:schemeClr val="bg1"/>
+                </a:solidFill>
+              </a:rPr>
+              <a:t>Speed of turbine when water flow is 1.54 ms</a:t>
+            </a:r>
+            <a:r>
+              <a:rPr lang="en-US" baseline="30000" dirty="0" smtClean="0">
+                <a:solidFill>
+                  <a:schemeClr val="bg1"/>
+                </a:solidFill>
+              </a:rPr>
+              <a:t>-1</a:t>
+            </a:r>
+            <a:r>
+              <a:rPr lang="en-US" dirty="0" smtClean="0">
+                <a:solidFill>
+                  <a:schemeClr val="bg1"/>
+                </a:solidFill>
+              </a:rPr>
+              <a:t> is estimated to be 124 rpm</a:t>
+            </a:r>
+          </a:p>
+          <a:p>
+            <a:pPr lvl="1">
+              <a:buFont typeface="Wingdings" pitchFamily="2" charset="2"/>
+              <a:buChar char="Ø"/>
+            </a:pPr>
+            <a:r>
+              <a:rPr lang="en-US" dirty="0" smtClean="0">
+                <a:solidFill>
+                  <a:schemeClr val="bg1"/>
+                </a:solidFill>
+              </a:rPr>
+              <a:t>Therefore gearbox ratio is 19:1</a:t>
+            </a:r>
+            <a:endParaRPr lang="en-US" dirty="0">
+              <a:solidFill>
+                <a:schemeClr val="bg1"/>
+              </a:solidFill>
+            </a:endParaRPr>
+          </a:p>
+        </p:txBody>
+      </p:sp>
+    </p:spTree>
+  </p:cSld>
+  <p:clrMapOvr>
+    <a:masterClrMapping/>
+  </p:clrMapOvr>
+</p:sld>
+</file>
+
+<file path=ppt/slides/slide11.xml><?xml version="1.0" encoding="utf-8"?>
+<p:sld xmlns:a="http://schemas.openxmlformats.org/drawingml/2006/main" xmlns:r="http://schemas.openxmlformats.org/officeDocument/2006/relationships" xmlns:p="http://schemas.openxmlformats.org/presentationml/2006/main">
+  <p:cSld>
+    <p:spTree>
+      <p:nvGrpSpPr>
+        <p:cNvPr id="1" name=""/>
+        <p:cNvGrpSpPr/>
+        <p:nvPr/>
+      </p:nvGrpSpPr>
+      <p:grpSpPr>
+        <a:xfrm>
+          <a:off x="0" y="0"/>
+          <a:ext cx="0" cy="0"/>
+          <a:chOff x="0" y="0"/>
+          <a:chExt cx="0" cy="0"/>
+        </a:xfrm>
+      </p:grpSpPr>
+      <p:sp>
+        <p:nvSpPr>
+          <p:cNvPr id="2" name="Title 1"/>
+          <p:cNvSpPr>
+            <a:spLocks noGrp="1"/>
+          </p:cNvSpPr>
+          <p:nvPr>
+            <p:ph type="title"/>
+          </p:nvPr>
+        </p:nvSpPr>
+        <p:spPr/>
+        <p:txBody>
+          <a:bodyPr/>
+          <a:lstStyle/>
+          <a:p>
+            <a:r>
+              <a:rPr lang="en-US" dirty="0" smtClean="0">
+                <a:solidFill>
+                  <a:schemeClr val="bg1"/>
+                </a:solidFill>
+              </a:rPr>
+              <a:t>Generator</a:t>
+            </a:r>
+            <a:endParaRPr lang="en-US" dirty="0">
+              <a:solidFill>
+                <a:schemeClr val="bg1"/>
+              </a:solidFill>
+            </a:endParaRPr>
+          </a:p>
+        </p:txBody>
+      </p:sp>
+      <p:sp>
+        <p:nvSpPr>
+          <p:cNvPr id="3" name="Content Placeholder 2"/>
+          <p:cNvSpPr>
+            <a:spLocks noGrp="1"/>
+          </p:cNvSpPr>
+          <p:nvPr>
+            <p:ph idx="1"/>
+          </p:nvPr>
+        </p:nvSpPr>
+        <p:spPr/>
+        <p:txBody>
+          <a:bodyPr/>
+          <a:lstStyle/>
+          <a:p>
+            <a:r>
+              <a:rPr lang="en-US" dirty="0" smtClean="0">
+                <a:solidFill>
+                  <a:schemeClr val="bg1"/>
+                </a:solidFill>
+              </a:rPr>
+              <a:t>Generator chosen is Scorpion S-4025-16</a:t>
+            </a:r>
+          </a:p>
+          <a:p>
+            <a:r>
+              <a:rPr lang="en-US" dirty="0" smtClean="0">
+                <a:solidFill>
+                  <a:schemeClr val="bg1"/>
+                </a:solidFill>
+              </a:rPr>
+              <a:t>Chosen as not for efficiency, instead for cost as already in department</a:t>
+            </a:r>
+          </a:p>
+          <a:p>
+            <a:endParaRPr lang="en-US" dirty="0">
+              <a:solidFill>
+                <a:schemeClr val="bg1"/>
+              </a:solidFill>
+            </a:endParaRPr>
+          </a:p>
+        </p:txBody>
+      </p:sp>
+    </p:spTree>
+  </p:cSld>
+  <p:clrMapOvr>
+    <a:masterClrMapping/>
+  </p:clrMapOvr>
+</p:sld>
+</file>
+
+<file path=ppt/slides/slide12.xml><?xml version="1.0" encoding="utf-8"?>
+<p:sld xmlns:a="http://schemas.openxmlformats.org/drawingml/2006/main" xmlns:r="http://schemas.openxmlformats.org/officeDocument/2006/relationships" xmlns:p="http://schemas.openxmlformats.org/presentationml/2006/main">
+  <p:cSld>
+    <p:spTree>
+      <p:nvGrpSpPr>
+        <p:cNvPr id="1" name=""/>
+        <p:cNvGrpSpPr/>
+        <p:nvPr/>
+      </p:nvGrpSpPr>
+      <p:grpSpPr>
+        <a:xfrm>
+          <a:off x="0" y="0"/>
+          <a:ext cx="0" cy="0"/>
+          <a:chOff x="0" y="0"/>
+          <a:chExt cx="0" cy="0"/>
+        </a:xfrm>
+      </p:grpSpPr>
+      <p:sp>
+        <p:nvSpPr>
+          <p:cNvPr id="2" name="Title 1"/>
+          <p:cNvSpPr>
+            <a:spLocks noGrp="1"/>
+          </p:cNvSpPr>
+          <p:nvPr>
+            <p:ph type="title"/>
+          </p:nvPr>
+        </p:nvSpPr>
+        <p:spPr/>
+        <p:txBody>
+          <a:bodyPr/>
+          <a:lstStyle/>
+          <a:p>
+            <a:r>
+              <a:rPr lang="en-US" dirty="0" smtClean="0">
+                <a:solidFill>
+                  <a:schemeClr val="bg1"/>
+                </a:solidFill>
+              </a:rPr>
+              <a:t>Power Converter</a:t>
+            </a:r>
+            <a:endParaRPr lang="en-US" dirty="0">
+              <a:solidFill>
+                <a:schemeClr val="bg1"/>
+              </a:solidFill>
+            </a:endParaRPr>
+          </a:p>
+        </p:txBody>
+      </p:sp>
+      <p:sp>
+        <p:nvSpPr>
+          <p:cNvPr id="3" name="Content Placeholder 2"/>
+          <p:cNvSpPr>
+            <a:spLocks noGrp="1"/>
+          </p:cNvSpPr>
+          <p:nvPr>
+            <p:ph idx="1"/>
+          </p:nvPr>
+        </p:nvSpPr>
+        <p:spPr/>
+        <p:txBody>
+          <a:bodyPr/>
+          <a:lstStyle/>
+          <a:p>
+            <a:r>
+              <a:rPr lang="en-US" dirty="0" smtClean="0">
+                <a:solidFill>
+                  <a:schemeClr val="bg1"/>
+                </a:solidFill>
+              </a:rPr>
+              <a:t>Must convert from 4.7 </a:t>
+            </a:r>
+            <a:r>
+              <a:rPr lang="en-US" dirty="0" err="1" smtClean="0">
+                <a:solidFill>
+                  <a:schemeClr val="bg1"/>
+                </a:solidFill>
+              </a:rPr>
+              <a:t>Vrms</a:t>
+            </a:r>
+            <a:r>
+              <a:rPr lang="en-US" dirty="0" smtClean="0">
+                <a:solidFill>
+                  <a:schemeClr val="bg1"/>
+                </a:solidFill>
+              </a:rPr>
+              <a:t>, 5.4 Arms to 5V, 2A DC</a:t>
+            </a:r>
+          </a:p>
+          <a:p>
+            <a:r>
+              <a:rPr lang="en-US" dirty="0" smtClean="0">
+                <a:solidFill>
+                  <a:schemeClr val="bg1"/>
+                </a:solidFill>
+              </a:rPr>
+              <a:t>Use a three phase rectifier bridge, small amount of DC bus capacitance and a buck-boost converter</a:t>
+            </a:r>
+            <a:endParaRPr lang="en-US" dirty="0">
+              <a:solidFill>
+                <a:schemeClr val="bg1"/>
+              </a:solidFill>
+            </a:endParaRPr>
+          </a:p>
+        </p:txBody>
+      </p:sp>
+    </p:spTree>
+  </p:cSld>
+  <p:clrMapOvr>
+    <a:masterClrMapping/>
+  </p:clrMapOvr>
+</p:sld>
+</file>
+
+<file path=ppt/slides/slide13.xml><?xml version="1.0" encoding="utf-8"?>
+<p:sld xmlns:a="http://schemas.openxmlformats.org/drawingml/2006/main" xmlns:r="http://schemas.openxmlformats.org/officeDocument/2006/relationships" xmlns:p="http://schemas.openxmlformats.org/presentationml/2006/main">
+  <p:cSld>
+    <p:spTree>
+      <p:nvGrpSpPr>
+        <p:cNvPr id="1" name=""/>
+        <p:cNvGrpSpPr/>
+        <p:nvPr/>
+      </p:nvGrpSpPr>
+      <p:grpSpPr>
+        <a:xfrm>
+          <a:off x="0" y="0"/>
+          <a:ext cx="0" cy="0"/>
+          <a:chOff x="0" y="0"/>
+          <a:chExt cx="0" cy="0"/>
+        </a:xfrm>
+      </p:grpSpPr>
+      <p:sp>
+        <p:nvSpPr>
+          <p:cNvPr id="2" name="Title 1"/>
+          <p:cNvSpPr>
+            <a:spLocks noGrp="1"/>
+          </p:cNvSpPr>
+          <p:nvPr>
+            <p:ph type="title"/>
+          </p:nvPr>
+        </p:nvSpPr>
+        <p:spPr/>
+        <p:txBody>
+          <a:bodyPr/>
+          <a:lstStyle/>
+          <a:p>
+            <a:r>
+              <a:rPr lang="en-US" dirty="0" smtClean="0">
+                <a:solidFill>
+                  <a:schemeClr val="bg1"/>
+                </a:solidFill>
+              </a:rPr>
+              <a:t>Output Motors</a:t>
+            </a:r>
+            <a:endParaRPr lang="en-US" dirty="0">
+              <a:solidFill>
+                <a:schemeClr val="bg1"/>
+              </a:solidFill>
+            </a:endParaRPr>
+          </a:p>
+        </p:txBody>
+      </p:sp>
+      <p:sp>
+        <p:nvSpPr>
+          <p:cNvPr id="3" name="Content Placeholder 2"/>
+          <p:cNvSpPr>
+            <a:spLocks noGrp="1"/>
+          </p:cNvSpPr>
+          <p:nvPr>
+            <p:ph idx="1"/>
+          </p:nvPr>
+        </p:nvSpPr>
+        <p:spPr/>
+        <p:txBody>
+          <a:bodyPr/>
+          <a:lstStyle/>
+          <a:p>
+            <a:r>
+              <a:rPr lang="en-US" dirty="0" smtClean="0">
+                <a:solidFill>
+                  <a:schemeClr val="bg1"/>
+                </a:solidFill>
+              </a:rPr>
+              <a:t>Chosen as available on hand RE-540 Como drill motor</a:t>
+            </a:r>
+          </a:p>
+          <a:p>
+            <a:r>
+              <a:rPr lang="en-US" dirty="0" smtClean="0">
+                <a:solidFill>
+                  <a:schemeClr val="bg1"/>
+                </a:solidFill>
+              </a:rPr>
+              <a:t>Running characteristic of 5V, 1A</a:t>
+            </a:r>
+          </a:p>
+          <a:p>
+            <a:r>
+              <a:rPr lang="en-US" dirty="0" smtClean="0">
+                <a:solidFill>
+                  <a:schemeClr val="bg1"/>
+                </a:solidFill>
+              </a:rPr>
+              <a:t>Parallel two to give 4WD and to decrease resistance seen by generator thereby increasing power</a:t>
+            </a:r>
+          </a:p>
+          <a:p>
+            <a:endParaRPr lang="en-US" dirty="0" smtClean="0">
+              <a:solidFill>
+                <a:schemeClr val="bg1"/>
+              </a:solidFill>
+            </a:endParaRPr>
+          </a:p>
+        </p:txBody>
+      </p:sp>
+    </p:spTree>
+  </p:cSld>
+  <p:clrMapOvr>
+    <a:masterClrMapping/>
+  </p:clrMapOvr>
+</p:sld>
+</file>
+
+<file path=ppt/slides/slide14.xml><?xml version="1.0" encoding="utf-8"?>
+<p:sld xmlns:a="http://schemas.openxmlformats.org/drawingml/2006/main" xmlns:r="http://schemas.openxmlformats.org/officeDocument/2006/relationships" xmlns:p="http://schemas.openxmlformats.org/presentationml/2006/main">
+  <p:cSld>
+    <p:spTree>
+      <p:nvGrpSpPr>
+        <p:cNvPr id="1" name=""/>
+        <p:cNvGrpSpPr/>
+        <p:nvPr/>
+      </p:nvGrpSpPr>
+      <p:grpSpPr>
+        <a:xfrm>
+          <a:off x="0" y="0"/>
+          <a:ext cx="0" cy="0"/>
+          <a:chOff x="0" y="0"/>
+          <a:chExt cx="0" cy="0"/>
+        </a:xfrm>
+      </p:grpSpPr>
+      <p:sp>
+        <p:nvSpPr>
+          <p:cNvPr id="2" name="Title 1"/>
+          <p:cNvSpPr>
+            <a:spLocks noGrp="1"/>
+          </p:cNvSpPr>
+          <p:nvPr>
+            <p:ph type="title"/>
+          </p:nvPr>
+        </p:nvSpPr>
+        <p:spPr/>
+        <p:txBody>
+          <a:bodyPr/>
+          <a:lstStyle/>
+          <a:p>
+            <a:r>
+              <a:rPr lang="en-US" dirty="0" smtClean="0">
+                <a:solidFill>
+                  <a:schemeClr val="bg1"/>
+                </a:solidFill>
+              </a:rPr>
+              <a:t>Wheels</a:t>
+            </a:r>
+            <a:endParaRPr lang="en-US" dirty="0">
+              <a:solidFill>
+                <a:schemeClr val="bg1"/>
+              </a:solidFill>
+            </a:endParaRPr>
+          </a:p>
+        </p:txBody>
+      </p:sp>
+      <p:sp>
+        <p:nvSpPr>
+          <p:cNvPr id="3" name="Content Placeholder 2"/>
+          <p:cNvSpPr>
+            <a:spLocks noGrp="1"/>
+          </p:cNvSpPr>
+          <p:nvPr>
+            <p:ph idx="1"/>
+          </p:nvPr>
+        </p:nvSpPr>
+        <p:spPr/>
+        <p:txBody>
+          <a:bodyPr/>
+          <a:lstStyle/>
+          <a:p>
+            <a:r>
+              <a:rPr lang="en-US" dirty="0" smtClean="0">
+                <a:solidFill>
+                  <a:schemeClr val="bg1"/>
+                </a:solidFill>
+              </a:rPr>
+              <a:t>Use tanks tracks to give maximum traction and spread weight to stop sinking occurring</a:t>
+            </a:r>
+            <a:endParaRPr lang="en-US" dirty="0">
+              <a:solidFill>
+                <a:schemeClr val="bg1"/>
+              </a:solidFill>
+            </a:endParaRPr>
+          </a:p>
+        </p:txBody>
+      </p:sp>
+    </p:spTree>
+  </p:cSld>
+  <p:clrMapOvr>
+    <a:masterClrMapping/>
+  </p:clrMapOvr>
+</p:sld>
+</file>
+
+<file path=ppt/slides/slide15.xml><?xml version="1.0" encoding="utf-8"?>
+<p:sld xmlns:a="http://schemas.openxmlformats.org/drawingml/2006/main" xmlns:r="http://schemas.openxmlformats.org/officeDocument/2006/relationships" xmlns:p="http://schemas.openxmlformats.org/presentationml/2006/main">
+  <p:cSld>
+    <p:spTree>
+      <p:nvGrpSpPr>
+        <p:cNvPr id="1" name=""/>
+        <p:cNvGrpSpPr/>
+        <p:nvPr/>
+      </p:nvGrpSpPr>
+      <p:grpSpPr>
+        <a:xfrm>
+          <a:off x="0" y="0"/>
+          <a:ext cx="0" cy="0"/>
+          <a:chOff x="0" y="0"/>
+          <a:chExt cx="0" cy="0"/>
+        </a:xfrm>
+      </p:grpSpPr>
+      <p:sp>
+        <p:nvSpPr>
+          <p:cNvPr id="2" name="Title 1"/>
+          <p:cNvSpPr>
+            <a:spLocks noGrp="1"/>
+          </p:cNvSpPr>
+          <p:nvPr>
+            <p:ph type="title"/>
+          </p:nvPr>
+        </p:nvSpPr>
+        <p:spPr/>
+        <p:txBody>
+          <a:bodyPr/>
+          <a:lstStyle/>
+          <a:p>
+            <a:r>
+              <a:rPr lang="en-US" dirty="0" smtClean="0">
+                <a:solidFill>
+                  <a:schemeClr val="bg1"/>
+                </a:solidFill>
+              </a:rPr>
+              <a:t>Undersea Challenges</a:t>
+            </a:r>
+            <a:endParaRPr lang="en-US" dirty="0">
+              <a:solidFill>
+                <a:schemeClr val="bg1"/>
+              </a:solidFill>
+            </a:endParaRPr>
+          </a:p>
+        </p:txBody>
+      </p:sp>
+      <p:sp>
+        <p:nvSpPr>
+          <p:cNvPr id="3" name="Content Placeholder 2"/>
+          <p:cNvSpPr>
+            <a:spLocks noGrp="1"/>
+          </p:cNvSpPr>
+          <p:nvPr>
+            <p:ph idx="1"/>
+          </p:nvPr>
+        </p:nvSpPr>
+        <p:spPr/>
+        <p:txBody>
+          <a:bodyPr/>
+          <a:lstStyle/>
+          <a:p>
+            <a:r>
+              <a:rPr lang="en-US" dirty="0" smtClean="0">
+                <a:solidFill>
+                  <a:schemeClr val="bg1"/>
+                </a:solidFill>
+              </a:rPr>
+              <a:t>To stop water from getting in, it must be water tight but to stop the pressure from crushing it, the robot must be filled with a non-compressible, non-conducting liquid, </a:t>
+            </a:r>
+            <a:r>
+              <a:rPr lang="en-US" dirty="0" err="1" smtClean="0">
+                <a:solidFill>
+                  <a:schemeClr val="bg1"/>
+                </a:solidFill>
+              </a:rPr>
+              <a:t>ie</a:t>
+            </a:r>
+            <a:r>
+              <a:rPr lang="en-US" dirty="0" smtClean="0">
+                <a:solidFill>
+                  <a:schemeClr val="bg1"/>
+                </a:solidFill>
+              </a:rPr>
+              <a:t>. Oil.</a:t>
+            </a:r>
+          </a:p>
+          <a:p>
+            <a:r>
+              <a:rPr lang="en-US" dirty="0" smtClean="0">
+                <a:solidFill>
+                  <a:schemeClr val="bg1"/>
+                </a:solidFill>
+              </a:rPr>
+              <a:t>To avoid rust the exterior of the robot will be made from plastic</a:t>
+            </a:r>
+            <a:endParaRPr lang="en-US" dirty="0">
+              <a:solidFill>
+                <a:schemeClr val="bg1"/>
+              </a:solidFill>
+            </a:endParaRPr>
+          </a:p>
+        </p:txBody>
+      </p:sp>
+    </p:spTree>
+  </p:cSld>
+  <p:clrMapOvr>
+    <a:masterClrMapping/>
+  </p:clrMapOvr>
+</p:sld>
+</file>
+
+<file path=ppt/slides/slide16.xml><?xml version="1.0" encoding="utf-8"?>
+<p:sld xmlns:a="http://schemas.openxmlformats.org/drawingml/2006/main" xmlns:r="http://schemas.openxmlformats.org/officeDocument/2006/relationships" xmlns:p="http://schemas.openxmlformats.org/presentationml/2006/main">
+  <p:cSld>
+    <p:spTree>
+      <p:nvGrpSpPr>
+        <p:cNvPr id="1" name=""/>
+        <p:cNvGrpSpPr/>
+        <p:nvPr/>
+      </p:nvGrpSpPr>
+      <p:grpSpPr>
+        <a:xfrm>
+          <a:off x="0" y="0"/>
+          <a:ext cx="0" cy="0"/>
+          <a:chOff x="0" y="0"/>
+          <a:chExt cx="0" cy="0"/>
+        </a:xfrm>
+      </p:grpSpPr>
+      <p:sp>
+        <p:nvSpPr>
+          <p:cNvPr id="2" name="Title 1"/>
+          <p:cNvSpPr>
+            <a:spLocks noGrp="1"/>
+          </p:cNvSpPr>
+          <p:nvPr>
+            <p:ph type="title"/>
+          </p:nvPr>
+        </p:nvSpPr>
+        <p:spPr/>
+        <p:txBody>
+          <a:bodyPr/>
+          <a:lstStyle/>
+          <a:p>
+            <a:r>
+              <a:rPr lang="en-US" dirty="0" smtClean="0">
+                <a:solidFill>
+                  <a:schemeClr val="bg1"/>
+                </a:solidFill>
+              </a:rPr>
+              <a:t>Design Concept</a:t>
+            </a:r>
+            <a:endParaRPr lang="en-US" dirty="0">
+              <a:solidFill>
+                <a:schemeClr val="bg1"/>
+              </a:solidFill>
+            </a:endParaRPr>
+          </a:p>
+        </p:txBody>
+      </p:sp>
+      <p:pic>
+        <p:nvPicPr>
+          <p:cNvPr id="4" name="Picture 3"/>
+          <p:cNvPicPr/>
+          <p:nvPr/>
+        </p:nvPicPr>
+        <p:blipFill rotWithShape="1">
+          <a:blip r:embed="rId2" cstate="print"/>
+          <a:srcRect l="40935" t="25239" r="21126" b="20767"/>
+          <a:stretch/>
+        </p:blipFill>
+        <p:spPr bwMode="auto">
+          <a:xfrm>
+            <a:off x="1905000" y="1676400"/>
+            <a:ext cx="5296395" cy="4711003"/>
+          </a:xfrm>
+          <a:prstGeom prst="rect">
+            <a:avLst/>
+          </a:prstGeom>
+          <a:ln>
+            <a:noFill/>
+          </a:ln>
+          <a:extLst>
+            <a:ext uri="{53640926-AAD7-44D8-BBD7-CCE9431645EC}">
+              <a14:shadowObscured xmlns:ve="http://schemas.openxmlformats.org/markup-compatibility/2006" xmlns:m="http://schemas.openxmlformats.org/officeDocument/2006/math" xmlns:wp="http://schemas.openxmlformats.org/drawingml/2006/wordprocessingDrawing" xmlns:wne="http://schemas.microsoft.com/office/word/2006/wordml" xmlns:a14="http://schemas.microsoft.com/office/drawing/2010/main" xmlns:wps="http://schemas.microsoft.com/office/word/2010/wordprocessingShape" xmlns:wpi="http://schemas.microsoft.com/office/word/2010/wordprocessingInk" xmlns:wpg="http://schemas.microsoft.com/office/word/2010/wordprocessingGroup" xmlns:w14="http://schemas.microsoft.com/office/word/2010/wordml" xmlns:w="http://schemas.openxmlformats.org/wordprocessingml/2006/main" xmlns:w10="urn:schemas-microsoft-com:office:word" xmlns:wp14="http://schemas.microsoft.com/office/word/2010/wordprocessingDrawing" xmlns:v="urn:schemas-microsoft-com:vml" xmlns:o="urn:schemas-microsoft-com:office:office" xmlns:mc="http://schemas.openxmlformats.org/markup-compatibility/2006" xmlns:wpc="http://schemas.microsoft.com/office/word/2010/wordprocessingCanvas" xmlns="" xmlns:pic="http://schemas.openxmlformats.org/drawingml/2006/picture" xmlns:lc="http://schemas.openxmlformats.org/drawingml/2006/lockedCanvas"/>
+            </a:ext>
+          </a:extLst>
+        </p:spPr>
+      </p:pic>
+    </p:spTree>
+  </p:cSld>
+  <p:clrMapOvr>
+    <a:masterClrMapping/>
+  </p:clrMapOvr>
+</p:sld>
+</file>
+
+<file path=ppt/slides/slide17.xml><?xml version="1.0" encoding="utf-8"?>
+<p:sld xmlns:a="http://schemas.openxmlformats.org/drawingml/2006/main" xmlns:r="http://schemas.openxmlformats.org/officeDocument/2006/relationships" xmlns:p="http://schemas.openxmlformats.org/presentationml/2006/main">
+  <p:cSld>
+    <p:spTree>
+      <p:nvGrpSpPr>
+        <p:cNvPr id="1" name=""/>
+        <p:cNvGrpSpPr/>
+        <p:nvPr/>
+      </p:nvGrpSpPr>
+      <p:grpSpPr>
+        <a:xfrm>
+          <a:off x="0" y="0"/>
+          <a:ext cx="0" cy="0"/>
+          <a:chOff x="0" y="0"/>
+          <a:chExt cx="0" cy="0"/>
+        </a:xfrm>
+      </p:grpSpPr>
+      <p:sp>
+        <p:nvSpPr>
+          <p:cNvPr id="2" name="Title 1"/>
+          <p:cNvSpPr>
+            <a:spLocks noGrp="1"/>
+          </p:cNvSpPr>
+          <p:nvPr>
+            <p:ph type="title"/>
+          </p:nvPr>
+        </p:nvSpPr>
+        <p:spPr/>
+        <p:txBody>
+          <a:bodyPr/>
+          <a:lstStyle/>
+          <a:p>
+            <a:r>
+              <a:rPr lang="en-US" dirty="0" smtClean="0">
+                <a:solidFill>
+                  <a:schemeClr val="bg1"/>
+                </a:solidFill>
+              </a:rPr>
+              <a:t>Cost</a:t>
+            </a:r>
+            <a:endParaRPr lang="en-US" dirty="0">
+              <a:solidFill>
+                <a:schemeClr val="bg1"/>
+              </a:solidFill>
+            </a:endParaRPr>
+          </a:p>
+        </p:txBody>
+      </p:sp>
+      <p:graphicFrame>
+        <p:nvGraphicFramePr>
+          <p:cNvPr id="5" name="Table 4"/>
+          <p:cNvGraphicFramePr>
+            <a:graphicFrameLocks noGrp="1"/>
+          </p:cNvGraphicFramePr>
+          <p:nvPr/>
+        </p:nvGraphicFramePr>
+        <p:xfrm>
+          <a:off x="914400" y="1504408"/>
+          <a:ext cx="7391400" cy="4699000"/>
+        </p:xfrm>
+        <a:graphic>
+          <a:graphicData uri="http://schemas.openxmlformats.org/drawingml/2006/table">
+            <a:tbl>
+              <a:tblPr firstRow="1" lastRow="1" bandRow="1">
+                <a:tableStyleId>{5C22544A-7EE6-4342-B048-85BDC9FD1C3A}</a:tableStyleId>
+              </a:tblPr>
+              <a:tblGrid>
+                <a:gridCol w="3695700"/>
+                <a:gridCol w="3695700"/>
+              </a:tblGrid>
+              <a:tr h="587375">
+                <a:tc>
+                  <a:txBody>
+                    <a:bodyPr/>
+                    <a:lstStyle/>
+                    <a:p>
+                      <a:pPr marL="0" marR="0" algn="just">
+                        <a:spcBef>
+                          <a:spcPts val="0"/>
+                        </a:spcBef>
+                        <a:spcAft>
+                          <a:spcPts val="0"/>
+                        </a:spcAft>
+                      </a:pPr>
+                      <a:r>
+                        <a:rPr lang="en-US" sz="2400" b="1" dirty="0">
+                          <a:solidFill>
+                            <a:srgbClr val="000000"/>
+                          </a:solidFill>
+                          <a:latin typeface="Times New Roman"/>
+                          <a:ea typeface="Times New Roman"/>
+                        </a:rPr>
+                        <a:t>Item</a:t>
+                      </a:r>
+                      <a:endParaRPr lang="en-US" sz="2400" dirty="0">
+                        <a:solidFill>
+                          <a:srgbClr val="000000"/>
+                        </a:solidFill>
+                        <a:latin typeface="Times New Roman"/>
+                        <a:ea typeface="Times New Roman"/>
+                      </a:endParaRPr>
+                    </a:p>
+                  </a:txBody>
+                  <a:tcPr marL="68580" marR="68580" marT="0" marB="0" anchor="ctr"/>
+                </a:tc>
+                <a:tc>
+                  <a:txBody>
+                    <a:bodyPr/>
+                    <a:lstStyle/>
+                    <a:p>
+                      <a:pPr marL="0" marR="0" algn="just">
+                        <a:spcBef>
+                          <a:spcPts val="0"/>
+                        </a:spcBef>
+                        <a:spcAft>
+                          <a:spcPts val="0"/>
+                        </a:spcAft>
+                      </a:pPr>
+                      <a:r>
+                        <a:rPr lang="en-US" sz="2400" b="1">
+                          <a:solidFill>
+                            <a:srgbClr val="000000"/>
+                          </a:solidFill>
+                          <a:latin typeface="Times New Roman"/>
+                          <a:ea typeface="Times New Roman"/>
+                        </a:rPr>
+                        <a:t>Cost</a:t>
+                      </a:r>
+                      <a:endParaRPr lang="en-US" sz="2400">
+                        <a:solidFill>
+                          <a:srgbClr val="000000"/>
+                        </a:solidFill>
+                        <a:latin typeface="Times New Roman"/>
+                        <a:ea typeface="Times New Roman"/>
+                      </a:endParaRPr>
+                    </a:p>
+                  </a:txBody>
+                  <a:tcPr marL="68580" marR="68580" marT="0" marB="0" anchor="ctr"/>
+                </a:tc>
+              </a:tr>
+              <a:tr h="587375">
+                <a:tc>
+                  <a:txBody>
+                    <a:bodyPr/>
+                    <a:lstStyle/>
+                    <a:p>
+                      <a:pPr marL="0" marR="0" algn="just">
+                        <a:spcBef>
+                          <a:spcPts val="0"/>
+                        </a:spcBef>
+                        <a:spcAft>
+                          <a:spcPts val="0"/>
+                        </a:spcAft>
+                      </a:pPr>
+                      <a:r>
+                        <a:rPr lang="en-US" sz="2400" b="1">
+                          <a:solidFill>
+                            <a:srgbClr val="000000"/>
+                          </a:solidFill>
+                          <a:latin typeface="Times New Roman"/>
+                          <a:ea typeface="Times New Roman"/>
+                        </a:rPr>
+                        <a:t>Generator</a:t>
+                      </a:r>
+                      <a:endParaRPr lang="en-US" sz="2400">
+                        <a:solidFill>
+                          <a:srgbClr val="000000"/>
+                        </a:solidFill>
+                        <a:latin typeface="Times New Roman"/>
+                        <a:ea typeface="Times New Roman"/>
+                      </a:endParaRPr>
+                    </a:p>
+                  </a:txBody>
+                  <a:tcPr marL="68580" marR="68580" marT="0" marB="0" anchor="ctr"/>
+                </a:tc>
+                <a:tc>
+                  <a:txBody>
+                    <a:bodyPr/>
+                    <a:lstStyle/>
+                    <a:p>
+                      <a:pPr marL="0" marR="0" algn="just">
+                        <a:spcBef>
+                          <a:spcPts val="0"/>
+                        </a:spcBef>
+                        <a:spcAft>
+                          <a:spcPts val="0"/>
+                        </a:spcAft>
+                      </a:pPr>
+                      <a:r>
+                        <a:rPr lang="en-US" sz="2400" dirty="0" smtClean="0">
+                          <a:solidFill>
+                            <a:srgbClr val="000000"/>
+                          </a:solidFill>
+                          <a:latin typeface="Times New Roman"/>
+                          <a:ea typeface="Times New Roman"/>
+                        </a:rPr>
+                        <a:t>$180</a:t>
+                      </a:r>
+                      <a:endParaRPr lang="en-US" sz="2400" dirty="0">
+                        <a:solidFill>
+                          <a:srgbClr val="000000"/>
+                        </a:solidFill>
+                        <a:latin typeface="Times New Roman"/>
+                        <a:ea typeface="Times New Roman"/>
+                      </a:endParaRPr>
+                    </a:p>
+                  </a:txBody>
+                  <a:tcPr marL="68580" marR="68580" marT="0" marB="0" anchor="ctr"/>
+                </a:tc>
+              </a:tr>
+              <a:tr h="587375">
+                <a:tc>
+                  <a:txBody>
+                    <a:bodyPr/>
+                    <a:lstStyle/>
+                    <a:p>
+                      <a:pPr marL="0" marR="0" algn="just">
+                        <a:spcBef>
+                          <a:spcPts val="0"/>
+                        </a:spcBef>
+                        <a:spcAft>
+                          <a:spcPts val="0"/>
+                        </a:spcAft>
+                      </a:pPr>
+                      <a:r>
+                        <a:rPr lang="en-US" sz="2400" b="1">
+                          <a:solidFill>
+                            <a:srgbClr val="000000"/>
+                          </a:solidFill>
+                          <a:latin typeface="Times New Roman"/>
+                          <a:ea typeface="Times New Roman"/>
+                        </a:rPr>
+                        <a:t>Motor (x2)</a:t>
+                      </a:r>
+                      <a:endParaRPr lang="en-US" sz="2400">
+                        <a:solidFill>
+                          <a:srgbClr val="000000"/>
+                        </a:solidFill>
+                        <a:latin typeface="Times New Roman"/>
+                        <a:ea typeface="Times New Roman"/>
+                      </a:endParaRPr>
+                    </a:p>
+                  </a:txBody>
+                  <a:tcPr marL="68580" marR="68580" marT="0" marB="0" anchor="ctr"/>
+                </a:tc>
+                <a:tc>
+                  <a:txBody>
+                    <a:bodyPr/>
+                    <a:lstStyle/>
+                    <a:p>
+                      <a:pPr marL="0" marR="0" algn="just">
+                        <a:spcBef>
+                          <a:spcPts val="0"/>
+                        </a:spcBef>
+                        <a:spcAft>
+                          <a:spcPts val="0"/>
+                        </a:spcAft>
+                      </a:pPr>
+                      <a:r>
+                        <a:rPr lang="en-US" sz="2400" dirty="0">
+                          <a:solidFill>
+                            <a:srgbClr val="000000"/>
+                          </a:solidFill>
+                          <a:latin typeface="Times New Roman"/>
+                          <a:ea typeface="Times New Roman"/>
+                        </a:rPr>
+                        <a:t>$51</a:t>
+                      </a:r>
+                    </a:p>
+                  </a:txBody>
+                  <a:tcPr marL="68580" marR="68580" marT="0" marB="0" anchor="ctr"/>
+                </a:tc>
+              </a:tr>
+              <a:tr h="587375">
+                <a:tc>
+                  <a:txBody>
+                    <a:bodyPr/>
+                    <a:lstStyle/>
+                    <a:p>
+                      <a:pPr marL="0" marR="0" algn="just">
+                        <a:spcBef>
+                          <a:spcPts val="0"/>
+                        </a:spcBef>
+                        <a:spcAft>
+                          <a:spcPts val="0"/>
+                        </a:spcAft>
+                      </a:pPr>
+                      <a:r>
+                        <a:rPr lang="en-US" sz="2400" b="1">
+                          <a:solidFill>
+                            <a:srgbClr val="000000"/>
+                          </a:solidFill>
+                          <a:latin typeface="Times New Roman"/>
+                          <a:ea typeface="Times New Roman"/>
+                        </a:rPr>
+                        <a:t>Turbine</a:t>
+                      </a:r>
+                      <a:endParaRPr lang="en-US" sz="2400">
+                        <a:solidFill>
+                          <a:srgbClr val="000000"/>
+                        </a:solidFill>
+                        <a:latin typeface="Times New Roman"/>
+                        <a:ea typeface="Times New Roman"/>
+                      </a:endParaRPr>
+                    </a:p>
+                  </a:txBody>
+                  <a:tcPr marL="68580" marR="68580" marT="0" marB="0" anchor="ctr"/>
+                </a:tc>
+                <a:tc>
+                  <a:txBody>
+                    <a:bodyPr/>
+                    <a:lstStyle/>
+                    <a:p>
+                      <a:pPr marL="0" marR="0" algn="just">
+                        <a:spcBef>
+                          <a:spcPts val="0"/>
+                        </a:spcBef>
+                        <a:spcAft>
+                          <a:spcPts val="0"/>
+                        </a:spcAft>
+                      </a:pPr>
+                      <a:r>
+                        <a:rPr lang="en-US" sz="2400">
+                          <a:solidFill>
+                            <a:srgbClr val="000000"/>
+                          </a:solidFill>
+                          <a:latin typeface="Times New Roman"/>
+                          <a:ea typeface="Times New Roman"/>
+                        </a:rPr>
+                        <a:t>$25</a:t>
+                      </a:r>
+                    </a:p>
+                  </a:txBody>
+                  <a:tcPr marL="68580" marR="68580" marT="0" marB="0" anchor="ctr"/>
+                </a:tc>
+              </a:tr>
+              <a:tr h="587375">
+                <a:tc>
+                  <a:txBody>
+                    <a:bodyPr/>
+                    <a:lstStyle/>
+                    <a:p>
+                      <a:pPr marL="0" marR="0" algn="just">
+                        <a:spcBef>
+                          <a:spcPts val="0"/>
+                        </a:spcBef>
+                        <a:spcAft>
+                          <a:spcPts val="0"/>
+                        </a:spcAft>
+                      </a:pPr>
+                      <a:r>
+                        <a:rPr lang="en-US" sz="2400" b="1">
+                          <a:solidFill>
+                            <a:srgbClr val="000000"/>
+                          </a:solidFill>
+                          <a:latin typeface="Times New Roman"/>
+                          <a:ea typeface="Times New Roman"/>
+                        </a:rPr>
+                        <a:t>Tank tracks and wheels</a:t>
+                      </a:r>
+                      <a:endParaRPr lang="en-US" sz="2400">
+                        <a:solidFill>
+                          <a:srgbClr val="000000"/>
+                        </a:solidFill>
+                        <a:latin typeface="Times New Roman"/>
+                        <a:ea typeface="Times New Roman"/>
+                      </a:endParaRPr>
+                    </a:p>
+                  </a:txBody>
+                  <a:tcPr marL="68580" marR="68580" marT="0" marB="0" anchor="ctr"/>
+                </a:tc>
+                <a:tc>
+                  <a:txBody>
+                    <a:bodyPr/>
+                    <a:lstStyle/>
+                    <a:p>
+                      <a:pPr marL="0" marR="0" algn="just">
+                        <a:spcBef>
+                          <a:spcPts val="0"/>
+                        </a:spcBef>
+                        <a:spcAft>
+                          <a:spcPts val="0"/>
+                        </a:spcAft>
+                      </a:pPr>
+                      <a:r>
+                        <a:rPr lang="en-US" sz="2400" dirty="0">
+                          <a:solidFill>
+                            <a:srgbClr val="000000"/>
+                          </a:solidFill>
+                          <a:latin typeface="Times New Roman"/>
+                          <a:ea typeface="Times New Roman"/>
+                        </a:rPr>
+                        <a:t>$50</a:t>
+                      </a:r>
+                    </a:p>
+                  </a:txBody>
+                  <a:tcPr marL="68580" marR="68580" marT="0" marB="0" anchor="ctr"/>
+                </a:tc>
+              </a:tr>
+              <a:tr h="587375">
+                <a:tc>
+                  <a:txBody>
+                    <a:bodyPr/>
+                    <a:lstStyle/>
+                    <a:p>
+                      <a:pPr marL="0" marR="0" algn="just">
+                        <a:spcBef>
+                          <a:spcPts val="0"/>
+                        </a:spcBef>
+                        <a:spcAft>
+                          <a:spcPts val="0"/>
+                        </a:spcAft>
+                      </a:pPr>
+                      <a:r>
+                        <a:rPr lang="en-US" sz="2400" b="1">
+                          <a:solidFill>
+                            <a:srgbClr val="000000"/>
+                          </a:solidFill>
+                          <a:latin typeface="Times New Roman"/>
+                          <a:ea typeface="Times New Roman"/>
+                        </a:rPr>
+                        <a:t>Enclosure</a:t>
+                      </a:r>
+                      <a:endParaRPr lang="en-US" sz="2400">
+                        <a:solidFill>
+                          <a:srgbClr val="000000"/>
+                        </a:solidFill>
+                        <a:latin typeface="Times New Roman"/>
+                        <a:ea typeface="Times New Roman"/>
+                      </a:endParaRPr>
+                    </a:p>
+                  </a:txBody>
+                  <a:tcPr marL="68580" marR="68580" marT="0" marB="0" anchor="ctr"/>
+                </a:tc>
+                <a:tc>
+                  <a:txBody>
+                    <a:bodyPr/>
+                    <a:lstStyle/>
+                    <a:p>
+                      <a:pPr marL="0" marR="0" algn="just">
+                        <a:spcBef>
+                          <a:spcPts val="0"/>
+                        </a:spcBef>
+                        <a:spcAft>
+                          <a:spcPts val="0"/>
+                        </a:spcAft>
+                      </a:pPr>
+                      <a:r>
+                        <a:rPr lang="en-US" sz="2400">
+                          <a:solidFill>
+                            <a:srgbClr val="000000"/>
+                          </a:solidFill>
+                          <a:latin typeface="Times New Roman"/>
+                          <a:ea typeface="Times New Roman"/>
+                        </a:rPr>
+                        <a:t>$50</a:t>
+                      </a:r>
+                    </a:p>
+                  </a:txBody>
+                  <a:tcPr marL="68580" marR="68580" marT="0" marB="0" anchor="ctr"/>
+                </a:tc>
+              </a:tr>
+              <a:tr h="587375">
+                <a:tc>
+                  <a:txBody>
+                    <a:bodyPr/>
+                    <a:lstStyle/>
+                    <a:p>
+                      <a:pPr marL="0" marR="0" algn="just">
+                        <a:spcBef>
+                          <a:spcPts val="0"/>
+                        </a:spcBef>
+                        <a:spcAft>
+                          <a:spcPts val="0"/>
+                        </a:spcAft>
+                      </a:pPr>
+                      <a:r>
+                        <a:rPr lang="en-US" sz="2400" b="1">
+                          <a:solidFill>
+                            <a:srgbClr val="000000"/>
+                          </a:solidFill>
+                          <a:latin typeface="Times New Roman"/>
+                          <a:ea typeface="Times New Roman"/>
+                        </a:rPr>
+                        <a:t>Oil</a:t>
+                      </a:r>
+                      <a:endParaRPr lang="en-US" sz="2400">
+                        <a:solidFill>
+                          <a:srgbClr val="000000"/>
+                        </a:solidFill>
+                        <a:latin typeface="Times New Roman"/>
+                        <a:ea typeface="Times New Roman"/>
+                      </a:endParaRPr>
+                    </a:p>
+                  </a:txBody>
+                  <a:tcPr marL="68580" marR="68580" marT="0" marB="0" anchor="ctr"/>
+                </a:tc>
+                <a:tc>
+                  <a:txBody>
+                    <a:bodyPr/>
+                    <a:lstStyle/>
+                    <a:p>
+                      <a:pPr marL="0" marR="0" algn="just">
+                        <a:spcBef>
+                          <a:spcPts val="0"/>
+                        </a:spcBef>
+                        <a:spcAft>
+                          <a:spcPts val="0"/>
+                        </a:spcAft>
+                      </a:pPr>
+                      <a:r>
+                        <a:rPr lang="en-US" sz="2400">
+                          <a:solidFill>
+                            <a:srgbClr val="000000"/>
+                          </a:solidFill>
+                          <a:latin typeface="Times New Roman"/>
+                          <a:ea typeface="Times New Roman"/>
+                        </a:rPr>
+                        <a:t>$10</a:t>
+                      </a:r>
+                    </a:p>
+                  </a:txBody>
+                  <a:tcPr marL="68580" marR="68580" marT="0" marB="0" anchor="ctr"/>
+                </a:tc>
+              </a:tr>
+              <a:tr h="587375">
+                <a:tc>
+                  <a:txBody>
+                    <a:bodyPr/>
+                    <a:lstStyle/>
+                    <a:p>
+                      <a:pPr marL="0" marR="0" algn="just">
+                        <a:spcBef>
+                          <a:spcPts val="0"/>
+                        </a:spcBef>
+                        <a:spcAft>
+                          <a:spcPts val="0"/>
+                        </a:spcAft>
+                      </a:pPr>
+                      <a:r>
+                        <a:rPr lang="en-US" sz="2400" b="1">
+                          <a:solidFill>
+                            <a:srgbClr val="000000"/>
+                          </a:solidFill>
+                          <a:latin typeface="Times New Roman"/>
+                          <a:ea typeface="Times New Roman"/>
+                        </a:rPr>
+                        <a:t>Total</a:t>
+                      </a:r>
+                      <a:endParaRPr lang="en-US" sz="2400">
+                        <a:solidFill>
+                          <a:srgbClr val="000000"/>
+                        </a:solidFill>
+                        <a:latin typeface="Times New Roman"/>
+                        <a:ea typeface="Times New Roman"/>
+                      </a:endParaRPr>
+                    </a:p>
+                  </a:txBody>
+                  <a:tcPr marL="68580" marR="68580" marT="0" marB="0" anchor="ctr"/>
+                </a:tc>
+                <a:tc>
+                  <a:txBody>
+                    <a:bodyPr/>
+                    <a:lstStyle/>
+                    <a:p>
+                      <a:pPr marL="0" marR="0" algn="just">
+                        <a:spcBef>
+                          <a:spcPts val="0"/>
+                        </a:spcBef>
+                        <a:spcAft>
+                          <a:spcPts val="0"/>
+                        </a:spcAft>
+                      </a:pPr>
+                      <a:r>
+                        <a:rPr lang="en-US" sz="2400" dirty="0" smtClean="0">
+                          <a:solidFill>
+                            <a:srgbClr val="000000"/>
+                          </a:solidFill>
+                          <a:latin typeface="Times New Roman"/>
+                          <a:ea typeface="Times New Roman"/>
+                        </a:rPr>
+                        <a:t>$366</a:t>
+                      </a:r>
+                      <a:endParaRPr lang="en-US" sz="2400" dirty="0">
+                        <a:solidFill>
+                          <a:srgbClr val="000000"/>
+                        </a:solidFill>
+                        <a:latin typeface="Times New Roman"/>
+                        <a:ea typeface="Times New Roman"/>
+                      </a:endParaRPr>
+                    </a:p>
+                  </a:txBody>
+                  <a:tcPr marL="68580" marR="68580" marT="0" marB="0" anchor="ctr"/>
+                </a:tc>
+              </a:tr>
+            </a:tbl>
+          </a:graphicData>
+        </a:graphic>
+      </p:graphicFrame>
+    </p:spTree>
+  </p:cSld>
+  <p:clrMapOvr>
+    <a:masterClrMapping/>
+  </p:clrMapOvr>
+</p:sld>
+</file>
+
+<file path=ppt/slides/slide18.xml><?xml version="1.0" encoding="utf-8"?>
+<p:sld xmlns:a="http://schemas.openxmlformats.org/drawingml/2006/main" xmlns:r="http://schemas.openxmlformats.org/officeDocument/2006/relationships" xmlns:p="http://schemas.openxmlformats.org/presentationml/2006/main">
+  <p:cSld>
+    <p:spTree>
+      <p:nvGrpSpPr>
+        <p:cNvPr id="1" name=""/>
+        <p:cNvGrpSpPr/>
+        <p:nvPr/>
+      </p:nvGrpSpPr>
+      <p:grpSpPr>
+        <a:xfrm>
+          <a:off x="0" y="0"/>
+          <a:ext cx="0" cy="0"/>
+          <a:chOff x="0" y="0"/>
+          <a:chExt cx="0" cy="0"/>
+        </a:xfrm>
+      </p:grpSpPr>
+      <p:sp>
+        <p:nvSpPr>
+          <p:cNvPr id="2" name="Title 1"/>
+          <p:cNvSpPr>
+            <a:spLocks noGrp="1"/>
+          </p:cNvSpPr>
+          <p:nvPr>
+            <p:ph type="title"/>
+          </p:nvPr>
+        </p:nvSpPr>
+        <p:spPr/>
+        <p:txBody>
+          <a:bodyPr/>
+          <a:lstStyle/>
+          <a:p>
+            <a:r>
+              <a:rPr lang="en-US" dirty="0" smtClean="0">
+                <a:solidFill>
+                  <a:schemeClr val="bg1"/>
+                </a:solidFill>
+              </a:rPr>
+              <a:t>Testing – Generator</a:t>
+            </a:r>
+            <a:endParaRPr lang="en-US" dirty="0">
+              <a:solidFill>
+                <a:schemeClr val="bg1"/>
+              </a:solidFill>
+            </a:endParaRPr>
+          </a:p>
+        </p:txBody>
+      </p:sp>
+      <p:graphicFrame>
+        <p:nvGraphicFramePr>
+          <p:cNvPr id="5" name="Chart 4"/>
+          <p:cNvGraphicFramePr/>
+          <p:nvPr/>
+        </p:nvGraphicFramePr>
+        <p:xfrm>
+          <a:off x="838200" y="1524000"/>
+          <a:ext cx="7315200" cy="4572000"/>
+        </p:xfrm>
+        <a:graphic>
+          <a:graphicData uri="http://schemas.openxmlformats.org/drawingml/2006/chart">
+            <c:chart xmlns:c="http://schemas.openxmlformats.org/drawingml/2006/chart" xmlns:r="http://schemas.openxmlformats.org/officeDocument/2006/relationships" r:id="rId2"/>
+          </a:graphicData>
+        </a:graphic>
+      </p:graphicFrame>
+    </p:spTree>
+  </p:cSld>
+  <p:clrMapOvr>
+    <a:masterClrMapping/>
+  </p:clrMapOvr>
+</p:sld>
+</file>
+
+<file path=ppt/slides/slide19.xml><?xml version="1.0" encoding="utf-8"?>
+<p:sld xmlns:a="http://schemas.openxmlformats.org/drawingml/2006/main" xmlns:r="http://schemas.openxmlformats.org/officeDocument/2006/relationships" xmlns:p="http://schemas.openxmlformats.org/presentationml/2006/main">
+  <p:cSld>
+    <p:spTree>
+      <p:nvGrpSpPr>
+        <p:cNvPr id="1" name=""/>
+        <p:cNvGrpSpPr/>
+        <p:nvPr/>
+      </p:nvGrpSpPr>
+      <p:grpSpPr>
+        <a:xfrm>
+          <a:off x="0" y="0"/>
+          <a:ext cx="0" cy="0"/>
+          <a:chOff x="0" y="0"/>
+          <a:chExt cx="0" cy="0"/>
+        </a:xfrm>
+      </p:grpSpPr>
+      <p:sp>
+        <p:nvSpPr>
+          <p:cNvPr id="2" name="Title 1"/>
+          <p:cNvSpPr>
+            <a:spLocks noGrp="1"/>
+          </p:cNvSpPr>
+          <p:nvPr>
+            <p:ph type="title"/>
+          </p:nvPr>
+        </p:nvSpPr>
+        <p:spPr/>
+        <p:txBody>
+          <a:bodyPr>
+            <a:normAutofit/>
+          </a:bodyPr>
+          <a:lstStyle/>
+          <a:p>
+            <a:r>
+              <a:rPr lang="en-US" dirty="0" smtClean="0">
+                <a:solidFill>
+                  <a:schemeClr val="bg1"/>
+                </a:solidFill>
+              </a:rPr>
+              <a:t>Single Phase Equivalent</a:t>
+            </a:r>
+            <a:endParaRPr lang="en-US" dirty="0">
+              <a:solidFill>
+                <a:schemeClr val="bg1"/>
+              </a:solidFill>
+            </a:endParaRPr>
+          </a:p>
+        </p:txBody>
+      </p:sp>
+      <p:grpSp>
+        <p:nvGrpSpPr>
+          <p:cNvPr id="23" name="Group 22"/>
+          <p:cNvGrpSpPr/>
+          <p:nvPr/>
+        </p:nvGrpSpPr>
+        <p:grpSpPr>
+          <a:xfrm>
+            <a:off x="1905000" y="2133600"/>
+            <a:ext cx="5364480" cy="3048000"/>
+            <a:chOff x="2714625" y="2943225"/>
+            <a:chExt cx="3352800" cy="1905000"/>
+          </a:xfrm>
+        </p:grpSpPr>
+        <p:sp>
+          <p:nvSpPr>
+            <p:cNvPr id="22" name="Rectangle 21"/>
+            <p:cNvSpPr/>
+            <p:nvPr/>
+          </p:nvSpPr>
+          <p:spPr>
+            <a:xfrm>
+              <a:off x="2714625" y="2943225"/>
+              <a:ext cx="3352800" cy="1905000"/>
+            </a:xfrm>
+            <a:prstGeom prst="rect">
+              <a:avLst/>
+            </a:prstGeom>
+            <a:solidFill>
+              <a:schemeClr val="bg1"/>
+            </a:solidFill>
+          </p:spPr>
+          <p:style>
+            <a:lnRef idx="2">
+              <a:schemeClr val="accent1">
+                <a:shade val="50000"/>
+              </a:schemeClr>
+            </a:lnRef>
+            <a:fillRef idx="1">
+              <a:schemeClr val="accent1"/>
+            </a:fillRef>
+            <a:effectRef idx="0">
+              <a:schemeClr val="accent1"/>
+            </a:effectRef>
+            <a:fontRef idx="minor">
+              <a:schemeClr val="lt1"/>
+            </a:fontRef>
+          </p:style>
+          <p:txBody>
+            <a:bodyPr rtlCol="0" anchor="ctr"/>
+            <a:lstStyle/>
+            <a:p>
+              <a:pPr algn="ctr"/>
+              <a:endParaRPr lang="en-US" dirty="0">
+                <a:solidFill>
+                  <a:schemeClr val="bg1"/>
+                </a:solidFill>
+              </a:endParaRPr>
+            </a:p>
+          </p:txBody>
+        </p:sp>
+        <p:grpSp>
+          <p:nvGrpSpPr>
+            <p:cNvPr id="22530" name="Group 2"/>
+            <p:cNvGrpSpPr>
+              <a:grpSpLocks/>
+            </p:cNvGrpSpPr>
+            <p:nvPr/>
+          </p:nvGrpSpPr>
+          <p:grpSpPr bwMode="auto">
+            <a:xfrm>
+              <a:off x="2971800" y="3200400"/>
+              <a:ext cx="2771775" cy="1279525"/>
+              <a:chOff x="2617" y="4990"/>
+              <a:chExt cx="4366" cy="2013"/>
+            </a:xfrm>
+            <a:noFill/>
+          </p:grpSpPr>
+          <p:grpSp>
+            <p:nvGrpSpPr>
+              <p:cNvPr id="22531" name="Group 3"/>
+              <p:cNvGrpSpPr>
+                <a:grpSpLocks/>
+              </p:cNvGrpSpPr>
+              <p:nvPr/>
+            </p:nvGrpSpPr>
+            <p:grpSpPr bwMode="auto">
+              <a:xfrm>
+                <a:off x="3410" y="5492"/>
+                <a:ext cx="652" cy="279"/>
+                <a:chOff x="9306" y="8547"/>
+                <a:chExt cx="724" cy="336"/>
+              </a:xfrm>
+              <a:grpFill/>
+            </p:grpSpPr>
+            <p:cxnSp>
+              <p:nvCxnSpPr>
+                <p:cNvPr id="22532" name="AutoShape 4"/>
+                <p:cNvCxnSpPr>
+                  <a:cxnSpLocks noChangeShapeType="1"/>
+                </p:cNvCxnSpPr>
+                <p:nvPr/>
+              </p:nvCxnSpPr>
+              <p:spPr bwMode="auto">
+                <a:xfrm flipV="1">
+                  <a:off x="9306" y="8547"/>
+                  <a:ext cx="82" cy="185"/>
+                </a:xfrm>
+                <a:prstGeom prst="straightConnector1">
+                  <a:avLst/>
+                </a:prstGeom>
+                <a:grpFill/>
+                <a:ln w="9525">
+                  <a:solidFill>
+                    <a:srgbClr val="000000"/>
+                  </a:solidFill>
+                  <a:round/>
+                  <a:headEnd/>
+                  <a:tailEnd/>
+                </a:ln>
+              </p:spPr>
+            </p:cxnSp>
+            <p:cxnSp>
+              <p:nvCxnSpPr>
+                <p:cNvPr id="22533" name="AutoShape 5"/>
+                <p:cNvCxnSpPr>
+                  <a:cxnSpLocks noChangeShapeType="1"/>
+                </p:cNvCxnSpPr>
+                <p:nvPr/>
+              </p:nvCxnSpPr>
+              <p:spPr bwMode="auto">
+                <a:xfrm flipH="1" flipV="1">
+                  <a:off x="9388" y="8547"/>
+                  <a:ext cx="128" cy="336"/>
+                </a:xfrm>
+                <a:prstGeom prst="straightConnector1">
+                  <a:avLst/>
+                </a:prstGeom>
+                <a:grpFill/>
+                <a:ln w="9525">
+                  <a:solidFill>
+                    <a:srgbClr val="000000"/>
+                  </a:solidFill>
+                  <a:round/>
+                  <a:headEnd/>
+                  <a:tailEnd/>
+                </a:ln>
+              </p:spPr>
+            </p:cxnSp>
+            <p:cxnSp>
+              <p:nvCxnSpPr>
+                <p:cNvPr id="22534" name="AutoShape 6"/>
+                <p:cNvCxnSpPr>
+                  <a:cxnSpLocks noChangeShapeType="1"/>
+                </p:cNvCxnSpPr>
+                <p:nvPr/>
+              </p:nvCxnSpPr>
+              <p:spPr bwMode="auto">
+                <a:xfrm flipV="1">
+                  <a:off x="9516" y="8547"/>
+                  <a:ext cx="150" cy="336"/>
+                </a:xfrm>
+                <a:prstGeom prst="straightConnector1">
+                  <a:avLst/>
+                </a:prstGeom>
+                <a:grpFill/>
+                <a:ln w="9525">
+                  <a:solidFill>
+                    <a:srgbClr val="000000"/>
+                  </a:solidFill>
+                  <a:round/>
+                  <a:headEnd/>
+                  <a:tailEnd/>
+                </a:ln>
+              </p:spPr>
+            </p:cxnSp>
+            <p:cxnSp>
+              <p:nvCxnSpPr>
+                <p:cNvPr id="22535" name="AutoShape 7"/>
+                <p:cNvCxnSpPr>
+                  <a:cxnSpLocks noChangeShapeType="1"/>
+                </p:cNvCxnSpPr>
+                <p:nvPr/>
+              </p:nvCxnSpPr>
+              <p:spPr bwMode="auto">
+                <a:xfrm flipV="1">
+                  <a:off x="9808" y="8547"/>
+                  <a:ext cx="150" cy="336"/>
+                </a:xfrm>
+                <a:prstGeom prst="straightConnector1">
+                  <a:avLst/>
+                </a:prstGeom>
+                <a:grpFill/>
+                <a:ln w="9525">
+                  <a:solidFill>
+                    <a:srgbClr val="000000"/>
+                  </a:solidFill>
+                  <a:round/>
+                  <a:headEnd/>
+                  <a:tailEnd/>
+                </a:ln>
+              </p:spPr>
+            </p:cxnSp>
+            <p:cxnSp>
+              <p:nvCxnSpPr>
+                <p:cNvPr id="22536" name="AutoShape 8"/>
+                <p:cNvCxnSpPr>
+                  <a:cxnSpLocks noChangeShapeType="1"/>
+                </p:cNvCxnSpPr>
+                <p:nvPr/>
+              </p:nvCxnSpPr>
+              <p:spPr bwMode="auto">
+                <a:xfrm flipH="1" flipV="1">
+                  <a:off x="9666" y="8547"/>
+                  <a:ext cx="128" cy="336"/>
+                </a:xfrm>
+                <a:prstGeom prst="straightConnector1">
+                  <a:avLst/>
+                </a:prstGeom>
+                <a:grpFill/>
+                <a:ln w="9525">
+                  <a:solidFill>
+                    <a:srgbClr val="000000"/>
+                  </a:solidFill>
+                  <a:round/>
+                  <a:headEnd/>
+                  <a:tailEnd/>
+                </a:ln>
+              </p:spPr>
+            </p:cxnSp>
+            <p:cxnSp>
+              <p:nvCxnSpPr>
+                <p:cNvPr id="22537" name="AutoShape 9"/>
+                <p:cNvCxnSpPr>
+                  <a:cxnSpLocks noChangeShapeType="1"/>
+                </p:cNvCxnSpPr>
+                <p:nvPr/>
+              </p:nvCxnSpPr>
+              <p:spPr bwMode="auto">
+                <a:xfrm flipH="1" flipV="1">
+                  <a:off x="9958" y="8547"/>
+                  <a:ext cx="72" cy="185"/>
+                </a:xfrm>
+                <a:prstGeom prst="straightConnector1">
+                  <a:avLst/>
+                </a:prstGeom>
+                <a:grpFill/>
+                <a:ln w="9525">
+                  <a:solidFill>
+                    <a:srgbClr val="000000"/>
+                  </a:solidFill>
+                  <a:round/>
+                  <a:headEnd/>
+                  <a:tailEnd/>
+                </a:ln>
+              </p:spPr>
+            </p:cxnSp>
+          </p:grpSp>
+          <p:cxnSp>
+            <p:nvCxnSpPr>
+              <p:cNvPr id="22538" name="AutoShape 10"/>
+              <p:cNvCxnSpPr>
+                <a:cxnSpLocks noChangeShapeType="1"/>
+              </p:cNvCxnSpPr>
+              <p:nvPr/>
+            </p:nvCxnSpPr>
+            <p:spPr bwMode="auto">
+              <a:xfrm>
+                <a:off x="2617" y="5646"/>
+                <a:ext cx="793" cy="0"/>
+              </a:xfrm>
+              <a:prstGeom prst="straightConnector1">
+                <a:avLst/>
+              </a:prstGeom>
+              <a:grpFill/>
+              <a:ln w="9525">
+                <a:solidFill>
+                  <a:srgbClr val="000000"/>
+                </a:solidFill>
+                <a:round/>
+                <a:headEnd/>
+                <a:tailEnd/>
+              </a:ln>
+            </p:spPr>
+          </p:cxnSp>
+          <p:cxnSp>
+            <p:nvCxnSpPr>
+              <p:cNvPr id="22539" name="AutoShape 11"/>
+              <p:cNvCxnSpPr>
+                <a:cxnSpLocks noChangeShapeType="1"/>
+              </p:cNvCxnSpPr>
+              <p:nvPr/>
+            </p:nvCxnSpPr>
+            <p:spPr bwMode="auto">
+              <a:xfrm>
+                <a:off x="4062" y="5646"/>
+                <a:ext cx="1139" cy="1"/>
+              </a:xfrm>
+              <a:prstGeom prst="straightConnector1">
+                <a:avLst/>
+              </a:prstGeom>
+              <a:grpFill/>
+              <a:ln w="9525">
+                <a:solidFill>
+                  <a:srgbClr val="000000"/>
+                </a:solidFill>
+                <a:round/>
+                <a:headEnd/>
+                <a:tailEnd/>
+              </a:ln>
+            </p:spPr>
+          </p:cxnSp>
+          <p:sp>
+            <p:nvSpPr>
+              <p:cNvPr id="22540" name="Freeform 12"/>
+              <p:cNvSpPr>
+                <a:spLocks/>
+              </p:cNvSpPr>
+              <p:nvPr/>
+            </p:nvSpPr>
+            <p:spPr bwMode="auto">
+              <a:xfrm>
+                <a:off x="5201" y="5464"/>
+                <a:ext cx="980" cy="220"/>
+              </a:xfrm>
+              <a:custGeom>
+                <a:avLst/>
+                <a:gdLst/>
+                <a:ahLst/>
+                <a:cxnLst>
+                  <a:cxn ang="0">
+                    <a:pos x="0" y="193"/>
+                  </a:cxn>
+                  <a:cxn ang="0">
+                    <a:pos x="95" y="71"/>
+                  </a:cxn>
+                  <a:cxn ang="0">
+                    <a:pos x="340" y="98"/>
+                  </a:cxn>
+                  <a:cxn ang="0">
+                    <a:pos x="340" y="220"/>
+                  </a:cxn>
+                  <a:cxn ang="0">
+                    <a:pos x="245" y="84"/>
+                  </a:cxn>
+                  <a:cxn ang="0">
+                    <a:pos x="476" y="30"/>
+                  </a:cxn>
+                  <a:cxn ang="0">
+                    <a:pos x="666" y="139"/>
+                  </a:cxn>
+                  <a:cxn ang="0">
+                    <a:pos x="652" y="193"/>
+                  </a:cxn>
+                  <a:cxn ang="0">
+                    <a:pos x="571" y="220"/>
+                  </a:cxn>
+                  <a:cxn ang="0">
+                    <a:pos x="584" y="125"/>
+                  </a:cxn>
+                  <a:cxn ang="0">
+                    <a:pos x="707" y="44"/>
+                  </a:cxn>
+                  <a:cxn ang="0">
+                    <a:pos x="978" y="152"/>
+                  </a:cxn>
+                  <a:cxn ang="0">
+                    <a:pos x="978" y="207"/>
+                  </a:cxn>
+                </a:cxnLst>
+                <a:rect l="0" t="0" r="r" b="b"/>
+                <a:pathLst>
+                  <a:path w="980" h="220">
+                    <a:moveTo>
+                      <a:pt x="0" y="193"/>
+                    </a:moveTo>
+                    <a:cubicBezTo>
+                      <a:pt x="17" y="96"/>
+                      <a:pt x="6" y="99"/>
+                      <a:pt x="95" y="71"/>
+                    </a:cubicBezTo>
+                    <a:cubicBezTo>
+                      <a:pt x="179" y="15"/>
+                      <a:pt x="264" y="48"/>
+                      <a:pt x="340" y="98"/>
+                    </a:cubicBezTo>
+                    <a:cubicBezTo>
+                      <a:pt x="372" y="195"/>
+                      <a:pt x="383" y="155"/>
+                      <a:pt x="340" y="220"/>
+                    </a:cubicBezTo>
+                    <a:cubicBezTo>
+                      <a:pt x="266" y="199"/>
+                      <a:pt x="186" y="188"/>
+                      <a:pt x="245" y="84"/>
+                    </a:cubicBezTo>
+                    <a:cubicBezTo>
+                      <a:pt x="284" y="15"/>
+                      <a:pt x="476" y="30"/>
+                      <a:pt x="476" y="30"/>
+                    </a:cubicBezTo>
+                    <a:cubicBezTo>
+                      <a:pt x="586" y="46"/>
+                      <a:pt x="607" y="50"/>
+                      <a:pt x="666" y="139"/>
+                    </a:cubicBezTo>
+                    <a:cubicBezTo>
+                      <a:pt x="661" y="157"/>
+                      <a:pt x="666" y="181"/>
+                      <a:pt x="652" y="193"/>
+                    </a:cubicBezTo>
+                    <a:cubicBezTo>
+                      <a:pt x="630" y="211"/>
+                      <a:pt x="571" y="220"/>
+                      <a:pt x="571" y="220"/>
+                    </a:cubicBezTo>
+                    <a:cubicBezTo>
+                      <a:pt x="575" y="188"/>
+                      <a:pt x="572" y="155"/>
+                      <a:pt x="584" y="125"/>
+                    </a:cubicBezTo>
+                    <a:cubicBezTo>
+                      <a:pt x="601" y="82"/>
+                      <a:pt x="667" y="57"/>
+                      <a:pt x="707" y="44"/>
+                    </a:cubicBezTo>
+                    <a:cubicBezTo>
+                      <a:pt x="863" y="53"/>
+                      <a:pt x="960" y="0"/>
+                      <a:pt x="978" y="152"/>
+                    </a:cubicBezTo>
+                    <a:cubicBezTo>
+                      <a:pt x="980" y="170"/>
+                      <a:pt x="978" y="189"/>
+                      <a:pt x="978" y="207"/>
+                    </a:cubicBezTo>
+                  </a:path>
+                </a:pathLst>
+              </a:custGeom>
+              <a:grpFill/>
+              <a:ln w="9525">
+                <a:solidFill>
+                  <a:srgbClr val="000000"/>
+                </a:solidFill>
+                <a:round/>
+                <a:headEnd/>
+                <a:tailEnd/>
+              </a:ln>
+            </p:spPr>
+            <p:txBody>
+              <a:bodyPr vert="horz" wrap="square" lIns="91440" tIns="45720" rIns="91440" bIns="45720" numCol="1" anchor="t" anchorCtr="0" compatLnSpc="1">
+                <a:prstTxWarp prst="textNoShape">
+                  <a:avLst/>
+                </a:prstTxWarp>
+              </a:bodyPr>
+              <a:lstStyle/>
+              <a:p>
+                <a:endParaRPr lang="en-US"/>
+              </a:p>
+            </p:txBody>
+          </p:sp>
+          <p:sp>
+            <p:nvSpPr>
+              <p:cNvPr id="22541" name="Oval 13"/>
+              <p:cNvSpPr>
+                <a:spLocks noChangeArrowheads="1"/>
+              </p:cNvSpPr>
+              <p:nvPr/>
+            </p:nvSpPr>
+            <p:spPr bwMode="auto">
+              <a:xfrm>
+                <a:off x="6449" y="6049"/>
+                <a:ext cx="534" cy="520"/>
+              </a:xfrm>
+              <a:prstGeom prst="ellipse">
+                <a:avLst/>
+              </a:prstGeom>
+              <a:grpFill/>
+              <a:ln w="9525">
+                <a:solidFill>
+                  <a:srgbClr val="000000"/>
+                </a:solidFill>
+                <a:round/>
+                <a:headEnd/>
+                <a:tailEnd/>
+              </a:ln>
+            </p:spPr>
+            <p:txBody>
+              <a:bodyPr vert="horz" wrap="square" lIns="91440" tIns="45720" rIns="91440" bIns="45720" numCol="1" anchor="t" anchorCtr="0" compatLnSpc="1">
+                <a:prstTxWarp prst="textNoShape">
+                  <a:avLst/>
+                </a:prstTxWarp>
+              </a:bodyPr>
+              <a:lstStyle/>
+              <a:p>
+                <a:pPr marL="0" marR="0" lvl="0" indent="0" algn="l" defTabSz="914400" rtl="0" eaLnBrk="1" fontAlgn="base" latinLnBrk="0" hangingPunct="1">
+                  <a:lnSpc>
+                    <a:spcPct val="100000"/>
+                  </a:lnSpc>
+                  <a:spcBef>
+                    <a:spcPct val="0"/>
+                  </a:spcBef>
+                  <a:spcAft>
+                    <a:spcPts val="1000"/>
+                  </a:spcAft>
+                  <a:buClrTx/>
+                  <a:buSzTx/>
+                  <a:buFontTx/>
+                  <a:buNone/>
+                  <a:tabLst/>
+                </a:pPr>
+                <a:r>
+                  <a:rPr kumimoji="0" lang="en-US" altLang="ja-JP" sz="2000" b="0" i="0" u="none" strike="noStrike" cap="none" normalizeH="0" baseline="0" dirty="0" smtClean="0">
+                    <a:ln>
+                      <a:noFill/>
+                    </a:ln>
+                    <a:solidFill>
+                      <a:schemeClr val="tx1"/>
+                    </a:solidFill>
+                    <a:effectLst/>
+                    <a:latin typeface="Calibri" pitchFamily="34" charset="0"/>
+                    <a:ea typeface="MS Mincho" pitchFamily="49" charset="-128"/>
+                  </a:rPr>
+                  <a:t>E</a:t>
+                </a:r>
+                <a:endParaRPr kumimoji="0" lang="en-US" sz="2000" b="0" i="0" u="none" strike="noStrike" cap="none" normalizeH="0" baseline="0" dirty="0" smtClean="0">
+                  <a:ln>
+                    <a:noFill/>
+                  </a:ln>
+                  <a:solidFill>
+                    <a:schemeClr val="tx1"/>
+                  </a:solidFill>
+                  <a:effectLst/>
+                  <a:latin typeface="Arial" pitchFamily="34" charset="0"/>
+                </a:endParaRPr>
+              </a:p>
+            </p:txBody>
+          </p:sp>
+          <p:cxnSp>
+            <p:nvCxnSpPr>
+              <p:cNvPr id="22542" name="AutoShape 14"/>
+              <p:cNvCxnSpPr>
+                <a:cxnSpLocks noChangeShapeType="1"/>
+              </p:cNvCxnSpPr>
+              <p:nvPr/>
+            </p:nvCxnSpPr>
+            <p:spPr bwMode="auto">
+              <a:xfrm>
+                <a:off x="6181" y="5684"/>
+                <a:ext cx="530" cy="0"/>
+              </a:xfrm>
+              <a:prstGeom prst="straightConnector1">
+                <a:avLst/>
+              </a:prstGeom>
+              <a:grpFill/>
+              <a:ln w="9525">
+                <a:solidFill>
+                  <a:srgbClr val="000000"/>
+                </a:solidFill>
+                <a:round/>
+                <a:headEnd/>
+                <a:tailEnd/>
+              </a:ln>
+            </p:spPr>
+          </p:cxnSp>
+          <p:cxnSp>
+            <p:nvCxnSpPr>
+              <p:cNvPr id="22543" name="AutoShape 15"/>
+              <p:cNvCxnSpPr>
+                <a:cxnSpLocks noChangeShapeType="1"/>
+              </p:cNvCxnSpPr>
+              <p:nvPr/>
+            </p:nvCxnSpPr>
+            <p:spPr bwMode="auto">
+              <a:xfrm>
+                <a:off x="6711" y="5684"/>
+                <a:ext cx="0" cy="365"/>
+              </a:xfrm>
+              <a:prstGeom prst="straightConnector1">
+                <a:avLst/>
+              </a:prstGeom>
+              <a:grpFill/>
+              <a:ln w="9525">
+                <a:solidFill>
+                  <a:srgbClr val="000000"/>
+                </a:solidFill>
+                <a:round/>
+                <a:headEnd/>
+                <a:tailEnd/>
+              </a:ln>
+            </p:spPr>
+          </p:cxnSp>
+          <p:cxnSp>
+            <p:nvCxnSpPr>
+              <p:cNvPr id="22544" name="AutoShape 16"/>
+              <p:cNvCxnSpPr>
+                <a:cxnSpLocks noChangeShapeType="1"/>
+              </p:cNvCxnSpPr>
+              <p:nvPr/>
+            </p:nvCxnSpPr>
+            <p:spPr bwMode="auto">
+              <a:xfrm>
+                <a:off x="6711" y="6569"/>
+                <a:ext cx="0" cy="433"/>
+              </a:xfrm>
+              <a:prstGeom prst="straightConnector1">
+                <a:avLst/>
+              </a:prstGeom>
+              <a:grpFill/>
+              <a:ln w="9525">
+                <a:solidFill>
+                  <a:srgbClr val="000000"/>
+                </a:solidFill>
+                <a:round/>
+                <a:headEnd/>
+                <a:tailEnd/>
+              </a:ln>
+            </p:spPr>
+          </p:cxnSp>
+          <p:cxnSp>
+            <p:nvCxnSpPr>
+              <p:cNvPr id="22545" name="AutoShape 17"/>
+              <p:cNvCxnSpPr>
+                <a:cxnSpLocks noChangeShapeType="1"/>
+              </p:cNvCxnSpPr>
+              <p:nvPr/>
+            </p:nvCxnSpPr>
+            <p:spPr bwMode="auto">
+              <a:xfrm>
+                <a:off x="2617" y="7003"/>
+                <a:ext cx="4094" cy="0"/>
+              </a:xfrm>
+              <a:prstGeom prst="straightConnector1">
+                <a:avLst/>
+              </a:prstGeom>
+              <a:grpFill/>
+              <a:ln w="9525">
+                <a:solidFill>
+                  <a:srgbClr val="000000"/>
+                </a:solidFill>
+                <a:round/>
+                <a:headEnd/>
+                <a:tailEnd/>
+              </a:ln>
+            </p:spPr>
+          </p:cxnSp>
+          <p:sp>
+            <p:nvSpPr>
+              <p:cNvPr id="22546" name="Rectangle 18"/>
+              <p:cNvSpPr>
+                <a:spLocks noChangeArrowheads="1"/>
+              </p:cNvSpPr>
+              <p:nvPr/>
+            </p:nvSpPr>
+            <p:spPr bwMode="auto">
+              <a:xfrm>
+                <a:off x="2948" y="4990"/>
+                <a:ext cx="1576" cy="502"/>
+              </a:xfrm>
+              <a:prstGeom prst="rect">
+                <a:avLst/>
+              </a:prstGeom>
+              <a:grpFill/>
+              <a:ln w="9525">
+                <a:noFill/>
+                <a:miter lim="800000"/>
+                <a:headEnd/>
+                <a:tailEnd/>
+              </a:ln>
+            </p:spPr>
+            <p:txBody>
+              <a:bodyPr vert="horz" wrap="square" lIns="91440" tIns="45720" rIns="91440" bIns="45720" numCol="1" anchor="t" anchorCtr="0" compatLnSpc="1">
+                <a:prstTxWarp prst="textNoShape">
+                  <a:avLst/>
+                </a:prstTxWarp>
+              </a:bodyPr>
+              <a:lstStyle/>
+              <a:p>
+                <a:pPr marL="0" marR="0" lvl="0" indent="0" algn="l" defTabSz="914400" rtl="0" eaLnBrk="1" fontAlgn="base" latinLnBrk="0" hangingPunct="1">
+                  <a:lnSpc>
+                    <a:spcPct val="100000"/>
+                  </a:lnSpc>
+                  <a:spcBef>
+                    <a:spcPct val="0"/>
+                  </a:spcBef>
+                  <a:spcAft>
+                    <a:spcPts val="1000"/>
+                  </a:spcAft>
+                  <a:buClrTx/>
+                  <a:buSzTx/>
+                  <a:buFontTx/>
+                  <a:buNone/>
+                  <a:tabLst/>
+                </a:pPr>
+                <a:r>
+                  <a:rPr kumimoji="0" lang="en-US" altLang="ja-JP" sz="2000" b="0" i="0" u="none" strike="noStrike" cap="none" normalizeH="0" dirty="0" smtClean="0">
+                    <a:ln>
+                      <a:noFill/>
+                    </a:ln>
+                    <a:solidFill>
+                      <a:schemeClr val="tx1"/>
+                    </a:solidFill>
+                    <a:effectLst/>
+                    <a:latin typeface="Calibri" pitchFamily="34" charset="0"/>
+                    <a:ea typeface="MS Mincho" pitchFamily="49" charset="-128"/>
+                  </a:rPr>
+                  <a:t>R = 0.034 Ω</a:t>
+                </a:r>
+                <a:endParaRPr kumimoji="0" lang="en-US" sz="2000" b="0" i="0" u="none" strike="noStrike" cap="none" normalizeH="0" dirty="0" smtClean="0">
+                  <a:ln>
+                    <a:noFill/>
+                  </a:ln>
+                  <a:solidFill>
+                    <a:schemeClr val="tx1"/>
+                  </a:solidFill>
+                  <a:effectLst/>
+                  <a:latin typeface="Arial" pitchFamily="34" charset="0"/>
+                </a:endParaRPr>
+              </a:p>
+            </p:txBody>
+          </p:sp>
+          <p:sp>
+            <p:nvSpPr>
+              <p:cNvPr id="22547" name="Rectangle 19"/>
+              <p:cNvSpPr>
+                <a:spLocks noChangeArrowheads="1"/>
+              </p:cNvSpPr>
+              <p:nvPr/>
+            </p:nvSpPr>
+            <p:spPr bwMode="auto">
+              <a:xfrm>
+                <a:off x="4872" y="4990"/>
+                <a:ext cx="1961" cy="502"/>
+              </a:xfrm>
+              <a:prstGeom prst="rect">
+                <a:avLst/>
+              </a:prstGeom>
+              <a:grpFill/>
+              <a:ln w="9525">
+                <a:noFill/>
+                <a:miter lim="800000"/>
+                <a:headEnd/>
+                <a:tailEnd/>
+              </a:ln>
+            </p:spPr>
+            <p:txBody>
+              <a:bodyPr vert="horz" wrap="square" lIns="91440" tIns="45720" rIns="91440" bIns="45720" numCol="1" anchor="t" anchorCtr="0" compatLnSpc="1">
+                <a:prstTxWarp prst="textNoShape">
+                  <a:avLst/>
+                </a:prstTxWarp>
+              </a:bodyPr>
+              <a:lstStyle/>
+              <a:p>
+                <a:pPr marL="0" marR="0" lvl="0" indent="0" algn="l" defTabSz="914400" rtl="0" eaLnBrk="1" fontAlgn="base" latinLnBrk="0" hangingPunct="1">
+                  <a:lnSpc>
+                    <a:spcPct val="100000"/>
+                  </a:lnSpc>
+                  <a:spcBef>
+                    <a:spcPct val="0"/>
+                  </a:spcBef>
+                  <a:spcAft>
+                    <a:spcPts val="1000"/>
+                  </a:spcAft>
+                  <a:buClrTx/>
+                  <a:buSzTx/>
+                  <a:buFontTx/>
+                  <a:buNone/>
+                  <a:tabLst/>
+                </a:pPr>
+                <a:r>
+                  <a:rPr kumimoji="0" lang="en-US" altLang="ja-JP" sz="2000" b="0" i="0" u="none" strike="noStrike" cap="none" normalizeH="0" baseline="0" dirty="0" smtClean="0">
+                    <a:ln>
+                      <a:noFill/>
+                    </a:ln>
+                    <a:solidFill>
+                      <a:schemeClr val="tx1"/>
+                    </a:solidFill>
+                    <a:effectLst/>
+                    <a:latin typeface="Calibri" pitchFamily="34" charset="0"/>
+                    <a:ea typeface="MS Mincho" pitchFamily="49" charset="-128"/>
+                  </a:rPr>
+                  <a:t>L = 0.000478 H</a:t>
+                </a:r>
+                <a:endParaRPr kumimoji="0" lang="en-US" sz="2000" b="0" i="0" u="none" strike="noStrike" cap="none" normalizeH="0" baseline="0" dirty="0" smtClean="0">
+                  <a:ln>
+                    <a:noFill/>
+                  </a:ln>
+                  <a:solidFill>
+                    <a:schemeClr val="tx1"/>
+                  </a:solidFill>
+                  <a:effectLst/>
+                  <a:latin typeface="Arial" pitchFamily="34" charset="0"/>
+                </a:endParaRPr>
+              </a:p>
+            </p:txBody>
+          </p:sp>
+        </p:grpSp>
+      </p:grpSp>
+    </p:spTree>
+  </p:cSld>
+  <p:clrMapOvr>
+    <a:masterClrMapping/>
+  </p:clrMapOvr>
 </p:sld>
 </file>
 
@@ -3190,32 +6104,6 @@
           <a:chExt cx="0" cy="0"/>
         </a:xfrm>
       </p:grpSpPr>
-      <p:pic>
-        <p:nvPicPr>
-          <p:cNvPr id="4" name="Picture 3" descr="under_water_turbine.jpg"/>
-          <p:cNvPicPr>
-            <a:picLocks noChangeAspect="1"/>
-          </p:cNvPicPr>
-          <p:nvPr/>
-        </p:nvPicPr>
-        <p:blipFill>
-          <a:blip r:embed="rId2" cstate="print">
-            <a:lum bright="-20000"/>
-          </a:blip>
-          <a:stretch>
-            <a:fillRect/>
-          </a:stretch>
-        </p:blipFill>
-        <p:spPr>
-          <a:xfrm>
-            <a:off x="0" y="-2795"/>
-            <a:ext cx="9143999" cy="6863589"/>
-          </a:xfrm>
-          <a:prstGeom prst="rect">
-            <a:avLst/>
-          </a:prstGeom>
-        </p:spPr>
-      </p:pic>
       <p:sp>
         <p:nvSpPr>
           <p:cNvPr id="2" name="Title 1"/>
@@ -3269,6 +6157,459 @@
                 </a:solidFill>
               </a:rPr>
               <a:t>This project intends to find a novel way of powering a device without the use of battery power</a:t>
+            </a:r>
+            <a:endParaRPr lang="en-US" dirty="0">
+              <a:solidFill>
+                <a:schemeClr val="bg1"/>
+              </a:solidFill>
+            </a:endParaRPr>
+          </a:p>
+        </p:txBody>
+      </p:sp>
+    </p:spTree>
+  </p:cSld>
+  <p:clrMapOvr>
+    <a:masterClrMapping/>
+  </p:clrMapOvr>
+</p:sld>
+</file>
+
+<file path=ppt/slides/slide20.xml><?xml version="1.0" encoding="utf-8"?>
+<p:sld xmlns:a="http://schemas.openxmlformats.org/drawingml/2006/main" xmlns:r="http://schemas.openxmlformats.org/officeDocument/2006/relationships" xmlns:p="http://schemas.openxmlformats.org/presentationml/2006/main">
+  <p:cSld>
+    <p:spTree>
+      <p:nvGrpSpPr>
+        <p:cNvPr id="1" name=""/>
+        <p:cNvGrpSpPr/>
+        <p:nvPr/>
+      </p:nvGrpSpPr>
+      <p:grpSpPr>
+        <a:xfrm>
+          <a:off x="0" y="0"/>
+          <a:ext cx="0" cy="0"/>
+          <a:chOff x="0" y="0"/>
+          <a:chExt cx="0" cy="0"/>
+        </a:xfrm>
+      </p:grpSpPr>
+      <p:sp>
+        <p:nvSpPr>
+          <p:cNvPr id="2" name="Title 1"/>
+          <p:cNvSpPr>
+            <a:spLocks noGrp="1"/>
+          </p:cNvSpPr>
+          <p:nvPr>
+            <p:ph type="title"/>
+          </p:nvPr>
+        </p:nvSpPr>
+        <p:spPr/>
+        <p:txBody>
+          <a:bodyPr/>
+          <a:lstStyle/>
+          <a:p>
+            <a:r>
+              <a:rPr lang="en-US" dirty="0" smtClean="0">
+                <a:solidFill>
+                  <a:schemeClr val="bg1"/>
+                </a:solidFill>
+              </a:rPr>
+              <a:t>Generator Test Results</a:t>
+            </a:r>
+            <a:endParaRPr lang="en-US" dirty="0">
+              <a:solidFill>
+                <a:schemeClr val="bg1"/>
+              </a:solidFill>
+            </a:endParaRPr>
+          </a:p>
+        </p:txBody>
+      </p:sp>
+      <p:sp>
+        <p:nvSpPr>
+          <p:cNvPr id="3" name="Content Placeholder 2"/>
+          <p:cNvSpPr>
+            <a:spLocks noGrp="1"/>
+          </p:cNvSpPr>
+          <p:nvPr>
+            <p:ph idx="1"/>
+          </p:nvPr>
+        </p:nvSpPr>
+        <p:spPr/>
+        <p:txBody>
+          <a:bodyPr/>
+          <a:lstStyle/>
+          <a:p>
+            <a:r>
+              <a:rPr lang="en-US" dirty="0" smtClean="0">
+                <a:solidFill>
+                  <a:schemeClr val="bg1"/>
+                </a:solidFill>
+              </a:rPr>
+              <a:t>Maximum Power Output at 0.5</a:t>
+            </a:r>
+            <a:r>
+              <a:rPr lang="el-GR" dirty="0" smtClean="0">
+                <a:solidFill>
+                  <a:schemeClr val="bg1"/>
+                </a:solidFill>
+              </a:rPr>
+              <a:t>Ω</a:t>
+            </a:r>
+            <a:r>
+              <a:rPr lang="en-US" dirty="0" smtClean="0">
+                <a:solidFill>
+                  <a:schemeClr val="bg1"/>
+                </a:solidFill>
+              </a:rPr>
+              <a:t> = 70W</a:t>
+            </a:r>
+          </a:p>
+          <a:p>
+            <a:r>
+              <a:rPr lang="en-US" dirty="0" smtClean="0">
+                <a:solidFill>
+                  <a:schemeClr val="bg1"/>
+                </a:solidFill>
+              </a:rPr>
+              <a:t>Speed required for 25W = 2400rpm</a:t>
+            </a:r>
+          </a:p>
+          <a:p>
+            <a:r>
+              <a:rPr lang="en-US" dirty="0" smtClean="0">
+                <a:solidFill>
+                  <a:schemeClr val="bg1"/>
+                </a:solidFill>
+              </a:rPr>
+              <a:t>Voltage given at 2400rpm = 4.7 </a:t>
+            </a:r>
+            <a:r>
+              <a:rPr lang="en-US" dirty="0" smtClean="0">
+                <a:solidFill>
+                  <a:schemeClr val="bg1"/>
+                </a:solidFill>
+              </a:rPr>
+              <a:t>V</a:t>
+            </a:r>
+            <a:endParaRPr lang="en-US" dirty="0" smtClean="0">
+              <a:solidFill>
+                <a:schemeClr val="bg1"/>
+              </a:solidFill>
+            </a:endParaRPr>
+          </a:p>
+          <a:p>
+            <a:r>
+              <a:rPr lang="en-US" dirty="0" smtClean="0">
+                <a:solidFill>
+                  <a:schemeClr val="bg1"/>
+                </a:solidFill>
+              </a:rPr>
+              <a:t>Current given at 2400 rpm = 5.4 A</a:t>
+            </a:r>
+            <a:endParaRPr lang="en-US" dirty="0">
+              <a:solidFill>
+                <a:schemeClr val="bg1"/>
+              </a:solidFill>
+            </a:endParaRPr>
+          </a:p>
+        </p:txBody>
+      </p:sp>
+    </p:spTree>
+  </p:cSld>
+  <p:clrMapOvr>
+    <a:masterClrMapping/>
+  </p:clrMapOvr>
+</p:sld>
+</file>
+
+<file path=ppt/slides/slide21.xml><?xml version="1.0" encoding="utf-8"?>
+<p:sld xmlns:a="http://schemas.openxmlformats.org/drawingml/2006/main" xmlns:r="http://schemas.openxmlformats.org/officeDocument/2006/relationships" xmlns:p="http://schemas.openxmlformats.org/presentationml/2006/main">
+  <p:cSld>
+    <p:spTree>
+      <p:nvGrpSpPr>
+        <p:cNvPr id="1" name=""/>
+        <p:cNvGrpSpPr/>
+        <p:nvPr/>
+      </p:nvGrpSpPr>
+      <p:grpSpPr>
+        <a:xfrm>
+          <a:off x="0" y="0"/>
+          <a:ext cx="0" cy="0"/>
+          <a:chOff x="0" y="0"/>
+          <a:chExt cx="0" cy="0"/>
+        </a:xfrm>
+      </p:grpSpPr>
+      <p:sp>
+        <p:nvSpPr>
+          <p:cNvPr id="2" name="Title 1"/>
+          <p:cNvSpPr>
+            <a:spLocks noGrp="1"/>
+          </p:cNvSpPr>
+          <p:nvPr>
+            <p:ph type="title"/>
+          </p:nvPr>
+        </p:nvSpPr>
+        <p:spPr/>
+        <p:txBody>
+          <a:bodyPr/>
+          <a:lstStyle/>
+          <a:p>
+            <a:r>
+              <a:rPr lang="en-US" dirty="0" smtClean="0">
+                <a:solidFill>
+                  <a:schemeClr val="bg1"/>
+                </a:solidFill>
+              </a:rPr>
+              <a:t>Future Steps</a:t>
+            </a:r>
+            <a:endParaRPr lang="en-US" dirty="0">
+              <a:solidFill>
+                <a:schemeClr val="bg1"/>
+              </a:solidFill>
+            </a:endParaRPr>
+          </a:p>
+        </p:txBody>
+      </p:sp>
+      <p:sp>
+        <p:nvSpPr>
+          <p:cNvPr id="3" name="Content Placeholder 2"/>
+          <p:cNvSpPr>
+            <a:spLocks noGrp="1"/>
+          </p:cNvSpPr>
+          <p:nvPr>
+            <p:ph idx="1"/>
+          </p:nvPr>
+        </p:nvSpPr>
+        <p:spPr/>
+        <p:txBody>
+          <a:bodyPr/>
+          <a:lstStyle/>
+          <a:p>
+            <a:r>
+              <a:rPr lang="en-US" dirty="0" smtClean="0">
+                <a:solidFill>
+                  <a:schemeClr val="bg1"/>
+                </a:solidFill>
+              </a:rPr>
+              <a:t>Build tank tracks and use with motors to find exact characteristics</a:t>
+            </a:r>
+          </a:p>
+          <a:p>
+            <a:r>
+              <a:rPr lang="en-US" dirty="0" smtClean="0">
+                <a:solidFill>
+                  <a:schemeClr val="bg1"/>
+                </a:solidFill>
+              </a:rPr>
+              <a:t>Choose and purchase power converter</a:t>
+            </a:r>
+          </a:p>
+          <a:p>
+            <a:r>
+              <a:rPr lang="en-US" dirty="0" smtClean="0">
+                <a:solidFill>
+                  <a:schemeClr val="bg1"/>
+                </a:solidFill>
+              </a:rPr>
+              <a:t>Slowly build and test </a:t>
+            </a:r>
+          </a:p>
+          <a:p>
+            <a:r>
+              <a:rPr lang="en-US" dirty="0" smtClean="0">
+                <a:solidFill>
+                  <a:schemeClr val="bg1"/>
+                </a:solidFill>
+              </a:rPr>
+              <a:t>Final test in water tunnel with current coming through</a:t>
+            </a:r>
+            <a:endParaRPr lang="en-US" dirty="0">
+              <a:solidFill>
+                <a:schemeClr val="bg1"/>
+              </a:solidFill>
+            </a:endParaRPr>
+          </a:p>
+        </p:txBody>
+      </p:sp>
+    </p:spTree>
+  </p:cSld>
+  <p:clrMapOvr>
+    <a:masterClrMapping/>
+  </p:clrMapOvr>
+</p:sld>
+</file>
+
+<file path=ppt/slides/slide22.xml><?xml version="1.0" encoding="utf-8"?>
+<p:sld xmlns:a="http://schemas.openxmlformats.org/drawingml/2006/main" xmlns:r="http://schemas.openxmlformats.org/officeDocument/2006/relationships" xmlns:p="http://schemas.openxmlformats.org/presentationml/2006/main">
+  <p:cSld>
+    <p:spTree>
+      <p:nvGrpSpPr>
+        <p:cNvPr id="1" name=""/>
+        <p:cNvGrpSpPr/>
+        <p:nvPr/>
+      </p:nvGrpSpPr>
+      <p:grpSpPr>
+        <a:xfrm>
+          <a:off x="0" y="0"/>
+          <a:ext cx="0" cy="0"/>
+          <a:chOff x="0" y="0"/>
+          <a:chExt cx="0" cy="0"/>
+        </a:xfrm>
+      </p:grpSpPr>
+      <p:sp>
+        <p:nvSpPr>
+          <p:cNvPr id="2" name="Title 1"/>
+          <p:cNvSpPr>
+            <a:spLocks noGrp="1"/>
+          </p:cNvSpPr>
+          <p:nvPr>
+            <p:ph type="title"/>
+          </p:nvPr>
+        </p:nvSpPr>
+        <p:spPr/>
+        <p:txBody>
+          <a:bodyPr/>
+          <a:lstStyle/>
+          <a:p>
+            <a:r>
+              <a:rPr lang="en-US" dirty="0" smtClean="0">
+                <a:solidFill>
+                  <a:schemeClr val="bg1"/>
+                </a:solidFill>
+              </a:rPr>
+              <a:t>Conclusions</a:t>
+            </a:r>
+            <a:endParaRPr lang="en-US" dirty="0">
+              <a:solidFill>
+                <a:schemeClr val="bg1"/>
+              </a:solidFill>
+            </a:endParaRPr>
+          </a:p>
+        </p:txBody>
+      </p:sp>
+      <p:sp>
+        <p:nvSpPr>
+          <p:cNvPr id="3" name="Content Placeholder 2"/>
+          <p:cNvSpPr>
+            <a:spLocks noGrp="1"/>
+          </p:cNvSpPr>
+          <p:nvPr>
+            <p:ph idx="1"/>
+          </p:nvPr>
+        </p:nvSpPr>
+        <p:spPr/>
+        <p:txBody>
+          <a:bodyPr/>
+          <a:lstStyle/>
+          <a:p>
+            <a:r>
+              <a:rPr lang="en-US" dirty="0" smtClean="0">
+                <a:solidFill>
+                  <a:schemeClr val="bg1"/>
+                </a:solidFill>
+              </a:rPr>
+              <a:t>Project was a success</a:t>
+            </a:r>
+          </a:p>
+          <a:p>
+            <a:r>
+              <a:rPr lang="en-US" dirty="0" smtClean="0">
+                <a:solidFill>
+                  <a:schemeClr val="bg1"/>
+                </a:solidFill>
+              </a:rPr>
+              <a:t>Design completed</a:t>
+            </a:r>
+          </a:p>
+          <a:p>
+            <a:r>
+              <a:rPr lang="en-US" dirty="0" smtClean="0">
+                <a:solidFill>
+                  <a:schemeClr val="bg1"/>
+                </a:solidFill>
+              </a:rPr>
+              <a:t>Future work allowed for</a:t>
+            </a:r>
+          </a:p>
+          <a:p>
+            <a:r>
+              <a:rPr lang="en-US" dirty="0" smtClean="0">
+                <a:solidFill>
+                  <a:schemeClr val="bg1"/>
+                </a:solidFill>
+              </a:rPr>
+              <a:t>Plastic components to resist corrosion</a:t>
+            </a:r>
+          </a:p>
+          <a:p>
+            <a:r>
+              <a:rPr lang="en-US" dirty="0" smtClean="0">
+                <a:solidFill>
+                  <a:schemeClr val="bg1"/>
+                </a:solidFill>
+              </a:rPr>
+              <a:t>Oil filled to resist pressure</a:t>
+            </a:r>
+          </a:p>
+          <a:p>
+            <a:endParaRPr lang="en-US" dirty="0">
+              <a:solidFill>
+                <a:schemeClr val="bg1"/>
+              </a:solidFill>
+            </a:endParaRPr>
+          </a:p>
+        </p:txBody>
+      </p:sp>
+    </p:spTree>
+  </p:cSld>
+  <p:clrMapOvr>
+    <a:masterClrMapping/>
+  </p:clrMapOvr>
+</p:sld>
+</file>
+
+<file path=ppt/slides/slide23.xml><?xml version="1.0" encoding="utf-8"?>
+<p:sld xmlns:a="http://schemas.openxmlformats.org/drawingml/2006/main" xmlns:r="http://schemas.openxmlformats.org/officeDocument/2006/relationships" xmlns:p="http://schemas.openxmlformats.org/presentationml/2006/main">
+  <p:cSld>
+    <p:spTree>
+      <p:nvGrpSpPr>
+        <p:cNvPr id="1" name=""/>
+        <p:cNvGrpSpPr/>
+        <p:nvPr/>
+      </p:nvGrpSpPr>
+      <p:grpSpPr>
+        <a:xfrm>
+          <a:off x="0" y="0"/>
+          <a:ext cx="0" cy="0"/>
+          <a:chOff x="0" y="0"/>
+          <a:chExt cx="0" cy="0"/>
+        </a:xfrm>
+      </p:grpSpPr>
+      <p:sp>
+        <p:nvSpPr>
+          <p:cNvPr id="2" name="Title 1"/>
+          <p:cNvSpPr>
+            <a:spLocks noGrp="1"/>
+          </p:cNvSpPr>
+          <p:nvPr>
+            <p:ph type="title"/>
+          </p:nvPr>
+        </p:nvSpPr>
+        <p:spPr>
+          <a:xfrm>
+            <a:off x="457200" y="2270754"/>
+            <a:ext cx="8229600" cy="1143000"/>
+          </a:xfrm>
+        </p:spPr>
+        <p:txBody>
+          <a:bodyPr/>
+          <a:lstStyle/>
+          <a:p>
+            <a:r>
+              <a:rPr lang="en-US" dirty="0" smtClean="0">
+                <a:solidFill>
+                  <a:schemeClr val="bg1"/>
+                </a:solidFill>
+              </a:rPr>
+              <a:t>Questions?</a:t>
             </a:r>
             <a:endParaRPr lang="en-US" dirty="0">
               <a:solidFill>
@@ -3303,32 +6644,6 @@
           <a:chExt cx="0" cy="0"/>
         </a:xfrm>
       </p:grpSpPr>
-      <p:pic>
-        <p:nvPicPr>
-          <p:cNvPr id="4" name="Picture 3" descr="under_water_turbine.jpg"/>
-          <p:cNvPicPr>
-            <a:picLocks noChangeAspect="1"/>
-          </p:cNvPicPr>
-          <p:nvPr/>
-        </p:nvPicPr>
-        <p:blipFill>
-          <a:blip r:embed="rId2" cstate="print">
-            <a:lum bright="-20000"/>
-          </a:blip>
-          <a:stretch>
-            <a:fillRect/>
-          </a:stretch>
-        </p:blipFill>
-        <p:spPr>
-          <a:xfrm>
-            <a:off x="0" y="-2795"/>
-            <a:ext cx="9143999" cy="6863589"/>
-          </a:xfrm>
-          <a:prstGeom prst="rect">
-            <a:avLst/>
-          </a:prstGeom>
-        </p:spPr>
-      </p:pic>
       <p:sp>
         <p:nvSpPr>
           <p:cNvPr id="2" name="Title 1"/>
@@ -3381,7 +6696,7 @@
                   <a:schemeClr val="bg1"/>
                 </a:solidFill>
               </a:rPr>
-              <a:t>Choose an application to power</a:t>
+              <a:t>Investigate an extreme environment</a:t>
             </a:r>
           </a:p>
           <a:p>
@@ -3391,7 +6706,7 @@
                   <a:schemeClr val="bg1"/>
                 </a:solidFill>
               </a:rPr>
-              <a:t>Find a way to generate power from the application’s environment</a:t>
+              <a:t>Find a suitable way to power a device and design a solution</a:t>
             </a:r>
           </a:p>
           <a:p>
@@ -3401,7 +6716,7 @@
                   <a:schemeClr val="bg1"/>
                 </a:solidFill>
               </a:rPr>
-              <a:t>Design a device to generate and use this power</a:t>
+              <a:t>The goal upon completion is to have a well thought out design that could be built and used in the real world</a:t>
             </a:r>
           </a:p>
           <a:p>
@@ -3441,32 +6756,6 @@
           <a:chExt cx="0" cy="0"/>
         </a:xfrm>
       </p:grpSpPr>
-      <p:pic>
-        <p:nvPicPr>
-          <p:cNvPr id="4" name="Picture 3" descr="under_water_turbine.jpg"/>
-          <p:cNvPicPr>
-            <a:picLocks noChangeAspect="1"/>
-          </p:cNvPicPr>
-          <p:nvPr/>
-        </p:nvPicPr>
-        <p:blipFill>
-          <a:blip r:embed="rId2" cstate="print">
-            <a:lum bright="-20000"/>
-          </a:blip>
-          <a:stretch>
-            <a:fillRect/>
-          </a:stretch>
-        </p:blipFill>
-        <p:spPr>
-          <a:xfrm>
-            <a:off x="0" y="-2795"/>
-            <a:ext cx="9143999" cy="6863589"/>
-          </a:xfrm>
-          <a:prstGeom prst="rect">
-            <a:avLst/>
-          </a:prstGeom>
-        </p:spPr>
-      </p:pic>
       <p:sp>
         <p:nvSpPr>
           <p:cNvPr id="2" name="Title 1"/>
@@ -3513,10 +6802,809 @@
           <a:bodyPr/>
           <a:lstStyle/>
           <a:p>
-            <a:endParaRPr lang="en-US" dirty="0"/>
-          </a:p>
-        </p:txBody>
-      </p:sp>
+            <a:r>
+              <a:rPr lang="en-US" dirty="0" smtClean="0">
+                <a:solidFill>
+                  <a:schemeClr val="bg1"/>
+                </a:solidFill>
+              </a:rPr>
+              <a:t>The sea cover approximately ¾ of the earths surface</a:t>
+            </a:r>
+          </a:p>
+          <a:p>
+            <a:r>
+              <a:rPr lang="en-US" dirty="0" smtClean="0">
+                <a:solidFill>
+                  <a:schemeClr val="bg1"/>
+                </a:solidFill>
+              </a:rPr>
+              <a:t>Relatively unexplored due to harsh environment: Temperatures, pressures, no oxygen</a:t>
+            </a:r>
+          </a:p>
+          <a:p>
+            <a:r>
+              <a:rPr lang="en-US" dirty="0" smtClean="0">
+                <a:solidFill>
+                  <a:schemeClr val="bg1"/>
+                </a:solidFill>
+              </a:rPr>
+              <a:t>A robot could be used</a:t>
+            </a:r>
+          </a:p>
+          <a:p>
+            <a:r>
+              <a:rPr lang="en-US" dirty="0" smtClean="0">
+                <a:solidFill>
+                  <a:schemeClr val="bg1"/>
+                </a:solidFill>
+              </a:rPr>
+              <a:t>If no batteries then it could stay underwater for indefinite periods!</a:t>
+            </a:r>
+            <a:endParaRPr lang="en-US" dirty="0">
+              <a:solidFill>
+                <a:schemeClr val="bg1"/>
+              </a:solidFill>
+            </a:endParaRPr>
+          </a:p>
+        </p:txBody>
+      </p:sp>
+    </p:spTree>
+  </p:cSld>
+  <p:clrMapOvr>
+    <a:masterClrMapping/>
+  </p:clrMapOvr>
+</p:sld>
+</file>
+
+<file path=ppt/slides/slide5.xml><?xml version="1.0" encoding="utf-8"?>
+<p:sld xmlns:a="http://schemas.openxmlformats.org/drawingml/2006/main" xmlns:r="http://schemas.openxmlformats.org/officeDocument/2006/relationships" xmlns:p="http://schemas.openxmlformats.org/presentationml/2006/main">
+  <p:cSld>
+    <p:spTree>
+      <p:nvGrpSpPr>
+        <p:cNvPr id="1" name=""/>
+        <p:cNvGrpSpPr/>
+        <p:nvPr/>
+      </p:nvGrpSpPr>
+      <p:grpSpPr>
+        <a:xfrm>
+          <a:off x="0" y="0"/>
+          <a:ext cx="0" cy="0"/>
+          <a:chOff x="0" y="0"/>
+          <a:chExt cx="0" cy="0"/>
+        </a:xfrm>
+      </p:grpSpPr>
+      <p:sp>
+        <p:nvSpPr>
+          <p:cNvPr id="2" name="Title 1"/>
+          <p:cNvSpPr>
+            <a:spLocks noGrp="1"/>
+          </p:cNvSpPr>
+          <p:nvPr>
+            <p:ph type="title"/>
+          </p:nvPr>
+        </p:nvSpPr>
+        <p:spPr/>
+        <p:txBody>
+          <a:bodyPr/>
+          <a:lstStyle/>
+          <a:p>
+            <a:r>
+              <a:rPr lang="en-US" dirty="0" smtClean="0">
+                <a:solidFill>
+                  <a:schemeClr val="bg1"/>
+                </a:solidFill>
+              </a:rPr>
+              <a:t>Method Power Generation</a:t>
+            </a:r>
+            <a:endParaRPr lang="en-US" dirty="0">
+              <a:solidFill>
+                <a:schemeClr val="bg1"/>
+              </a:solidFill>
+            </a:endParaRPr>
+          </a:p>
+        </p:txBody>
+      </p:sp>
+      <p:sp>
+        <p:nvSpPr>
+          <p:cNvPr id="3" name="Content Placeholder 2"/>
+          <p:cNvSpPr>
+            <a:spLocks noGrp="1"/>
+          </p:cNvSpPr>
+          <p:nvPr>
+            <p:ph idx="1"/>
+          </p:nvPr>
+        </p:nvSpPr>
+        <p:spPr/>
+        <p:txBody>
+          <a:bodyPr/>
+          <a:lstStyle/>
+          <a:p>
+            <a:r>
+              <a:rPr lang="en-US" dirty="0" smtClean="0">
+                <a:solidFill>
+                  <a:schemeClr val="bg1"/>
+                </a:solidFill>
+              </a:rPr>
+              <a:t>Pressure: requires a differential that is not easily obtained</a:t>
+            </a:r>
+          </a:p>
+          <a:p>
+            <a:r>
+              <a:rPr lang="en-US" dirty="0" smtClean="0">
+                <a:solidFill>
+                  <a:schemeClr val="bg1"/>
+                </a:solidFill>
+              </a:rPr>
+              <a:t>Temperature: requires a differential that is not easily obtained</a:t>
+            </a:r>
+          </a:p>
+          <a:p>
+            <a:r>
+              <a:rPr lang="en-US" dirty="0" smtClean="0">
+                <a:solidFill>
+                  <a:schemeClr val="bg1"/>
+                </a:solidFill>
+              </a:rPr>
+              <a:t>Chemical: all chemicals in the water are in a post-reacted state</a:t>
+            </a:r>
+          </a:p>
+          <a:p>
+            <a:r>
+              <a:rPr lang="en-US" dirty="0" smtClean="0">
+                <a:solidFill>
+                  <a:schemeClr val="bg1"/>
+                </a:solidFill>
+              </a:rPr>
+              <a:t>Kinetic: Could use undersea currents with a turbine..</a:t>
+            </a:r>
+            <a:endParaRPr lang="en-US" dirty="0">
+              <a:solidFill>
+                <a:schemeClr val="bg1"/>
+              </a:solidFill>
+            </a:endParaRPr>
+          </a:p>
+        </p:txBody>
+      </p:sp>
+    </p:spTree>
+  </p:cSld>
+  <p:clrMapOvr>
+    <a:masterClrMapping/>
+  </p:clrMapOvr>
+</p:sld>
+</file>
+
+<file path=ppt/slides/slide6.xml><?xml version="1.0" encoding="utf-8"?>
+<p:sld xmlns:a="http://schemas.openxmlformats.org/drawingml/2006/main" xmlns:r="http://schemas.openxmlformats.org/officeDocument/2006/relationships" xmlns:p="http://schemas.openxmlformats.org/presentationml/2006/main">
+  <p:cSld>
+    <p:spTree>
+      <p:nvGrpSpPr>
+        <p:cNvPr id="1" name=""/>
+        <p:cNvGrpSpPr/>
+        <p:nvPr/>
+      </p:nvGrpSpPr>
+      <p:grpSpPr>
+        <a:xfrm>
+          <a:off x="0" y="0"/>
+          <a:ext cx="0" cy="0"/>
+          <a:chOff x="0" y="0"/>
+          <a:chExt cx="0" cy="0"/>
+        </a:xfrm>
+      </p:grpSpPr>
+      <p:sp>
+        <p:nvSpPr>
+          <p:cNvPr id="2" name="Title 1"/>
+          <p:cNvSpPr>
+            <a:spLocks noGrp="1"/>
+          </p:cNvSpPr>
+          <p:nvPr>
+            <p:ph type="title"/>
+          </p:nvPr>
+        </p:nvSpPr>
+        <p:spPr/>
+        <p:txBody>
+          <a:bodyPr/>
+          <a:lstStyle/>
+          <a:p>
+            <a:r>
+              <a:rPr lang="en-US" dirty="0" smtClean="0">
+                <a:solidFill>
+                  <a:schemeClr val="bg1"/>
+                </a:solidFill>
+              </a:rPr>
+              <a:t>Specification</a:t>
+            </a:r>
+            <a:endParaRPr lang="en-US" dirty="0">
+              <a:solidFill>
+                <a:schemeClr val="bg1"/>
+              </a:solidFill>
+            </a:endParaRPr>
+          </a:p>
+        </p:txBody>
+      </p:sp>
+      <p:sp>
+        <p:nvSpPr>
+          <p:cNvPr id="3" name="Content Placeholder 2"/>
+          <p:cNvSpPr>
+            <a:spLocks noGrp="1"/>
+          </p:cNvSpPr>
+          <p:nvPr>
+            <p:ph idx="1"/>
+          </p:nvPr>
+        </p:nvSpPr>
+        <p:spPr/>
+        <p:txBody>
+          <a:bodyPr/>
+          <a:lstStyle/>
+          <a:p>
+            <a:r>
+              <a:rPr lang="en-US" dirty="0" smtClean="0">
+                <a:solidFill>
+                  <a:schemeClr val="bg1"/>
+                </a:solidFill>
+              </a:rPr>
+              <a:t>A robot that is able to move under its own power while:</a:t>
+            </a:r>
+          </a:p>
+          <a:p>
+            <a:pPr lvl="1"/>
+            <a:r>
+              <a:rPr lang="en-US" sz="3200" dirty="0" smtClean="0">
+                <a:solidFill>
+                  <a:schemeClr val="bg1"/>
+                </a:solidFill>
+              </a:rPr>
+              <a:t>Withstanding temperatures: 3 - 21 ̊C </a:t>
+            </a:r>
+          </a:p>
+          <a:p>
+            <a:pPr lvl="1"/>
+            <a:r>
+              <a:rPr lang="en-US" sz="3200" dirty="0" smtClean="0">
+                <a:solidFill>
+                  <a:schemeClr val="bg1"/>
+                </a:solidFill>
+              </a:rPr>
+              <a:t>Withstanding pressures: 1 atmosphere for every 10m underwater</a:t>
+            </a:r>
+          </a:p>
+          <a:p>
+            <a:pPr lvl="1"/>
+            <a:r>
+              <a:rPr lang="en-US" sz="3200" dirty="0" smtClean="0">
+                <a:solidFill>
+                  <a:schemeClr val="bg1"/>
+                </a:solidFill>
+              </a:rPr>
+              <a:t>Withstanding corrosion from salt water</a:t>
+            </a:r>
+          </a:p>
+          <a:p>
+            <a:endParaRPr lang="en-US" dirty="0">
+              <a:solidFill>
+                <a:schemeClr val="bg1"/>
+              </a:solidFill>
+            </a:endParaRPr>
+          </a:p>
+        </p:txBody>
+      </p:sp>
+    </p:spTree>
+  </p:cSld>
+  <p:clrMapOvr>
+    <a:masterClrMapping/>
+  </p:clrMapOvr>
+</p:sld>
+</file>
+
+<file path=ppt/slides/slide7.xml><?xml version="1.0" encoding="utf-8"?>
+<p:sld xmlns:a="http://schemas.openxmlformats.org/drawingml/2006/main" xmlns:r="http://schemas.openxmlformats.org/officeDocument/2006/relationships" xmlns:p="http://schemas.openxmlformats.org/presentationml/2006/main">
+  <p:cSld>
+    <p:spTree>
+      <p:nvGrpSpPr>
+        <p:cNvPr id="1" name=""/>
+        <p:cNvGrpSpPr/>
+        <p:nvPr/>
+      </p:nvGrpSpPr>
+      <p:grpSpPr>
+        <a:xfrm>
+          <a:off x="0" y="0"/>
+          <a:ext cx="0" cy="0"/>
+          <a:chOff x="0" y="0"/>
+          <a:chExt cx="0" cy="0"/>
+        </a:xfrm>
+      </p:grpSpPr>
+      <p:sp>
+        <p:nvSpPr>
+          <p:cNvPr id="2" name="Title 1"/>
+          <p:cNvSpPr>
+            <a:spLocks noGrp="1"/>
+          </p:cNvSpPr>
+          <p:nvPr>
+            <p:ph type="title"/>
+          </p:nvPr>
+        </p:nvSpPr>
+        <p:spPr/>
+        <p:txBody>
+          <a:bodyPr/>
+          <a:lstStyle/>
+          <a:p>
+            <a:r>
+              <a:rPr lang="en-US" dirty="0" smtClean="0">
+                <a:solidFill>
+                  <a:schemeClr val="bg1"/>
+                </a:solidFill>
+              </a:rPr>
+              <a:t>Simplifications</a:t>
+            </a:r>
+            <a:endParaRPr lang="en-US" dirty="0">
+              <a:solidFill>
+                <a:schemeClr val="bg1"/>
+              </a:solidFill>
+            </a:endParaRPr>
+          </a:p>
+        </p:txBody>
+      </p:sp>
+      <p:sp>
+        <p:nvSpPr>
+          <p:cNvPr id="3" name="Content Placeholder 2"/>
+          <p:cNvSpPr>
+            <a:spLocks noGrp="1"/>
+          </p:cNvSpPr>
+          <p:nvPr>
+            <p:ph idx="1"/>
+          </p:nvPr>
+        </p:nvSpPr>
+        <p:spPr/>
+        <p:txBody>
+          <a:bodyPr/>
+          <a:lstStyle/>
+          <a:p>
+            <a:r>
+              <a:rPr lang="en-US" dirty="0" smtClean="0">
+                <a:solidFill>
+                  <a:schemeClr val="bg1"/>
+                </a:solidFill>
+              </a:rPr>
+              <a:t>No turning functionality</a:t>
+            </a:r>
+          </a:p>
+          <a:p>
+            <a:r>
+              <a:rPr lang="en-US" dirty="0" smtClean="0">
+                <a:solidFill>
+                  <a:schemeClr val="bg1"/>
+                </a:solidFill>
+              </a:rPr>
+              <a:t>No control </a:t>
+            </a:r>
+            <a:r>
+              <a:rPr lang="en-US" dirty="0" err="1" smtClean="0">
+                <a:solidFill>
+                  <a:schemeClr val="bg1"/>
+                </a:solidFill>
+              </a:rPr>
+              <a:t>ie</a:t>
+            </a:r>
+            <a:r>
+              <a:rPr lang="en-US" dirty="0" smtClean="0">
+                <a:solidFill>
+                  <a:schemeClr val="bg1"/>
+                </a:solidFill>
+              </a:rPr>
+              <a:t>. goes forward when has power, idle otherwise</a:t>
+            </a:r>
+          </a:p>
+          <a:p>
+            <a:r>
+              <a:rPr lang="en-US" dirty="0" smtClean="0">
+                <a:solidFill>
+                  <a:schemeClr val="bg1"/>
+                </a:solidFill>
+              </a:rPr>
+              <a:t>No extra functionality</a:t>
+            </a:r>
+          </a:p>
+          <a:p>
+            <a:r>
+              <a:rPr lang="en-US" dirty="0" smtClean="0">
+                <a:solidFill>
+                  <a:schemeClr val="bg1"/>
+                </a:solidFill>
+              </a:rPr>
+              <a:t>These things to be added after initial design proven</a:t>
+            </a:r>
+            <a:endParaRPr lang="en-US" dirty="0">
+              <a:solidFill>
+                <a:schemeClr val="bg1"/>
+              </a:solidFill>
+            </a:endParaRPr>
+          </a:p>
+        </p:txBody>
+      </p:sp>
+    </p:spTree>
+  </p:cSld>
+  <p:clrMapOvr>
+    <a:masterClrMapping/>
+  </p:clrMapOvr>
+</p:sld>
+</file>
+
+<file path=ppt/slides/slide8.xml><?xml version="1.0" encoding="utf-8"?>
+<p:sld xmlns:a="http://schemas.openxmlformats.org/drawingml/2006/main" xmlns:r="http://schemas.openxmlformats.org/officeDocument/2006/relationships" xmlns:p="http://schemas.openxmlformats.org/presentationml/2006/main">
+  <p:cSld>
+    <p:spTree>
+      <p:nvGrpSpPr>
+        <p:cNvPr id="1" name=""/>
+        <p:cNvGrpSpPr/>
+        <p:nvPr/>
+      </p:nvGrpSpPr>
+      <p:grpSpPr>
+        <a:xfrm>
+          <a:off x="0" y="0"/>
+          <a:ext cx="0" cy="0"/>
+          <a:chOff x="0" y="0"/>
+          <a:chExt cx="0" cy="0"/>
+        </a:xfrm>
+      </p:grpSpPr>
+      <p:sp>
+        <p:nvSpPr>
+          <p:cNvPr id="2" name="Title 1"/>
+          <p:cNvSpPr>
+            <a:spLocks noGrp="1"/>
+          </p:cNvSpPr>
+          <p:nvPr>
+            <p:ph type="title"/>
+          </p:nvPr>
+        </p:nvSpPr>
+        <p:spPr/>
+        <p:txBody>
+          <a:bodyPr/>
+          <a:lstStyle/>
+          <a:p>
+            <a:r>
+              <a:rPr lang="en-US" dirty="0" smtClean="0">
+                <a:solidFill>
+                  <a:schemeClr val="bg1"/>
+                </a:solidFill>
+              </a:rPr>
+              <a:t>Theory of Operation</a:t>
+            </a:r>
+            <a:endParaRPr lang="en-US" dirty="0">
+              <a:solidFill>
+                <a:schemeClr val="bg1"/>
+              </a:solidFill>
+            </a:endParaRPr>
+          </a:p>
+        </p:txBody>
+      </p:sp>
+      <p:sp>
+        <p:nvSpPr>
+          <p:cNvPr id="1026" name="Rectangle 2"/>
+          <p:cNvSpPr>
+            <a:spLocks noChangeArrowheads="1"/>
+          </p:cNvSpPr>
+          <p:nvPr/>
+        </p:nvSpPr>
+        <p:spPr bwMode="auto">
+          <a:xfrm>
+            <a:off x="0" y="0"/>
+            <a:ext cx="9144000" cy="0"/>
+          </a:xfrm>
+          <a:prstGeom prst="rect">
+            <a:avLst/>
+          </a:prstGeom>
+          <a:noFill/>
+          <a:ln w="9525">
+            <a:noFill/>
+            <a:miter lim="800000"/>
+            <a:headEnd/>
+            <a:tailEnd/>
+          </a:ln>
+          <a:effectLst/>
+        </p:spPr>
+        <p:txBody>
+          <a:bodyPr vert="horz" wrap="none" lIns="91440" tIns="45720" rIns="91440" bIns="45720" numCol="1" anchor="ctr" anchorCtr="0" compatLnSpc="1">
+            <a:prstTxWarp prst="textNoShape">
+              <a:avLst/>
+            </a:prstTxWarp>
+            <a:spAutoFit/>
+          </a:bodyPr>
+          <a:lstStyle/>
+          <a:p>
+            <a:endParaRPr lang="en-US"/>
+          </a:p>
+        </p:txBody>
+      </p:sp>
+      <p:graphicFrame>
+        <p:nvGraphicFramePr>
+          <p:cNvPr id="1025" name="Object 1"/>
+          <p:cNvGraphicFramePr>
+            <a:graphicFrameLocks noChangeAspect="1"/>
+          </p:cNvGraphicFramePr>
+          <p:nvPr/>
+        </p:nvGraphicFramePr>
+        <p:xfrm>
+          <a:off x="609600" y="2743200"/>
+          <a:ext cx="7862207" cy="685800"/>
+        </p:xfrm>
+        <a:graphic>
+          <a:graphicData uri="http://schemas.openxmlformats.org/presentationml/2006/ole">
+            <p:oleObj spid="_x0000_s1025" r:id="rId3" imgW="6686839" imgH="583316" progId="">
+              <p:embed/>
+            </p:oleObj>
+          </a:graphicData>
+        </a:graphic>
+      </p:graphicFrame>
+    </p:spTree>
+  </p:cSld>
+  <p:clrMapOvr>
+    <a:masterClrMapping/>
+  </p:clrMapOvr>
+</p:sld>
+</file>
+
+<file path=ppt/slides/slide9.xml><?xml version="1.0" encoding="utf-8"?>
+<p:sld xmlns:a="http://schemas.openxmlformats.org/drawingml/2006/main" xmlns:r="http://schemas.openxmlformats.org/officeDocument/2006/relationships" xmlns:p="http://schemas.openxmlformats.org/presentationml/2006/main">
+  <p:cSld>
+    <p:spTree>
+      <p:nvGrpSpPr>
+        <p:cNvPr id="1" name=""/>
+        <p:cNvGrpSpPr/>
+        <p:nvPr/>
+      </p:nvGrpSpPr>
+      <p:grpSpPr>
+        <a:xfrm>
+          <a:off x="0" y="0"/>
+          <a:ext cx="0" cy="0"/>
+          <a:chOff x="0" y="0"/>
+          <a:chExt cx="0" cy="0"/>
+        </a:xfrm>
+      </p:grpSpPr>
+      <p:sp>
+        <p:nvSpPr>
+          <p:cNvPr id="2" name="Title 1"/>
+          <p:cNvSpPr>
+            <a:spLocks noGrp="1"/>
+          </p:cNvSpPr>
+          <p:nvPr>
+            <p:ph type="title"/>
+          </p:nvPr>
+        </p:nvSpPr>
+        <p:spPr/>
+        <p:txBody>
+          <a:bodyPr/>
+          <a:lstStyle/>
+          <a:p>
+            <a:r>
+              <a:rPr lang="en-US" dirty="0" smtClean="0">
+                <a:solidFill>
+                  <a:schemeClr val="bg1"/>
+                </a:solidFill>
+              </a:rPr>
+              <a:t>Turbine</a:t>
+            </a:r>
+            <a:endParaRPr lang="en-US" dirty="0">
+              <a:solidFill>
+                <a:schemeClr val="bg1"/>
+              </a:solidFill>
+            </a:endParaRPr>
+          </a:p>
+        </p:txBody>
+      </p:sp>
+      <p:sp>
+        <p:nvSpPr>
+          <p:cNvPr id="3" name="Content Placeholder 2"/>
+          <p:cNvSpPr>
+            <a:spLocks noGrp="1"/>
+          </p:cNvSpPr>
+          <p:nvPr>
+            <p:ph idx="1"/>
+          </p:nvPr>
+        </p:nvSpPr>
+        <p:spPr/>
+        <p:txBody>
+          <a:bodyPr/>
+          <a:lstStyle/>
+          <a:p>
+            <a:r>
+              <a:rPr lang="en-US" dirty="0" smtClean="0">
+                <a:solidFill>
+                  <a:schemeClr val="bg1"/>
+                </a:solidFill>
+              </a:rPr>
+              <a:t>Size of turbine determines the power available:</a:t>
+            </a:r>
+          </a:p>
+          <a:p>
+            <a:endParaRPr lang="en-US" dirty="0" smtClean="0">
+              <a:solidFill>
+                <a:schemeClr val="bg1"/>
+              </a:solidFill>
+            </a:endParaRPr>
+          </a:p>
+          <a:p>
+            <a:endParaRPr lang="en-US" dirty="0" smtClean="0">
+              <a:solidFill>
+                <a:schemeClr val="bg1"/>
+              </a:solidFill>
+            </a:endParaRPr>
+          </a:p>
+          <a:p>
+            <a:r>
+              <a:rPr lang="en-US" dirty="0" smtClean="0">
+                <a:solidFill>
+                  <a:schemeClr val="bg1"/>
+                </a:solidFill>
+              </a:rPr>
+              <a:t>Robot will require 25W of </a:t>
+            </a:r>
+            <a:r>
+              <a:rPr lang="en-US" dirty="0" smtClean="0">
+                <a:solidFill>
+                  <a:schemeClr val="bg1"/>
+                </a:solidFill>
+              </a:rPr>
+              <a:t>power including power loss to power converter inefficiency</a:t>
+            </a:r>
+            <a:endParaRPr lang="en-US" dirty="0" smtClean="0">
+              <a:solidFill>
+                <a:schemeClr val="bg1"/>
+              </a:solidFill>
+            </a:endParaRPr>
+          </a:p>
+          <a:p>
+            <a:pPr lvl="1">
+              <a:buFont typeface="Wingdings" pitchFamily="2" charset="2"/>
+              <a:buChar char="Ø"/>
+            </a:pPr>
+            <a:r>
+              <a:rPr lang="en-US" sz="3200" dirty="0" smtClean="0">
+                <a:solidFill>
+                  <a:schemeClr val="bg1"/>
+                </a:solidFill>
+              </a:rPr>
+              <a:t>Diameter of turbine is 23.8 cm</a:t>
+            </a:r>
+            <a:endParaRPr lang="en-US" sz="3200" dirty="0">
+              <a:solidFill>
+                <a:schemeClr val="bg1"/>
+              </a:solidFill>
+            </a:endParaRPr>
+          </a:p>
+        </p:txBody>
+      </p:sp>
+      <p:sp>
+        <p:nvSpPr>
+          <p:cNvPr id="21506" name="Rectangle 2"/>
+          <p:cNvSpPr>
+            <a:spLocks noChangeArrowheads="1"/>
+          </p:cNvSpPr>
+          <p:nvPr/>
+        </p:nvSpPr>
+        <p:spPr bwMode="auto">
+          <a:xfrm>
+            <a:off x="0" y="0"/>
+            <a:ext cx="9144000" cy="457200"/>
+          </a:xfrm>
+          <a:prstGeom prst="rect">
+            <a:avLst/>
+          </a:prstGeom>
+          <a:noFill/>
+          <a:ln w="9525">
+            <a:noFill/>
+            <a:miter lim="800000"/>
+            <a:headEnd/>
+            <a:tailEnd/>
+          </a:ln>
+          <a:effectLst/>
+        </p:spPr>
+        <p:txBody>
+          <a:bodyPr vert="horz" wrap="none" lIns="91440" tIns="45720" rIns="91440" bIns="45720" numCol="1" anchor="ctr" anchorCtr="0" compatLnSpc="1">
+            <a:prstTxWarp prst="textNoShape">
+              <a:avLst/>
+            </a:prstTxWarp>
+            <a:spAutoFit/>
+          </a:bodyPr>
+          <a:lstStyle/>
+          <a:p>
+            <a:endParaRPr lang="en-US"/>
+          </a:p>
+        </p:txBody>
+      </p:sp>
+      <p:sp>
+        <p:nvSpPr>
+          <p:cNvPr id="21507" name="Rectangle 3"/>
+          <p:cNvSpPr>
+            <a:spLocks noChangeArrowheads="1"/>
+          </p:cNvSpPr>
+          <p:nvPr/>
+        </p:nvSpPr>
+        <p:spPr bwMode="auto">
+          <a:xfrm>
+            <a:off x="0" y="819150"/>
+            <a:ext cx="9144000" cy="0"/>
+          </a:xfrm>
+          <a:prstGeom prst="rect">
+            <a:avLst/>
+          </a:prstGeom>
+          <a:noFill/>
+          <a:ln w="9525">
+            <a:noFill/>
+            <a:miter lim="800000"/>
+            <a:headEnd/>
+            <a:tailEnd/>
+          </a:ln>
+          <a:effectLst/>
+        </p:spPr>
+        <p:txBody>
+          <a:bodyPr vert="horz" wrap="none" lIns="91440" tIns="45720" rIns="91440" bIns="45720" numCol="1" anchor="ctr" anchorCtr="0" compatLnSpc="1">
+            <a:prstTxWarp prst="textNoShape">
+              <a:avLst/>
+            </a:prstTxWarp>
+            <a:spAutoFit/>
+          </a:bodyPr>
+          <a:lstStyle/>
+          <a:p>
+            <a:pPr marL="0" marR="0" lvl="0" indent="0" algn="l" defTabSz="914400" rtl="0" eaLnBrk="1" fontAlgn="base" latinLnBrk="0" hangingPunct="1">
+              <a:lnSpc>
+                <a:spcPct val="100000"/>
+              </a:lnSpc>
+              <a:spcBef>
+                <a:spcPct val="0"/>
+              </a:spcBef>
+              <a:spcAft>
+                <a:spcPct val="0"/>
+              </a:spcAft>
+              <a:buClrTx/>
+              <a:buSzTx/>
+              <a:buFontTx/>
+              <a:buNone/>
+              <a:tabLst/>
+            </a:pPr>
+            <a:endParaRPr kumimoji="0" lang="en-US" sz="1800" b="0" i="0" u="none" strike="noStrike" cap="none" normalizeH="0" baseline="0" smtClean="0">
+              <a:ln>
+                <a:noFill/>
+              </a:ln>
+              <a:solidFill>
+                <a:schemeClr val="tx1"/>
+              </a:solidFill>
+              <a:effectLst/>
+              <a:latin typeface="Arial" pitchFamily="34" charset="0"/>
+            </a:endParaRPr>
+          </a:p>
+        </p:txBody>
+      </p:sp>
+      <p:pic>
+        <p:nvPicPr>
+          <p:cNvPr id="21509" name="Picture 5"/>
+          <p:cNvPicPr>
+            <a:picLocks noChangeAspect="1" noChangeArrowheads="1"/>
+          </p:cNvPicPr>
+          <p:nvPr/>
+        </p:nvPicPr>
+        <p:blipFill>
+          <a:blip r:embed="rId2" cstate="print"/>
+          <a:srcRect l="50000" t="46000" r="31875" b="41000"/>
+          <a:stretch>
+            <a:fillRect/>
+          </a:stretch>
+        </p:blipFill>
+        <p:spPr bwMode="auto">
+          <a:xfrm>
+            <a:off x="3048000" y="2514600"/>
+            <a:ext cx="2209800" cy="990600"/>
+          </a:xfrm>
+          <a:prstGeom prst="rect">
+            <a:avLst/>
+          </a:prstGeom>
+          <a:noFill/>
+          <a:ln w="9525">
+            <a:noFill/>
+            <a:miter lim="800000"/>
+            <a:headEnd/>
+            <a:tailEnd/>
+          </a:ln>
+        </p:spPr>
+      </p:pic>
     </p:spTree>
   </p:cSld>
   <p:clrMapOvr>

--- a/Powerpoint for Orals.pptx
+++ b/Powerpoint for Orals.pptx
@@ -14,20 +14,19 @@
     <p:sldId id="262" r:id="rId8"/>
     <p:sldId id="263" r:id="rId9"/>
     <p:sldId id="264" r:id="rId10"/>
-    <p:sldId id="265" r:id="rId11"/>
-    <p:sldId id="266" r:id="rId12"/>
-    <p:sldId id="279" r:id="rId13"/>
-    <p:sldId id="280" r:id="rId14"/>
-    <p:sldId id="268" r:id="rId15"/>
-    <p:sldId id="270" r:id="rId16"/>
-    <p:sldId id="271" r:id="rId17"/>
-    <p:sldId id="272" r:id="rId18"/>
-    <p:sldId id="273" r:id="rId19"/>
-    <p:sldId id="274" r:id="rId20"/>
-    <p:sldId id="275" r:id="rId21"/>
-    <p:sldId id="276" r:id="rId22"/>
-    <p:sldId id="277" r:id="rId23"/>
-    <p:sldId id="278" r:id="rId24"/>
+    <p:sldId id="266" r:id="rId11"/>
+    <p:sldId id="270" r:id="rId12"/>
+    <p:sldId id="273" r:id="rId13"/>
+    <p:sldId id="274" r:id="rId14"/>
+    <p:sldId id="275" r:id="rId15"/>
+    <p:sldId id="283" r:id="rId16"/>
+    <p:sldId id="284" r:id="rId17"/>
+    <p:sldId id="285" r:id="rId18"/>
+    <p:sldId id="282" r:id="rId19"/>
+    <p:sldId id="281" r:id="rId20"/>
+    <p:sldId id="276" r:id="rId21"/>
+    <p:sldId id="277" r:id="rId22"/>
+    <p:sldId id="278" r:id="rId23"/>
   </p:sldIdLst>
   <p:sldSz cx="9144000" cy="6858000" type="screen4x3"/>
   <p:notesSz cx="6858000" cy="9144000"/>
@@ -131,13 +130,24 @@
 
 <file path=ppt/charts/chart1.xml><?xml version="1.0" encoding="utf-8"?>
 <c:chartSpace xmlns:c="http://schemas.openxmlformats.org/drawingml/2006/chart" xmlns:a="http://schemas.openxmlformats.org/drawingml/2006/main" xmlns:r="http://schemas.openxmlformats.org/officeDocument/2006/relationships">
-  <c:date1904 val="1"/>
-  <c:lang val="en-US"/>
+  <c:date1904 val="0"/>
+  <c:lang val="en-NZ"/>
+  <c:roundedCorners val="0"/>
+  <mc:AlternateContent xmlns:mc="http://schemas.openxmlformats.org/markup-compatibility/2006">
+    <mc:Choice xmlns:c14="http://schemas.microsoft.com/office/drawing/2007/8/2/chart" Requires="c14">
+      <c14:style val="102"/>
+    </mc:Choice>
+    <mc:Fallback>
+      <c:style val="2"/>
+    </mc:Fallback>
+  </mc:AlternateContent>
   <c:chart>
+    <c:autoTitleDeleted val="0"/>
     <c:plotArea>
       <c:layout/>
       <c:scatterChart>
         <c:scatterStyle val="smoothMarker"/>
+        <c:varyColors val="0"/>
         <c:ser>
           <c:idx val="0"/>
           <c:order val="0"/>
@@ -618,14 +628,23 @@
           </c:yVal>
           <c:smooth val="1"/>
         </c:ser>
-        <c:axId val="91175168"/>
-        <c:axId val="91185536"/>
+        <c:dLbls>
+          <c:showLegendKey val="0"/>
+          <c:showVal val="0"/>
+          <c:showCatName val="0"/>
+          <c:showSerName val="0"/>
+          <c:showPercent val="0"/>
+          <c:showBubbleSize val="0"/>
+        </c:dLbls>
+        <c:axId val="40130432"/>
+        <c:axId val="40140800"/>
       </c:scatterChart>
       <c:valAx>
-        <c:axId val="91175168"/>
+        <c:axId val="40130432"/>
         <c:scaling>
           <c:orientation val="minMax"/>
         </c:scaling>
+        <c:delete val="0"/>
         <c:axPos val="b"/>
         <c:title>
           <c:tx>
@@ -644,8 +663,11 @@
             </c:rich>
           </c:tx>
           <c:layout/>
+          <c:overlay val="0"/>
         </c:title>
         <c:numFmt formatCode="0.000" sourceLinked="1"/>
+        <c:majorTickMark val="out"/>
+        <c:minorTickMark val="none"/>
         <c:tickLblPos val="nextTo"/>
         <c:txPr>
           <a:bodyPr/>
@@ -657,16 +679,17 @@
             <a:endParaRPr lang="en-US"/>
           </a:p>
         </c:txPr>
-        <c:crossAx val="91185536"/>
+        <c:crossAx val="40140800"/>
         <c:crosses val="autoZero"/>
         <c:crossBetween val="midCat"/>
       </c:valAx>
       <c:valAx>
-        <c:axId val="91185536"/>
+        <c:axId val="40140800"/>
         <c:scaling>
           <c:orientation val="minMax"/>
           <c:max val="40"/>
         </c:scaling>
+        <c:delete val="0"/>
         <c:axPos val="l"/>
         <c:majorGridlines/>
         <c:title>
@@ -694,8 +717,11 @@
             </c:rich>
           </c:tx>
           <c:layout/>
+          <c:overlay val="0"/>
         </c:title>
         <c:numFmt formatCode="0.000" sourceLinked="1"/>
+        <c:majorTickMark val="out"/>
+        <c:minorTickMark val="none"/>
         <c:tickLblPos val="nextTo"/>
         <c:txPr>
           <a:bodyPr/>
@@ -707,7 +733,7 @@
             <a:endParaRPr lang="en-US"/>
           </a:p>
         </c:txPr>
-        <c:crossAx val="91175168"/>
+        <c:crossAx val="40130432"/>
         <c:crosses val="autoZero"/>
         <c:crossBetween val="midCat"/>
         <c:majorUnit val="10"/>
@@ -716,6 +742,7 @@
     <c:legend>
       <c:legendPos val="r"/>
       <c:layout/>
+      <c:overlay val="0"/>
       <c:txPr>
         <a:bodyPr/>
         <a:lstStyle/>
@@ -729,13 +756,16 @@
     </c:legend>
     <c:plotVisOnly val="1"/>
     <c:dispBlanksAs val="gap"/>
+    <c:showDLblsOverMax val="0"/>
   </c:chart>
   <c:spPr>
     <a:solidFill>
       <a:schemeClr val="bg1"/>
     </a:solidFill>
   </c:spPr>
-  <c:externalData r:id="rId1"/>
+  <c:externalData r:id="rId1">
+    <c:autoUpdate val="0"/>
+  </c:externalData>
 </c:chartSpace>
 </file>
 
@@ -921,7 +951,7 @@
             <a:fld id="{73CB4113-4B61-4036-A26A-B78772B4AC3A}" type="datetimeFigureOut">
               <a:rPr lang="en-US" smtClean="0"/>
               <a:pPr/>
-              <a:t>9/3/2011</a:t>
+              <a:t>9/5/2011</a:t>
             </a:fld>
             <a:endParaRPr lang="en-US"/>
           </a:p>
@@ -1088,7 +1118,7 @@
             <a:fld id="{73CB4113-4B61-4036-A26A-B78772B4AC3A}" type="datetimeFigureOut">
               <a:rPr lang="en-US" smtClean="0"/>
               <a:pPr/>
-              <a:t>9/3/2011</a:t>
+              <a:t>9/5/2011</a:t>
             </a:fld>
             <a:endParaRPr lang="en-US"/>
           </a:p>
@@ -1265,7 +1295,7 @@
             <a:fld id="{73CB4113-4B61-4036-A26A-B78772B4AC3A}" type="datetimeFigureOut">
               <a:rPr lang="en-US" smtClean="0"/>
               <a:pPr/>
-              <a:t>9/3/2011</a:t>
+              <a:t>9/5/2011</a:t>
             </a:fld>
             <a:endParaRPr lang="en-US"/>
           </a:p>
@@ -1432,7 +1462,7 @@
             <a:fld id="{73CB4113-4B61-4036-A26A-B78772B4AC3A}" type="datetimeFigureOut">
               <a:rPr lang="en-US" smtClean="0"/>
               <a:pPr/>
-              <a:t>9/3/2011</a:t>
+              <a:t>9/5/2011</a:t>
             </a:fld>
             <a:endParaRPr lang="en-US"/>
           </a:p>
@@ -1675,7 +1705,7 @@
             <a:fld id="{73CB4113-4B61-4036-A26A-B78772B4AC3A}" type="datetimeFigureOut">
               <a:rPr lang="en-US" smtClean="0"/>
               <a:pPr/>
-              <a:t>9/3/2011</a:t>
+              <a:t>9/5/2011</a:t>
             </a:fld>
             <a:endParaRPr lang="en-US"/>
           </a:p>
@@ -1960,7 +1990,7 @@
             <a:fld id="{73CB4113-4B61-4036-A26A-B78772B4AC3A}" type="datetimeFigureOut">
               <a:rPr lang="en-US" smtClean="0"/>
               <a:pPr/>
-              <a:t>9/3/2011</a:t>
+              <a:t>9/5/2011</a:t>
             </a:fld>
             <a:endParaRPr lang="en-US"/>
           </a:p>
@@ -2379,7 +2409,7 @@
             <a:fld id="{73CB4113-4B61-4036-A26A-B78772B4AC3A}" type="datetimeFigureOut">
               <a:rPr lang="en-US" smtClean="0"/>
               <a:pPr/>
-              <a:t>9/3/2011</a:t>
+              <a:t>9/5/2011</a:t>
             </a:fld>
             <a:endParaRPr lang="en-US"/>
           </a:p>
@@ -2494,7 +2524,7 @@
             <a:fld id="{73CB4113-4B61-4036-A26A-B78772B4AC3A}" type="datetimeFigureOut">
               <a:rPr lang="en-US" smtClean="0"/>
               <a:pPr/>
-              <a:t>9/3/2011</a:t>
+              <a:t>9/5/2011</a:t>
             </a:fld>
             <a:endParaRPr lang="en-US"/>
           </a:p>
@@ -2586,7 +2616,7 @@
             <a:fld id="{73CB4113-4B61-4036-A26A-B78772B4AC3A}" type="datetimeFigureOut">
               <a:rPr lang="en-US" smtClean="0"/>
               <a:pPr/>
-              <a:t>9/3/2011</a:t>
+              <a:t>9/5/2011</a:t>
             </a:fld>
             <a:endParaRPr lang="en-US"/>
           </a:p>
@@ -2860,7 +2890,7 @@
             <a:fld id="{73CB4113-4B61-4036-A26A-B78772B4AC3A}" type="datetimeFigureOut">
               <a:rPr lang="en-US" smtClean="0"/>
               <a:pPr/>
-              <a:t>9/3/2011</a:t>
+              <a:t>9/5/2011</a:t>
             </a:fld>
             <a:endParaRPr lang="en-US"/>
           </a:p>
@@ -3110,7 +3140,7 @@
             <a:fld id="{73CB4113-4B61-4036-A26A-B78772B4AC3A}" type="datetimeFigureOut">
               <a:rPr lang="en-US" smtClean="0"/>
               <a:pPr/>
-              <a:t>9/3/2011</a:t>
+              <a:t>9/5/2011</a:t>
             </a:fld>
             <a:endParaRPr lang="en-US"/>
           </a:p>
@@ -3329,7 +3359,7 @@
             <a:fld id="{73CB4113-4B61-4036-A26A-B78772B4AC3A}" type="datetimeFigureOut">
               <a:rPr lang="en-US" smtClean="0"/>
               <a:pPr/>
-              <a:t>9/3/2011</a:t>
+              <a:t>9/5/2011</a:t>
             </a:fld>
             <a:endParaRPr lang="en-US"/>
           </a:p>
@@ -3847,7 +3877,7 @@
                   <a:schemeClr val="bg1"/>
                 </a:solidFill>
               </a:rPr>
-              <a:t>Gearbox</a:t>
+              <a:t>Generator &amp; Motor</a:t>
             </a:r>
             <a:endParaRPr lang="en-US" dirty="0">
               <a:solidFill>
@@ -3878,58 +3908,77 @@
                   <a:schemeClr val="bg1"/>
                 </a:solidFill>
               </a:rPr>
-              <a:t>A gearbox will be required to bring the turbine up to speed in order to generate efficiently</a:t>
-            </a:r>
-          </a:p>
-          <a:p>
-            <a:r>
-              <a:rPr lang="en-US" dirty="0" smtClean="0">
-                <a:solidFill>
-                  <a:schemeClr val="bg1"/>
-                </a:solidFill>
-              </a:rPr>
-              <a:t>Speed required is 2400 rpm</a:t>
-            </a:r>
-          </a:p>
-          <a:p>
-            <a:r>
-              <a:rPr lang="en-US" dirty="0" smtClean="0">
-                <a:solidFill>
-                  <a:schemeClr val="bg1"/>
-                </a:solidFill>
-              </a:rPr>
-              <a:t>Speed of turbine when water flow is 1.54 ms</a:t>
-            </a:r>
-            <a:r>
-              <a:rPr lang="en-US" baseline="30000" dirty="0" smtClean="0">
-                <a:solidFill>
-                  <a:schemeClr val="bg1"/>
-                </a:solidFill>
-              </a:rPr>
-              <a:t>-1</a:t>
-            </a:r>
-            <a:r>
-              <a:rPr lang="en-US" dirty="0" smtClean="0">
-                <a:solidFill>
-                  <a:schemeClr val="bg1"/>
-                </a:solidFill>
-              </a:rPr>
-              <a:t> is estimated to be 124 rpm</a:t>
-            </a:r>
-          </a:p>
-          <a:p>
-            <a:pPr lvl="1">
-              <a:buFont typeface="Wingdings" pitchFamily="2" charset="2"/>
-              <a:buChar char="Ø"/>
-            </a:pPr>
-            <a:r>
-              <a:rPr lang="en-US" dirty="0" smtClean="0">
-                <a:solidFill>
-                  <a:schemeClr val="bg1"/>
-                </a:solidFill>
-              </a:rPr>
-              <a:t>Therefore gearbox ratio is 19:1</a:t>
-            </a:r>
+              <a:t>Generator chosen is Scorpion </a:t>
+            </a:r>
+            <a:r>
+              <a:rPr lang="en-US" dirty="0" smtClean="0">
+                <a:solidFill>
+                  <a:schemeClr val="bg1"/>
+                </a:solidFill>
+              </a:rPr>
+              <a:t>S-4025-16</a:t>
+            </a:r>
+          </a:p>
+          <a:p>
+            <a:r>
+              <a:rPr lang="en-US" dirty="0" smtClean="0">
+                <a:solidFill>
+                  <a:schemeClr val="bg1"/>
+                </a:solidFill>
+              </a:rPr>
+              <a:t>Motor chosen as RE-540 Como Drills motor</a:t>
+            </a:r>
+          </a:p>
+          <a:p>
+            <a:r>
+              <a:rPr lang="en-US" dirty="0" smtClean="0">
+                <a:solidFill>
+                  <a:schemeClr val="bg1"/>
+                </a:solidFill>
+              </a:rPr>
+              <a:t>Motor running characteristics are 5V, 1A, 0.72</a:t>
+            </a:r>
+            <a:r>
+              <a:rPr lang="el-GR" dirty="0" smtClean="0">
+                <a:solidFill>
+                  <a:schemeClr val="bg1"/>
+                </a:solidFill>
+              </a:rPr>
+              <a:t>Ω</a:t>
+            </a:r>
+            <a:r>
+              <a:rPr lang="en-NZ" dirty="0" smtClean="0">
+                <a:solidFill>
+                  <a:schemeClr val="bg1"/>
+                </a:solidFill>
+              </a:rPr>
+              <a:t> internal resistance</a:t>
+            </a:r>
+            <a:endParaRPr lang="en-US" dirty="0" smtClean="0">
+              <a:solidFill>
+                <a:schemeClr val="bg1"/>
+              </a:solidFill>
+            </a:endParaRPr>
+          </a:p>
+          <a:p>
+            <a:r>
+              <a:rPr lang="en-US" dirty="0" smtClean="0">
+                <a:solidFill>
+                  <a:schemeClr val="bg1"/>
+                </a:solidFill>
+              </a:rPr>
+              <a:t>Chosen </a:t>
+            </a:r>
+            <a:r>
+              <a:rPr lang="en-US" dirty="0" smtClean="0">
+                <a:solidFill>
+                  <a:schemeClr val="bg1"/>
+                </a:solidFill>
+              </a:rPr>
+              <a:t>not for efficiency, instead for cost as already in department</a:t>
+            </a:r>
+          </a:p>
+          <a:p>
             <a:endParaRPr lang="en-US" dirty="0">
               <a:solidFill>
                 <a:schemeClr val="bg1"/>
@@ -3984,7 +4033,7 @@
                   <a:schemeClr val="bg1"/>
                 </a:solidFill>
               </a:rPr>
-              <a:t>Generator</a:t>
+              <a:t>Undersea Challenges</a:t>
             </a:r>
             <a:endParaRPr lang="en-US" dirty="0">
               <a:solidFill>
@@ -4006,27 +4055,97 @@
         </p:nvSpPr>
         <p:spPr/>
         <p:txBody>
-          <a:bodyPr/>
-          <a:lstStyle/>
-          <a:p>
-            <a:r>
-              <a:rPr lang="en-US" dirty="0" smtClean="0">
-                <a:solidFill>
-                  <a:schemeClr val="bg1"/>
-                </a:solidFill>
-              </a:rPr>
-              <a:t>Generator chosen is Scorpion S-4025-16</a:t>
-            </a:r>
-          </a:p>
-          <a:p>
-            <a:r>
-              <a:rPr lang="en-US" dirty="0" smtClean="0">
-                <a:solidFill>
-                  <a:schemeClr val="bg1"/>
-                </a:solidFill>
-              </a:rPr>
-              <a:t>Chosen as not for efficiency, instead for cost as already in department</a:t>
-            </a:r>
+          <a:bodyPr>
+            <a:normAutofit fontScale="92500" lnSpcReduction="10000"/>
+          </a:bodyPr>
+          <a:lstStyle/>
+          <a:p>
+            <a:r>
+              <a:rPr lang="en-US" dirty="0" smtClean="0">
+                <a:solidFill>
+                  <a:schemeClr val="bg1"/>
+                </a:solidFill>
+              </a:rPr>
+              <a:t>To stop water from getting in, it must be water tight but to stop the pressure from crushing it, the robot must be filled with a non-compressible, non-conducting liquid, </a:t>
+            </a:r>
+            <a:r>
+              <a:rPr lang="en-US" dirty="0" smtClean="0">
+                <a:solidFill>
+                  <a:schemeClr val="bg1"/>
+                </a:solidFill>
+              </a:rPr>
+              <a:t>a good choice is therefore oil.</a:t>
+            </a:r>
+            <a:endParaRPr lang="en-US" dirty="0" smtClean="0">
+              <a:solidFill>
+                <a:schemeClr val="bg1"/>
+              </a:solidFill>
+            </a:endParaRPr>
+          </a:p>
+          <a:p>
+            <a:r>
+              <a:rPr lang="en-US" dirty="0" smtClean="0">
+                <a:solidFill>
+                  <a:schemeClr val="bg1"/>
+                </a:solidFill>
+              </a:rPr>
+              <a:t>To avoid rust the exterior of the robot will be made from </a:t>
+            </a:r>
+            <a:r>
+              <a:rPr lang="en-US" dirty="0" smtClean="0">
+                <a:solidFill>
+                  <a:schemeClr val="bg1"/>
+                </a:solidFill>
+              </a:rPr>
+              <a:t>plastic</a:t>
+            </a:r>
+          </a:p>
+          <a:p>
+            <a:r>
+              <a:rPr lang="en-US" dirty="0" smtClean="0">
+                <a:solidFill>
+                  <a:schemeClr val="bg1"/>
+                </a:solidFill>
+              </a:rPr>
+              <a:t>Tank tracks will be used to </a:t>
+            </a:r>
+            <a:r>
+              <a:rPr lang="en-US" dirty="0">
+                <a:solidFill>
+                  <a:schemeClr val="bg1"/>
+                </a:solidFill>
+              </a:rPr>
+              <a:t>give maximum traction and </a:t>
+            </a:r>
+            <a:r>
+              <a:rPr lang="en-US" dirty="0" smtClean="0">
+                <a:solidFill>
+                  <a:schemeClr val="bg1"/>
+                </a:solidFill>
+              </a:rPr>
+              <a:t>to spread </a:t>
+            </a:r>
+            <a:r>
+              <a:rPr lang="en-US" dirty="0">
+                <a:solidFill>
+                  <a:schemeClr val="bg1"/>
+                </a:solidFill>
+              </a:rPr>
+              <a:t>weight to stop sinking </a:t>
+            </a:r>
+            <a:r>
+              <a:rPr lang="en-US" dirty="0" smtClean="0">
+                <a:solidFill>
+                  <a:schemeClr val="bg1"/>
+                </a:solidFill>
+              </a:rPr>
+              <a:t>occurring in the soft sediment</a:t>
+            </a:r>
+            <a:endParaRPr lang="en-US" dirty="0">
+              <a:solidFill>
+                <a:schemeClr val="bg1"/>
+              </a:solidFill>
+            </a:endParaRPr>
           </a:p>
           <a:p>
             <a:endParaRPr lang="en-US" dirty="0">
@@ -4083,7 +4202,7 @@
                   <a:schemeClr val="bg1"/>
                 </a:solidFill>
               </a:rPr>
-              <a:t>Power Converter</a:t>
+              <a:t>Testing – Generator</a:t>
             </a:r>
             <a:endParaRPr lang="en-US" dirty="0">
               <a:solidFill>
@@ -4093,63 +4212,22 @@
           </a:p>
         </p:txBody>
       </p:sp>
-      <p:sp>
-        <p:nvSpPr>
-          <p:cNvPr id="3" name="Content Placeholder 2"/>
-          <p:cNvSpPr>
-            <a:spLocks noGrp="1"/>
-          </p:cNvSpPr>
-          <p:nvPr>
-            <p:ph idx="1"/>
-          </p:nvPr>
-        </p:nvSpPr>
-        <p:spPr/>
-        <p:txBody>
-          <a:bodyPr/>
-          <a:lstStyle/>
-          <a:p>
-            <a:r>
-              <a:rPr lang="en-US" dirty="0" smtClean="0">
-                <a:solidFill>
-                  <a:schemeClr val="bg1"/>
-                </a:solidFill>
-              </a:rPr>
-              <a:t>Must convert from 4.7 </a:t>
-            </a:r>
-            <a:r>
-              <a:rPr lang="en-US" dirty="0" err="1" smtClean="0">
-                <a:solidFill>
-                  <a:schemeClr val="bg1"/>
-                </a:solidFill>
-              </a:rPr>
-              <a:t>Vrms</a:t>
-            </a:r>
-            <a:r>
-              <a:rPr lang="en-US" dirty="0" smtClean="0">
-                <a:solidFill>
-                  <a:schemeClr val="bg1"/>
-                </a:solidFill>
-              </a:rPr>
-              <a:t>, 5.4 Arms to 5V, 2A DC</a:t>
-            </a:r>
-          </a:p>
-          <a:p>
-            <a:r>
-              <a:rPr lang="en-US" dirty="0" smtClean="0">
-                <a:solidFill>
-                  <a:schemeClr val="bg1"/>
-                </a:solidFill>
-              </a:rPr>
-              <a:t>Use a three phase rectifier bridge, small amount of DC bus capacitance and a buck-boost converter</a:t>
-            </a:r>
-            <a:endParaRPr lang="en-US" dirty="0">
-              <a:solidFill>
-                <a:schemeClr val="bg1"/>
-              </a:solidFill>
-            </a:endParaRPr>
-          </a:p>
-        </p:txBody>
-      </p:sp>
+      <p:graphicFrame>
+        <p:nvGraphicFramePr>
+          <p:cNvPr id="5" name="Chart 4"/>
+          <p:cNvGraphicFramePr/>
+          <p:nvPr/>
+        </p:nvGraphicFramePr>
+        <p:xfrm>
+          <a:off x="838200" y="1524000"/>
+          <a:ext cx="7315200" cy="4572000"/>
+        </p:xfrm>
+        <a:graphic>
+          <a:graphicData uri="http://schemas.openxmlformats.org/drawingml/2006/chart">
+            <c:chart xmlns:c="http://schemas.openxmlformats.org/drawingml/2006/chart" xmlns:r="http://schemas.openxmlformats.org/officeDocument/2006/relationships" r:id="rId2"/>
+          </a:graphicData>
+        </a:graphic>
+      </p:graphicFrame>
     </p:spTree>
   </p:cSld>
   <p:clrMapOvr>
@@ -4187,16 +4265,18 @@
         </p:nvSpPr>
         <p:spPr/>
         <p:txBody>
-          <a:bodyPr/>
-          <a:lstStyle/>
-          <a:p>
-            <a:r>
-              <a:rPr lang="en-US" dirty="0" smtClean="0">
-                <a:solidFill>
-                  <a:schemeClr val="bg1"/>
-                </a:solidFill>
-              </a:rPr>
-              <a:t>Output Motors</a:t>
+          <a:bodyPr>
+            <a:normAutofit/>
+          </a:bodyPr>
+          <a:lstStyle/>
+          <a:p>
+            <a:r>
+              <a:rPr lang="en-US" dirty="0" smtClean="0">
+                <a:solidFill>
+                  <a:schemeClr val="bg1"/>
+                </a:solidFill>
+              </a:rPr>
+              <a:t>Single Phase Equivalent</a:t>
             </a:r>
             <a:endParaRPr lang="en-US" dirty="0">
               <a:solidFill>
@@ -4206,59 +4286,804 @@
           </a:p>
         </p:txBody>
       </p:sp>
-      <p:sp>
-        <p:nvSpPr>
-          <p:cNvPr id="3" name="Content Placeholder 2"/>
-          <p:cNvSpPr>
-            <a:spLocks noGrp="1"/>
-          </p:cNvSpPr>
-          <p:nvPr>
-            <p:ph idx="1"/>
-          </p:nvPr>
-        </p:nvSpPr>
-        <p:spPr/>
-        <p:txBody>
-          <a:bodyPr/>
-          <a:lstStyle/>
-          <a:p>
-            <a:r>
-              <a:rPr lang="en-US" dirty="0" smtClean="0">
-                <a:solidFill>
-                  <a:schemeClr val="bg1"/>
-                </a:solidFill>
-              </a:rPr>
-              <a:t>Chosen as available on hand RE-540 Como drill motor</a:t>
-            </a:r>
-          </a:p>
-          <a:p>
-            <a:r>
-              <a:rPr lang="en-US" dirty="0" smtClean="0">
-                <a:solidFill>
-                  <a:schemeClr val="bg1"/>
-                </a:solidFill>
-              </a:rPr>
-              <a:t>Running characteristic of 5V, 1A</a:t>
-            </a:r>
-          </a:p>
-          <a:p>
-            <a:r>
-              <a:rPr lang="en-US" dirty="0" smtClean="0">
-                <a:solidFill>
-                  <a:schemeClr val="bg1"/>
-                </a:solidFill>
-              </a:rPr>
-              <a:t>Parallel two to give 4WD and to decrease resistance seen by generator thereby increasing power</a:t>
-            </a:r>
-          </a:p>
-          <a:p>
-            <a:endParaRPr lang="en-US" dirty="0" smtClean="0">
-              <a:solidFill>
-                <a:schemeClr val="bg1"/>
-              </a:solidFill>
-            </a:endParaRPr>
-          </a:p>
-        </p:txBody>
-      </p:sp>
+      <p:grpSp>
+        <p:nvGrpSpPr>
+          <p:cNvPr id="23" name="Group 22"/>
+          <p:cNvGrpSpPr/>
+          <p:nvPr/>
+        </p:nvGrpSpPr>
+        <p:grpSpPr>
+          <a:xfrm>
+            <a:off x="1905000" y="2133600"/>
+            <a:ext cx="5364480" cy="3048000"/>
+            <a:chOff x="2714625" y="2943225"/>
+            <a:chExt cx="3352800" cy="1905000"/>
+          </a:xfrm>
+        </p:grpSpPr>
+        <p:sp>
+          <p:nvSpPr>
+            <p:cNvPr id="22" name="Rectangle 21"/>
+            <p:cNvSpPr/>
+            <p:nvPr/>
+          </p:nvSpPr>
+          <p:spPr>
+            <a:xfrm>
+              <a:off x="2714625" y="2943225"/>
+              <a:ext cx="3352800" cy="1905000"/>
+            </a:xfrm>
+            <a:prstGeom prst="rect">
+              <a:avLst/>
+            </a:prstGeom>
+            <a:solidFill>
+              <a:schemeClr val="bg1"/>
+            </a:solidFill>
+          </p:spPr>
+          <p:style>
+            <a:lnRef idx="2">
+              <a:schemeClr val="accent1">
+                <a:shade val="50000"/>
+              </a:schemeClr>
+            </a:lnRef>
+            <a:fillRef idx="1">
+              <a:schemeClr val="accent1"/>
+            </a:fillRef>
+            <a:effectRef idx="0">
+              <a:schemeClr val="accent1"/>
+            </a:effectRef>
+            <a:fontRef idx="minor">
+              <a:schemeClr val="lt1"/>
+            </a:fontRef>
+          </p:style>
+          <p:txBody>
+            <a:bodyPr rtlCol="0" anchor="ctr"/>
+            <a:lstStyle/>
+            <a:p>
+              <a:pPr algn="ctr"/>
+              <a:endParaRPr lang="en-US" dirty="0">
+                <a:solidFill>
+                  <a:schemeClr val="bg1"/>
+                </a:solidFill>
+              </a:endParaRPr>
+            </a:p>
+          </p:txBody>
+        </p:sp>
+        <p:grpSp>
+          <p:nvGrpSpPr>
+            <p:cNvPr id="22530" name="Group 2"/>
+            <p:cNvGrpSpPr>
+              <a:grpSpLocks/>
+            </p:cNvGrpSpPr>
+            <p:nvPr/>
+          </p:nvGrpSpPr>
+          <p:grpSpPr bwMode="auto">
+            <a:xfrm>
+              <a:off x="2971800" y="3200400"/>
+              <a:ext cx="2771775" cy="1279525"/>
+              <a:chOff x="2617" y="4990"/>
+              <a:chExt cx="4366" cy="2013"/>
+            </a:xfrm>
+            <a:noFill/>
+          </p:grpSpPr>
+          <p:grpSp>
+            <p:nvGrpSpPr>
+              <p:cNvPr id="22531" name="Group 3"/>
+              <p:cNvGrpSpPr>
+                <a:grpSpLocks/>
+              </p:cNvGrpSpPr>
+              <p:nvPr/>
+            </p:nvGrpSpPr>
+            <p:grpSpPr bwMode="auto">
+              <a:xfrm>
+                <a:off x="3410" y="5492"/>
+                <a:ext cx="652" cy="279"/>
+                <a:chOff x="9306" y="8547"/>
+                <a:chExt cx="724" cy="336"/>
+              </a:xfrm>
+              <a:grpFill/>
+            </p:grpSpPr>
+            <p:cxnSp>
+              <p:nvCxnSpPr>
+                <p:cNvPr id="22532" name="AutoShape 4"/>
+                <p:cNvCxnSpPr>
+                  <a:cxnSpLocks noChangeShapeType="1"/>
+                </p:cNvCxnSpPr>
+                <p:nvPr/>
+              </p:nvCxnSpPr>
+              <p:spPr bwMode="auto">
+                <a:xfrm flipV="1">
+                  <a:off x="9306" y="8547"/>
+                  <a:ext cx="82" cy="185"/>
+                </a:xfrm>
+                <a:prstGeom prst="straightConnector1">
+                  <a:avLst/>
+                </a:prstGeom>
+                <a:grpFill/>
+                <a:ln w="9525">
+                  <a:solidFill>
+                    <a:srgbClr val="000000"/>
+                  </a:solidFill>
+                  <a:round/>
+                  <a:headEnd/>
+                  <a:tailEnd/>
+                </a:ln>
+              </p:spPr>
+            </p:cxnSp>
+            <p:cxnSp>
+              <p:nvCxnSpPr>
+                <p:cNvPr id="22533" name="AutoShape 5"/>
+                <p:cNvCxnSpPr>
+                  <a:cxnSpLocks noChangeShapeType="1"/>
+                </p:cNvCxnSpPr>
+                <p:nvPr/>
+              </p:nvCxnSpPr>
+              <p:spPr bwMode="auto">
+                <a:xfrm flipH="1" flipV="1">
+                  <a:off x="9388" y="8547"/>
+                  <a:ext cx="128" cy="336"/>
+                </a:xfrm>
+                <a:prstGeom prst="straightConnector1">
+                  <a:avLst/>
+                </a:prstGeom>
+                <a:grpFill/>
+                <a:ln w="9525">
+                  <a:solidFill>
+                    <a:srgbClr val="000000"/>
+                  </a:solidFill>
+                  <a:round/>
+                  <a:headEnd/>
+                  <a:tailEnd/>
+                </a:ln>
+              </p:spPr>
+            </p:cxnSp>
+            <p:cxnSp>
+              <p:nvCxnSpPr>
+                <p:cNvPr id="22534" name="AutoShape 6"/>
+                <p:cNvCxnSpPr>
+                  <a:cxnSpLocks noChangeShapeType="1"/>
+                </p:cNvCxnSpPr>
+                <p:nvPr/>
+              </p:nvCxnSpPr>
+              <p:spPr bwMode="auto">
+                <a:xfrm flipV="1">
+                  <a:off x="9516" y="8547"/>
+                  <a:ext cx="150" cy="336"/>
+                </a:xfrm>
+                <a:prstGeom prst="straightConnector1">
+                  <a:avLst/>
+                </a:prstGeom>
+                <a:grpFill/>
+                <a:ln w="9525">
+                  <a:solidFill>
+                    <a:srgbClr val="000000"/>
+                  </a:solidFill>
+                  <a:round/>
+                  <a:headEnd/>
+                  <a:tailEnd/>
+                </a:ln>
+              </p:spPr>
+            </p:cxnSp>
+            <p:cxnSp>
+              <p:nvCxnSpPr>
+                <p:cNvPr id="22535" name="AutoShape 7"/>
+                <p:cNvCxnSpPr>
+                  <a:cxnSpLocks noChangeShapeType="1"/>
+                </p:cNvCxnSpPr>
+                <p:nvPr/>
+              </p:nvCxnSpPr>
+              <p:spPr bwMode="auto">
+                <a:xfrm flipV="1">
+                  <a:off x="9808" y="8547"/>
+                  <a:ext cx="150" cy="336"/>
+                </a:xfrm>
+                <a:prstGeom prst="straightConnector1">
+                  <a:avLst/>
+                </a:prstGeom>
+                <a:grpFill/>
+                <a:ln w="9525">
+                  <a:solidFill>
+                    <a:srgbClr val="000000"/>
+                  </a:solidFill>
+                  <a:round/>
+                  <a:headEnd/>
+                  <a:tailEnd/>
+                </a:ln>
+              </p:spPr>
+            </p:cxnSp>
+            <p:cxnSp>
+              <p:nvCxnSpPr>
+                <p:cNvPr id="22536" name="AutoShape 8"/>
+                <p:cNvCxnSpPr>
+                  <a:cxnSpLocks noChangeShapeType="1"/>
+                </p:cNvCxnSpPr>
+                <p:nvPr/>
+              </p:nvCxnSpPr>
+              <p:spPr bwMode="auto">
+                <a:xfrm flipH="1" flipV="1">
+                  <a:off x="9666" y="8547"/>
+                  <a:ext cx="128" cy="336"/>
+                </a:xfrm>
+                <a:prstGeom prst="straightConnector1">
+                  <a:avLst/>
+                </a:prstGeom>
+                <a:grpFill/>
+                <a:ln w="9525">
+                  <a:solidFill>
+                    <a:srgbClr val="000000"/>
+                  </a:solidFill>
+                  <a:round/>
+                  <a:headEnd/>
+                  <a:tailEnd/>
+                </a:ln>
+              </p:spPr>
+            </p:cxnSp>
+            <p:cxnSp>
+              <p:nvCxnSpPr>
+                <p:cNvPr id="22537" name="AutoShape 9"/>
+                <p:cNvCxnSpPr>
+                  <a:cxnSpLocks noChangeShapeType="1"/>
+                </p:cNvCxnSpPr>
+                <p:nvPr/>
+              </p:nvCxnSpPr>
+              <p:spPr bwMode="auto">
+                <a:xfrm flipH="1" flipV="1">
+                  <a:off x="9958" y="8547"/>
+                  <a:ext cx="72" cy="185"/>
+                </a:xfrm>
+                <a:prstGeom prst="straightConnector1">
+                  <a:avLst/>
+                </a:prstGeom>
+                <a:grpFill/>
+                <a:ln w="9525">
+                  <a:solidFill>
+                    <a:srgbClr val="000000"/>
+                  </a:solidFill>
+                  <a:round/>
+                  <a:headEnd/>
+                  <a:tailEnd/>
+                </a:ln>
+              </p:spPr>
+            </p:cxnSp>
+          </p:grpSp>
+          <p:cxnSp>
+            <p:nvCxnSpPr>
+              <p:cNvPr id="22538" name="AutoShape 10"/>
+              <p:cNvCxnSpPr>
+                <a:cxnSpLocks noChangeShapeType="1"/>
+              </p:cNvCxnSpPr>
+              <p:nvPr/>
+            </p:nvCxnSpPr>
+            <p:spPr bwMode="auto">
+              <a:xfrm>
+                <a:off x="2617" y="5646"/>
+                <a:ext cx="793" cy="0"/>
+              </a:xfrm>
+              <a:prstGeom prst="straightConnector1">
+                <a:avLst/>
+              </a:prstGeom>
+              <a:grpFill/>
+              <a:ln w="9525">
+                <a:solidFill>
+                  <a:srgbClr val="000000"/>
+                </a:solidFill>
+                <a:round/>
+                <a:headEnd/>
+                <a:tailEnd/>
+              </a:ln>
+            </p:spPr>
+          </p:cxnSp>
+          <p:cxnSp>
+            <p:nvCxnSpPr>
+              <p:cNvPr id="22539" name="AutoShape 11"/>
+              <p:cNvCxnSpPr>
+                <a:cxnSpLocks noChangeShapeType="1"/>
+              </p:cNvCxnSpPr>
+              <p:nvPr/>
+            </p:nvCxnSpPr>
+            <p:spPr bwMode="auto">
+              <a:xfrm>
+                <a:off x="4062" y="5646"/>
+                <a:ext cx="1139" cy="1"/>
+              </a:xfrm>
+              <a:prstGeom prst="straightConnector1">
+                <a:avLst/>
+              </a:prstGeom>
+              <a:grpFill/>
+              <a:ln w="9525">
+                <a:solidFill>
+                  <a:srgbClr val="000000"/>
+                </a:solidFill>
+                <a:round/>
+                <a:headEnd/>
+                <a:tailEnd/>
+              </a:ln>
+            </p:spPr>
+          </p:cxnSp>
+          <p:sp>
+            <p:nvSpPr>
+              <p:cNvPr id="22540" name="Freeform 12"/>
+              <p:cNvSpPr>
+                <a:spLocks/>
+              </p:cNvSpPr>
+              <p:nvPr/>
+            </p:nvSpPr>
+            <p:spPr bwMode="auto">
+              <a:xfrm>
+                <a:off x="5201" y="5464"/>
+                <a:ext cx="980" cy="220"/>
+              </a:xfrm>
+              <a:custGeom>
+                <a:avLst/>
+                <a:gdLst/>
+                <a:ahLst/>
+                <a:cxnLst>
+                  <a:cxn ang="0">
+                    <a:pos x="0" y="193"/>
+                  </a:cxn>
+                  <a:cxn ang="0">
+                    <a:pos x="95" y="71"/>
+                  </a:cxn>
+                  <a:cxn ang="0">
+                    <a:pos x="340" y="98"/>
+                  </a:cxn>
+                  <a:cxn ang="0">
+                    <a:pos x="340" y="220"/>
+                  </a:cxn>
+                  <a:cxn ang="0">
+                    <a:pos x="245" y="84"/>
+                  </a:cxn>
+                  <a:cxn ang="0">
+                    <a:pos x="476" y="30"/>
+                  </a:cxn>
+                  <a:cxn ang="0">
+                    <a:pos x="666" y="139"/>
+                  </a:cxn>
+                  <a:cxn ang="0">
+                    <a:pos x="652" y="193"/>
+                  </a:cxn>
+                  <a:cxn ang="0">
+                    <a:pos x="571" y="220"/>
+                  </a:cxn>
+                  <a:cxn ang="0">
+                    <a:pos x="584" y="125"/>
+                  </a:cxn>
+                  <a:cxn ang="0">
+                    <a:pos x="707" y="44"/>
+                  </a:cxn>
+                  <a:cxn ang="0">
+                    <a:pos x="978" y="152"/>
+                  </a:cxn>
+                  <a:cxn ang="0">
+                    <a:pos x="978" y="207"/>
+                  </a:cxn>
+                </a:cxnLst>
+                <a:rect l="0" t="0" r="r" b="b"/>
+                <a:pathLst>
+                  <a:path w="980" h="220">
+                    <a:moveTo>
+                      <a:pt x="0" y="193"/>
+                    </a:moveTo>
+                    <a:cubicBezTo>
+                      <a:pt x="17" y="96"/>
+                      <a:pt x="6" y="99"/>
+                      <a:pt x="95" y="71"/>
+                    </a:cubicBezTo>
+                    <a:cubicBezTo>
+                      <a:pt x="179" y="15"/>
+                      <a:pt x="264" y="48"/>
+                      <a:pt x="340" y="98"/>
+                    </a:cubicBezTo>
+                    <a:cubicBezTo>
+                      <a:pt x="372" y="195"/>
+                      <a:pt x="383" y="155"/>
+                      <a:pt x="340" y="220"/>
+                    </a:cubicBezTo>
+                    <a:cubicBezTo>
+                      <a:pt x="266" y="199"/>
+                      <a:pt x="186" y="188"/>
+                      <a:pt x="245" y="84"/>
+                    </a:cubicBezTo>
+                    <a:cubicBezTo>
+                      <a:pt x="284" y="15"/>
+                      <a:pt x="476" y="30"/>
+                      <a:pt x="476" y="30"/>
+                    </a:cubicBezTo>
+                    <a:cubicBezTo>
+                      <a:pt x="586" y="46"/>
+                      <a:pt x="607" y="50"/>
+                      <a:pt x="666" y="139"/>
+                    </a:cubicBezTo>
+                    <a:cubicBezTo>
+                      <a:pt x="661" y="157"/>
+                      <a:pt x="666" y="181"/>
+                      <a:pt x="652" y="193"/>
+                    </a:cubicBezTo>
+                    <a:cubicBezTo>
+                      <a:pt x="630" y="211"/>
+                      <a:pt x="571" y="220"/>
+                      <a:pt x="571" y="220"/>
+                    </a:cubicBezTo>
+                    <a:cubicBezTo>
+                      <a:pt x="575" y="188"/>
+                      <a:pt x="572" y="155"/>
+                      <a:pt x="584" y="125"/>
+                    </a:cubicBezTo>
+                    <a:cubicBezTo>
+                      <a:pt x="601" y="82"/>
+                      <a:pt x="667" y="57"/>
+                      <a:pt x="707" y="44"/>
+                    </a:cubicBezTo>
+                    <a:cubicBezTo>
+                      <a:pt x="863" y="53"/>
+                      <a:pt x="960" y="0"/>
+                      <a:pt x="978" y="152"/>
+                    </a:cubicBezTo>
+                    <a:cubicBezTo>
+                      <a:pt x="980" y="170"/>
+                      <a:pt x="978" y="189"/>
+                      <a:pt x="978" y="207"/>
+                    </a:cubicBezTo>
+                  </a:path>
+                </a:pathLst>
+              </a:custGeom>
+              <a:grpFill/>
+              <a:ln w="9525">
+                <a:solidFill>
+                  <a:srgbClr val="000000"/>
+                </a:solidFill>
+                <a:round/>
+                <a:headEnd/>
+                <a:tailEnd/>
+              </a:ln>
+            </p:spPr>
+            <p:txBody>
+              <a:bodyPr vert="horz" wrap="square" lIns="91440" tIns="45720" rIns="91440" bIns="45720" numCol="1" anchor="t" anchorCtr="0" compatLnSpc="1">
+                <a:prstTxWarp prst="textNoShape">
+                  <a:avLst/>
+                </a:prstTxWarp>
+              </a:bodyPr>
+              <a:lstStyle/>
+              <a:p>
+                <a:endParaRPr lang="en-US"/>
+              </a:p>
+            </p:txBody>
+          </p:sp>
+          <p:sp>
+            <p:nvSpPr>
+              <p:cNvPr id="22541" name="Oval 13"/>
+              <p:cNvSpPr>
+                <a:spLocks noChangeArrowheads="1"/>
+              </p:cNvSpPr>
+              <p:nvPr/>
+            </p:nvSpPr>
+            <p:spPr bwMode="auto">
+              <a:xfrm>
+                <a:off x="6449" y="6049"/>
+                <a:ext cx="534" cy="520"/>
+              </a:xfrm>
+              <a:prstGeom prst="ellipse">
+                <a:avLst/>
+              </a:prstGeom>
+              <a:grpFill/>
+              <a:ln w="9525">
+                <a:solidFill>
+                  <a:srgbClr val="000000"/>
+                </a:solidFill>
+                <a:round/>
+                <a:headEnd/>
+                <a:tailEnd/>
+              </a:ln>
+            </p:spPr>
+            <p:txBody>
+              <a:bodyPr vert="horz" wrap="square" lIns="91440" tIns="45720" rIns="91440" bIns="45720" numCol="1" anchor="t" anchorCtr="0" compatLnSpc="1">
+                <a:prstTxWarp prst="textNoShape">
+                  <a:avLst/>
+                </a:prstTxWarp>
+              </a:bodyPr>
+              <a:lstStyle/>
+              <a:p>
+                <a:pPr marL="0" marR="0" lvl="0" indent="0" algn="l" defTabSz="914400" rtl="0" eaLnBrk="1" fontAlgn="base" latinLnBrk="0" hangingPunct="1">
+                  <a:lnSpc>
+                    <a:spcPct val="100000"/>
+                  </a:lnSpc>
+                  <a:spcBef>
+                    <a:spcPct val="0"/>
+                  </a:spcBef>
+                  <a:spcAft>
+                    <a:spcPts val="1000"/>
+                  </a:spcAft>
+                  <a:buClrTx/>
+                  <a:buSzTx/>
+                  <a:buFontTx/>
+                  <a:buNone/>
+                  <a:tabLst/>
+                </a:pPr>
+                <a:r>
+                  <a:rPr kumimoji="0" lang="en-US" altLang="ja-JP" sz="2000" b="0" i="0" u="none" strike="noStrike" cap="none" normalizeH="0" baseline="0" dirty="0" smtClean="0">
+                    <a:ln>
+                      <a:noFill/>
+                    </a:ln>
+                    <a:solidFill>
+                      <a:schemeClr val="tx1"/>
+                    </a:solidFill>
+                    <a:effectLst/>
+                    <a:latin typeface="Calibri" pitchFamily="34" charset="0"/>
+                    <a:ea typeface="MS Mincho" pitchFamily="49" charset="-128"/>
+                  </a:rPr>
+                  <a:t>E</a:t>
+                </a:r>
+                <a:endParaRPr kumimoji="0" lang="en-US" sz="2000" b="0" i="0" u="none" strike="noStrike" cap="none" normalizeH="0" baseline="0" dirty="0" smtClean="0">
+                  <a:ln>
+                    <a:noFill/>
+                  </a:ln>
+                  <a:solidFill>
+                    <a:schemeClr val="tx1"/>
+                  </a:solidFill>
+                  <a:effectLst/>
+                  <a:latin typeface="Arial" pitchFamily="34" charset="0"/>
+                </a:endParaRPr>
+              </a:p>
+            </p:txBody>
+          </p:sp>
+          <p:cxnSp>
+            <p:nvCxnSpPr>
+              <p:cNvPr id="22542" name="AutoShape 14"/>
+              <p:cNvCxnSpPr>
+                <a:cxnSpLocks noChangeShapeType="1"/>
+              </p:cNvCxnSpPr>
+              <p:nvPr/>
+            </p:nvCxnSpPr>
+            <p:spPr bwMode="auto">
+              <a:xfrm>
+                <a:off x="6181" y="5684"/>
+                <a:ext cx="530" cy="0"/>
+              </a:xfrm>
+              <a:prstGeom prst="straightConnector1">
+                <a:avLst/>
+              </a:prstGeom>
+              <a:grpFill/>
+              <a:ln w="9525">
+                <a:solidFill>
+                  <a:srgbClr val="000000"/>
+                </a:solidFill>
+                <a:round/>
+                <a:headEnd/>
+                <a:tailEnd/>
+              </a:ln>
+            </p:spPr>
+          </p:cxnSp>
+          <p:cxnSp>
+            <p:nvCxnSpPr>
+              <p:cNvPr id="22543" name="AutoShape 15"/>
+              <p:cNvCxnSpPr>
+                <a:cxnSpLocks noChangeShapeType="1"/>
+              </p:cNvCxnSpPr>
+              <p:nvPr/>
+            </p:nvCxnSpPr>
+            <p:spPr bwMode="auto">
+              <a:xfrm>
+                <a:off x="6711" y="5684"/>
+                <a:ext cx="0" cy="365"/>
+              </a:xfrm>
+              <a:prstGeom prst="straightConnector1">
+                <a:avLst/>
+              </a:prstGeom>
+              <a:grpFill/>
+              <a:ln w="9525">
+                <a:solidFill>
+                  <a:srgbClr val="000000"/>
+                </a:solidFill>
+                <a:round/>
+                <a:headEnd/>
+                <a:tailEnd/>
+              </a:ln>
+            </p:spPr>
+          </p:cxnSp>
+          <p:cxnSp>
+            <p:nvCxnSpPr>
+              <p:cNvPr id="22544" name="AutoShape 16"/>
+              <p:cNvCxnSpPr>
+                <a:cxnSpLocks noChangeShapeType="1"/>
+              </p:cNvCxnSpPr>
+              <p:nvPr/>
+            </p:nvCxnSpPr>
+            <p:spPr bwMode="auto">
+              <a:xfrm>
+                <a:off x="6711" y="6569"/>
+                <a:ext cx="0" cy="433"/>
+              </a:xfrm>
+              <a:prstGeom prst="straightConnector1">
+                <a:avLst/>
+              </a:prstGeom>
+              <a:grpFill/>
+              <a:ln w="9525">
+                <a:solidFill>
+                  <a:srgbClr val="000000"/>
+                </a:solidFill>
+                <a:round/>
+                <a:headEnd/>
+                <a:tailEnd/>
+              </a:ln>
+            </p:spPr>
+          </p:cxnSp>
+          <p:cxnSp>
+            <p:nvCxnSpPr>
+              <p:cNvPr id="22545" name="AutoShape 17"/>
+              <p:cNvCxnSpPr>
+                <a:cxnSpLocks noChangeShapeType="1"/>
+              </p:cNvCxnSpPr>
+              <p:nvPr/>
+            </p:nvCxnSpPr>
+            <p:spPr bwMode="auto">
+              <a:xfrm>
+                <a:off x="2617" y="7003"/>
+                <a:ext cx="4094" cy="0"/>
+              </a:xfrm>
+              <a:prstGeom prst="straightConnector1">
+                <a:avLst/>
+              </a:prstGeom>
+              <a:grpFill/>
+              <a:ln w="9525">
+                <a:solidFill>
+                  <a:srgbClr val="000000"/>
+                </a:solidFill>
+                <a:round/>
+                <a:headEnd/>
+                <a:tailEnd/>
+              </a:ln>
+            </p:spPr>
+          </p:cxnSp>
+          <p:sp>
+            <p:nvSpPr>
+              <p:cNvPr id="22546" name="Rectangle 18"/>
+              <p:cNvSpPr>
+                <a:spLocks noChangeArrowheads="1"/>
+              </p:cNvSpPr>
+              <p:nvPr/>
+            </p:nvSpPr>
+            <p:spPr bwMode="auto">
+              <a:xfrm>
+                <a:off x="2948" y="4990"/>
+                <a:ext cx="1576" cy="502"/>
+              </a:xfrm>
+              <a:prstGeom prst="rect">
+                <a:avLst/>
+              </a:prstGeom>
+              <a:grpFill/>
+              <a:ln w="9525">
+                <a:noFill/>
+                <a:miter lim="800000"/>
+                <a:headEnd/>
+                <a:tailEnd/>
+              </a:ln>
+            </p:spPr>
+            <p:txBody>
+              <a:bodyPr vert="horz" wrap="square" lIns="91440" tIns="45720" rIns="91440" bIns="45720" numCol="1" anchor="t" anchorCtr="0" compatLnSpc="1">
+                <a:prstTxWarp prst="textNoShape">
+                  <a:avLst/>
+                </a:prstTxWarp>
+              </a:bodyPr>
+              <a:lstStyle/>
+              <a:p>
+                <a:pPr marL="0" marR="0" lvl="0" indent="0" algn="l" defTabSz="914400" rtl="0" eaLnBrk="1" fontAlgn="base" latinLnBrk="0" hangingPunct="1">
+                  <a:lnSpc>
+                    <a:spcPct val="100000"/>
+                  </a:lnSpc>
+                  <a:spcBef>
+                    <a:spcPct val="0"/>
+                  </a:spcBef>
+                  <a:spcAft>
+                    <a:spcPts val="1000"/>
+                  </a:spcAft>
+                  <a:buClrTx/>
+                  <a:buSzTx/>
+                  <a:buFontTx/>
+                  <a:buNone/>
+                  <a:tabLst/>
+                </a:pPr>
+                <a:r>
+                  <a:rPr kumimoji="0" lang="en-US" altLang="ja-JP" sz="2000" b="0" i="0" u="none" strike="noStrike" cap="none" normalizeH="0" dirty="0" smtClean="0">
+                    <a:ln>
+                      <a:noFill/>
+                    </a:ln>
+                    <a:solidFill>
+                      <a:schemeClr val="tx1"/>
+                    </a:solidFill>
+                    <a:effectLst/>
+                    <a:latin typeface="Calibri" pitchFamily="34" charset="0"/>
+                    <a:ea typeface="MS Mincho" pitchFamily="49" charset="-128"/>
+                  </a:rPr>
+                  <a:t>R = 0.034 Ω</a:t>
+                </a:r>
+                <a:endParaRPr kumimoji="0" lang="en-US" sz="2000" b="0" i="0" u="none" strike="noStrike" cap="none" normalizeH="0" dirty="0" smtClean="0">
+                  <a:ln>
+                    <a:noFill/>
+                  </a:ln>
+                  <a:solidFill>
+                    <a:schemeClr val="tx1"/>
+                  </a:solidFill>
+                  <a:effectLst/>
+                  <a:latin typeface="Arial" pitchFamily="34" charset="0"/>
+                </a:endParaRPr>
+              </a:p>
+            </p:txBody>
+          </p:sp>
+          <p:sp>
+            <p:nvSpPr>
+              <p:cNvPr id="22547" name="Rectangle 19"/>
+              <p:cNvSpPr>
+                <a:spLocks noChangeArrowheads="1"/>
+              </p:cNvSpPr>
+              <p:nvPr/>
+            </p:nvSpPr>
+            <p:spPr bwMode="auto">
+              <a:xfrm>
+                <a:off x="4872" y="4990"/>
+                <a:ext cx="1961" cy="502"/>
+              </a:xfrm>
+              <a:prstGeom prst="rect">
+                <a:avLst/>
+              </a:prstGeom>
+              <a:grpFill/>
+              <a:ln w="9525">
+                <a:noFill/>
+                <a:miter lim="800000"/>
+                <a:headEnd/>
+                <a:tailEnd/>
+              </a:ln>
+            </p:spPr>
+            <p:txBody>
+              <a:bodyPr vert="horz" wrap="square" lIns="91440" tIns="45720" rIns="91440" bIns="45720" numCol="1" anchor="t" anchorCtr="0" compatLnSpc="1">
+                <a:prstTxWarp prst="textNoShape">
+                  <a:avLst/>
+                </a:prstTxWarp>
+              </a:bodyPr>
+              <a:lstStyle/>
+              <a:p>
+                <a:pPr marL="0" marR="0" lvl="0" indent="0" algn="l" defTabSz="914400" rtl="0" eaLnBrk="1" fontAlgn="base" latinLnBrk="0" hangingPunct="1">
+                  <a:lnSpc>
+                    <a:spcPct val="100000"/>
+                  </a:lnSpc>
+                  <a:spcBef>
+                    <a:spcPct val="0"/>
+                  </a:spcBef>
+                  <a:spcAft>
+                    <a:spcPts val="1000"/>
+                  </a:spcAft>
+                  <a:buClrTx/>
+                  <a:buSzTx/>
+                  <a:buFontTx/>
+                  <a:buNone/>
+                  <a:tabLst/>
+                </a:pPr>
+                <a:r>
+                  <a:rPr kumimoji="0" lang="en-US" altLang="ja-JP" sz="2000" b="0" i="0" u="none" strike="noStrike" cap="none" normalizeH="0" baseline="0" dirty="0" smtClean="0">
+                    <a:ln>
+                      <a:noFill/>
+                    </a:ln>
+                    <a:solidFill>
+                      <a:schemeClr val="tx1"/>
+                    </a:solidFill>
+                    <a:effectLst/>
+                    <a:latin typeface="Calibri" pitchFamily="34" charset="0"/>
+                    <a:ea typeface="MS Mincho" pitchFamily="49" charset="-128"/>
+                  </a:rPr>
+                  <a:t>L = 0.000478 H</a:t>
+                </a:r>
+                <a:endParaRPr kumimoji="0" lang="en-US" sz="2000" b="0" i="0" u="none" strike="noStrike" cap="none" normalizeH="0" baseline="0" dirty="0" smtClean="0">
+                  <a:ln>
+                    <a:noFill/>
+                  </a:ln>
+                  <a:solidFill>
+                    <a:schemeClr val="tx1"/>
+                  </a:solidFill>
+                  <a:effectLst/>
+                  <a:latin typeface="Arial" pitchFamily="34" charset="0"/>
+                </a:endParaRPr>
+              </a:p>
+            </p:txBody>
+          </p:sp>
+        </p:grpSp>
+      </p:grpSp>
     </p:spTree>
   </p:cSld>
   <p:clrMapOvr>
@@ -4305,7 +5130,7 @@
                   <a:schemeClr val="bg1"/>
                 </a:solidFill>
               </a:rPr>
-              <a:t>Wheels</a:t>
+              <a:t>Generator Test Results</a:t>
             </a:r>
             <a:endParaRPr lang="en-US" dirty="0">
               <a:solidFill>
@@ -4336,7 +5161,53 @@
                   <a:schemeClr val="bg1"/>
                 </a:solidFill>
               </a:rPr>
-              <a:t>Use tanks tracks to give maximum traction and spread weight to stop sinking occurring</a:t>
+              <a:t>Maximum Power Output at 0.5</a:t>
+            </a:r>
+            <a:r>
+              <a:rPr lang="el-GR" dirty="0" smtClean="0">
+                <a:solidFill>
+                  <a:schemeClr val="bg1"/>
+                </a:solidFill>
+              </a:rPr>
+              <a:t>Ω</a:t>
+            </a:r>
+            <a:r>
+              <a:rPr lang="en-US" dirty="0" smtClean="0">
+                <a:solidFill>
+                  <a:schemeClr val="bg1"/>
+                </a:solidFill>
+              </a:rPr>
+              <a:t> = 70W</a:t>
+            </a:r>
+          </a:p>
+          <a:p>
+            <a:r>
+              <a:rPr lang="en-US" dirty="0" smtClean="0">
+                <a:solidFill>
+                  <a:schemeClr val="bg1"/>
+                </a:solidFill>
+              </a:rPr>
+              <a:t>Speed required for 25W = 2400rpm</a:t>
+            </a:r>
+          </a:p>
+          <a:p>
+            <a:r>
+              <a:rPr lang="en-US" dirty="0" smtClean="0">
+                <a:solidFill>
+                  <a:schemeClr val="bg1"/>
+                </a:solidFill>
+              </a:rPr>
+              <a:t>Voltage given at 2400rpm = 4.7 V</a:t>
+            </a:r>
+          </a:p>
+          <a:p>
+            <a:r>
+              <a:rPr lang="en-US" dirty="0" smtClean="0">
+                <a:solidFill>
+                  <a:schemeClr val="bg1"/>
+                </a:solidFill>
+              </a:rPr>
+              <a:t>Current given at 2400 rpm = 5.4 A</a:t>
             </a:r>
             <a:endParaRPr lang="en-US" dirty="0">
               <a:solidFill>
@@ -4392,7 +5263,7 @@
                   <a:schemeClr val="bg1"/>
                 </a:solidFill>
               </a:rPr>
-              <a:t>Undersea Challenges</a:t>
+              <a:t>Gearbox</a:t>
             </a:r>
             <a:endParaRPr lang="en-US" dirty="0">
               <a:solidFill>
@@ -4423,33 +5294,57 @@
                   <a:schemeClr val="bg1"/>
                 </a:solidFill>
               </a:rPr>
-              <a:t>To stop water from getting in, it must be water tight but to stop the pressure from crushing it, the robot must be filled with a non-compressible, non-conducting liquid, </a:t>
-            </a:r>
-            <a:r>
-              <a:rPr lang="en-US" dirty="0" err="1" smtClean="0">
-                <a:solidFill>
-                  <a:schemeClr val="bg1"/>
-                </a:solidFill>
-              </a:rPr>
-              <a:t>ie</a:t>
-            </a:r>
-            <a:r>
-              <a:rPr lang="en-US" dirty="0" smtClean="0">
-                <a:solidFill>
-                  <a:schemeClr val="bg1"/>
-                </a:solidFill>
-              </a:rPr>
-              <a:t>. Oil.</a:t>
-            </a:r>
-          </a:p>
-          <a:p>
-            <a:r>
-              <a:rPr lang="en-US" dirty="0" smtClean="0">
-                <a:solidFill>
-                  <a:schemeClr val="bg1"/>
-                </a:solidFill>
-              </a:rPr>
-              <a:t>To avoid rust the exterior of the robot will be made from plastic</a:t>
+              <a:t>A gearbox will be required to bring the turbine up to speed in order to generate efficiently</a:t>
+            </a:r>
+          </a:p>
+          <a:p>
+            <a:r>
+              <a:rPr lang="en-US" dirty="0" smtClean="0">
+                <a:solidFill>
+                  <a:schemeClr val="bg1"/>
+                </a:solidFill>
+              </a:rPr>
+              <a:t>Speed required is 2400 rpm</a:t>
+            </a:r>
+          </a:p>
+          <a:p>
+            <a:r>
+              <a:rPr lang="en-US" dirty="0" smtClean="0">
+                <a:solidFill>
+                  <a:schemeClr val="bg1"/>
+                </a:solidFill>
+              </a:rPr>
+              <a:t>Speed of turbine when water flow is 1.54 ms</a:t>
+            </a:r>
+            <a:r>
+              <a:rPr lang="en-US" baseline="30000" dirty="0" smtClean="0">
+                <a:solidFill>
+                  <a:schemeClr val="bg1"/>
+                </a:solidFill>
+              </a:rPr>
+              <a:t>-1</a:t>
+            </a:r>
+            <a:r>
+              <a:rPr lang="en-US" dirty="0" smtClean="0">
+                <a:solidFill>
+                  <a:schemeClr val="bg1"/>
+                </a:solidFill>
+              </a:rPr>
+              <a:t> is estimated to be 124 rpm</a:t>
+            </a:r>
+          </a:p>
+          <a:p>
+            <a:pPr lvl="1">
+              <a:buFont typeface="Wingdings" pitchFamily="2" charset="2"/>
+              <a:buChar char="Ø"/>
+            </a:pPr>
+            <a:r>
+              <a:rPr lang="en-US" dirty="0" smtClean="0">
+                <a:solidFill>
+                  <a:schemeClr val="bg1"/>
+                </a:solidFill>
+              </a:rPr>
+              <a:t>Therefore gearbox ratio is 19:1</a:t>
             </a:r>
             <a:endParaRPr lang="en-US" dirty="0">
               <a:solidFill>
@@ -4460,6 +5355,11 @@
         </p:txBody>
       </p:sp>
     </p:spTree>
+    <p:extLst>
+      <p:ext uri="{BB962C8B-B14F-4D97-AF65-F5344CB8AC3E}">
+        <p14:creationId xmlns:p14="http://schemas.microsoft.com/office/powerpoint/2010/main" val="469209930"/>
+      </p:ext>
+    </p:extLst>
   </p:cSld>
   <p:clrMapOvr>
     <a:masterClrMapping/>
@@ -4505,6 +5405,345 @@
                   <a:schemeClr val="bg1"/>
                 </a:solidFill>
               </a:rPr>
+              <a:t>Output Motors</a:t>
+            </a:r>
+            <a:endParaRPr lang="en-US" dirty="0">
+              <a:solidFill>
+                <a:schemeClr val="bg1"/>
+              </a:solidFill>
+            </a:endParaRPr>
+          </a:p>
+        </p:txBody>
+      </p:sp>
+      <p:sp>
+        <p:nvSpPr>
+          <p:cNvPr id="3" name="Content Placeholder 2"/>
+          <p:cNvSpPr>
+            <a:spLocks noGrp="1"/>
+          </p:cNvSpPr>
+          <p:nvPr>
+            <p:ph idx="1"/>
+          </p:nvPr>
+        </p:nvSpPr>
+        <p:spPr/>
+        <p:txBody>
+          <a:bodyPr/>
+          <a:lstStyle/>
+          <a:p>
+            <a:r>
+              <a:rPr lang="en-US" dirty="0" smtClean="0">
+                <a:solidFill>
+                  <a:schemeClr val="bg1"/>
+                </a:solidFill>
+              </a:rPr>
+              <a:t>Want to take resistance seen by the generator down to increase power output</a:t>
+            </a:r>
+          </a:p>
+          <a:p>
+            <a:r>
+              <a:rPr lang="en-US" dirty="0" smtClean="0">
+                <a:solidFill>
+                  <a:schemeClr val="bg1"/>
+                </a:solidFill>
+              </a:rPr>
+              <a:t>Therefore parallel two motors to decrease resistance to 0.36</a:t>
+            </a:r>
+            <a:r>
+              <a:rPr lang="el-GR" dirty="0" smtClean="0">
+                <a:solidFill>
+                  <a:schemeClr val="bg1"/>
+                </a:solidFill>
+              </a:rPr>
+              <a:t>Ω</a:t>
+            </a:r>
+            <a:r>
+              <a:rPr lang="en-NZ" dirty="0" smtClean="0">
+                <a:solidFill>
+                  <a:schemeClr val="bg1"/>
+                </a:solidFill>
+              </a:rPr>
+              <a:t> and to give 4WD</a:t>
+            </a:r>
+            <a:endParaRPr lang="en-US" dirty="0" smtClean="0">
+              <a:solidFill>
+                <a:schemeClr val="bg1"/>
+              </a:solidFill>
+            </a:endParaRPr>
+          </a:p>
+          <a:p>
+            <a:endParaRPr lang="en-US" dirty="0" smtClean="0">
+              <a:solidFill>
+                <a:schemeClr val="bg1"/>
+              </a:solidFill>
+            </a:endParaRPr>
+          </a:p>
+        </p:txBody>
+      </p:sp>
+    </p:spTree>
+    <p:extLst>
+      <p:ext uri="{BB962C8B-B14F-4D97-AF65-F5344CB8AC3E}">
+        <p14:creationId xmlns:p14="http://schemas.microsoft.com/office/powerpoint/2010/main" val="1388657969"/>
+      </p:ext>
+    </p:extLst>
+  </p:cSld>
+  <p:clrMapOvr>
+    <a:masterClrMapping/>
+  </p:clrMapOvr>
+</p:sld>
+</file>
+
+<file path=ppt/slides/slide17.xml><?xml version="1.0" encoding="utf-8"?>
+<p:sld xmlns:a="http://schemas.openxmlformats.org/drawingml/2006/main" xmlns:r="http://schemas.openxmlformats.org/officeDocument/2006/relationships" xmlns:p="http://schemas.openxmlformats.org/presentationml/2006/main">
+  <p:cSld>
+    <p:spTree>
+      <p:nvGrpSpPr>
+        <p:cNvPr id="1" name=""/>
+        <p:cNvGrpSpPr/>
+        <p:nvPr/>
+      </p:nvGrpSpPr>
+      <p:grpSpPr>
+        <a:xfrm>
+          <a:off x="0" y="0"/>
+          <a:ext cx="0" cy="0"/>
+          <a:chOff x="0" y="0"/>
+          <a:chExt cx="0" cy="0"/>
+        </a:xfrm>
+      </p:grpSpPr>
+      <p:sp>
+        <p:nvSpPr>
+          <p:cNvPr id="2" name="Title 1"/>
+          <p:cNvSpPr>
+            <a:spLocks noGrp="1"/>
+          </p:cNvSpPr>
+          <p:nvPr>
+            <p:ph type="title"/>
+          </p:nvPr>
+        </p:nvSpPr>
+        <p:spPr/>
+        <p:txBody>
+          <a:bodyPr/>
+          <a:lstStyle/>
+          <a:p>
+            <a:r>
+              <a:rPr lang="en-US" dirty="0" smtClean="0">
+                <a:solidFill>
+                  <a:schemeClr val="bg1"/>
+                </a:solidFill>
+              </a:rPr>
+              <a:t>Power Converter</a:t>
+            </a:r>
+            <a:endParaRPr lang="en-US" dirty="0">
+              <a:solidFill>
+                <a:schemeClr val="bg1"/>
+              </a:solidFill>
+            </a:endParaRPr>
+          </a:p>
+        </p:txBody>
+      </p:sp>
+      <p:sp>
+        <p:nvSpPr>
+          <p:cNvPr id="3" name="Content Placeholder 2"/>
+          <p:cNvSpPr>
+            <a:spLocks noGrp="1"/>
+          </p:cNvSpPr>
+          <p:nvPr>
+            <p:ph idx="1"/>
+          </p:nvPr>
+        </p:nvSpPr>
+        <p:spPr/>
+        <p:txBody>
+          <a:bodyPr/>
+          <a:lstStyle/>
+          <a:p>
+            <a:r>
+              <a:rPr lang="en-US" dirty="0" smtClean="0">
+                <a:solidFill>
+                  <a:schemeClr val="bg1"/>
+                </a:solidFill>
+              </a:rPr>
+              <a:t>Must convert from 4.7 </a:t>
+            </a:r>
+            <a:r>
+              <a:rPr lang="en-US" dirty="0" err="1" smtClean="0">
+                <a:solidFill>
+                  <a:schemeClr val="bg1"/>
+                </a:solidFill>
+              </a:rPr>
+              <a:t>Vrms</a:t>
+            </a:r>
+            <a:r>
+              <a:rPr lang="en-US" dirty="0" smtClean="0">
+                <a:solidFill>
+                  <a:schemeClr val="bg1"/>
+                </a:solidFill>
+              </a:rPr>
+              <a:t>, 5.4 Arms to 5V, 2A DC</a:t>
+            </a:r>
+          </a:p>
+          <a:p>
+            <a:r>
+              <a:rPr lang="en-US" dirty="0" smtClean="0">
+                <a:solidFill>
+                  <a:schemeClr val="bg1"/>
+                </a:solidFill>
+              </a:rPr>
+              <a:t>Use a three phase rectifier bridge, small amount of </a:t>
+            </a:r>
+            <a:r>
+              <a:rPr lang="en-US" dirty="0" smtClean="0">
+                <a:solidFill>
+                  <a:schemeClr val="bg1"/>
+                </a:solidFill>
+              </a:rPr>
+              <a:t>DC to stabilize the wave </a:t>
+            </a:r>
+            <a:r>
+              <a:rPr lang="en-US" dirty="0" smtClean="0">
+                <a:solidFill>
+                  <a:schemeClr val="bg1"/>
+                </a:solidFill>
+              </a:rPr>
+              <a:t>bus capacitance and a buck-boost </a:t>
+            </a:r>
+            <a:r>
+              <a:rPr lang="en-US" dirty="0" smtClean="0">
+                <a:solidFill>
+                  <a:schemeClr val="bg1"/>
+                </a:solidFill>
+              </a:rPr>
+              <a:t>converter to regulate the voltage</a:t>
+            </a:r>
+          </a:p>
+          <a:p>
+            <a:endParaRPr lang="en-US" dirty="0">
+              <a:solidFill>
+                <a:schemeClr val="bg1"/>
+              </a:solidFill>
+            </a:endParaRPr>
+          </a:p>
+        </p:txBody>
+      </p:sp>
+      <p:graphicFrame>
+        <p:nvGraphicFramePr>
+          <p:cNvPr id="4" name="Object 3"/>
+          <p:cNvGraphicFramePr>
+            <a:graphicFrameLocks noChangeAspect="1"/>
+          </p:cNvGraphicFramePr>
+          <p:nvPr>
+            <p:extLst>
+              <p:ext uri="{D42A27DB-BD31-4B8C-83A1-F6EECF244321}">
+                <p14:modId xmlns:p14="http://schemas.microsoft.com/office/powerpoint/2010/main" val="2940357907"/>
+              </p:ext>
+            </p:extLst>
+          </p:nvPr>
+        </p:nvGraphicFramePr>
+        <p:xfrm>
+          <a:off x="990600" y="4855020"/>
+          <a:ext cx="7370798" cy="1143000"/>
+        </p:xfrm>
+        <a:graphic>
+          <a:graphicData uri="http://schemas.openxmlformats.org/presentationml/2006/ole">
+            <mc:AlternateContent xmlns:mc="http://schemas.openxmlformats.org/markup-compatibility/2006">
+              <mc:Choice xmlns:v="urn:schemas-microsoft-com:vml" Requires="v">
+                <p:oleObj spid="_x0000_s2053" name="Visio" r:id="rId3" imgW="6066728" imgH="858215" progId="Visio.Drawing.11">
+                  <p:embed/>
+                </p:oleObj>
+              </mc:Choice>
+              <mc:Fallback>
+                <p:oleObj name="Visio" r:id="rId3" imgW="6066728" imgH="858215" progId="Visio.Drawing.11">
+                  <p:embed/>
+                  <p:pic>
+                    <p:nvPicPr>
+                      <p:cNvPr id="0" name="Object 4"/>
+                      <p:cNvPicPr>
+                        <a:picLocks noChangeAspect="1" noChangeArrowheads="1"/>
+                      </p:cNvPicPr>
+                      <p:nvPr/>
+                    </p:nvPicPr>
+                    <p:blipFill>
+                      <a:blip r:embed="rId4">
+                        <a:extLst>
+                          <a:ext uri="{28A0092B-C50C-407E-A947-70E740481C1C}">
+                            <a14:useLocalDpi xmlns:a14="http://schemas.microsoft.com/office/drawing/2010/main" val="0"/>
+                          </a:ext>
+                        </a:extLst>
+                      </a:blip>
+                      <a:srcRect/>
+                      <a:stretch>
+                        <a:fillRect/>
+                      </a:stretch>
+                    </p:blipFill>
+                    <p:spPr bwMode="auto">
+                      <a:xfrm>
+                        <a:off x="990600" y="4855020"/>
+                        <a:ext cx="7370798" cy="1143000"/>
+                      </a:xfrm>
+                      <a:prstGeom prst="rect">
+                        <a:avLst/>
+                      </a:prstGeom>
+                      <a:noFill/>
+                      <a:ln>
+                        <a:noFill/>
+                      </a:ln>
+                    </p:spPr>
+                  </p:pic>
+                </p:oleObj>
+              </mc:Fallback>
+            </mc:AlternateContent>
+          </a:graphicData>
+        </a:graphic>
+      </p:graphicFrame>
+    </p:spTree>
+    <p:extLst>
+      <p:ext uri="{BB962C8B-B14F-4D97-AF65-F5344CB8AC3E}">
+        <p14:creationId xmlns:p14="http://schemas.microsoft.com/office/powerpoint/2010/main" val="266082718"/>
+      </p:ext>
+    </p:extLst>
+  </p:cSld>
+  <p:clrMapOvr>
+    <a:masterClrMapping/>
+  </p:clrMapOvr>
+</p:sld>
+</file>
+
+<file path=ppt/slides/slide18.xml><?xml version="1.0" encoding="utf-8"?>
+<p:sld xmlns:a="http://schemas.openxmlformats.org/drawingml/2006/main" xmlns:r="http://schemas.openxmlformats.org/officeDocument/2006/relationships" xmlns:p="http://schemas.openxmlformats.org/presentationml/2006/main">
+  <p:cSld>
+    <p:spTree>
+      <p:nvGrpSpPr>
+        <p:cNvPr id="1" name=""/>
+        <p:cNvGrpSpPr/>
+        <p:nvPr/>
+      </p:nvGrpSpPr>
+      <p:grpSpPr>
+        <a:xfrm>
+          <a:off x="0" y="0"/>
+          <a:ext cx="0" cy="0"/>
+          <a:chOff x="0" y="0"/>
+          <a:chExt cx="0" cy="0"/>
+        </a:xfrm>
+      </p:grpSpPr>
+      <p:sp>
+        <p:nvSpPr>
+          <p:cNvPr id="2" name="Title 1"/>
+          <p:cNvSpPr>
+            <a:spLocks noGrp="1"/>
+          </p:cNvSpPr>
+          <p:nvPr>
+            <p:ph type="title"/>
+          </p:nvPr>
+        </p:nvSpPr>
+        <p:spPr/>
+        <p:txBody>
+          <a:bodyPr/>
+          <a:lstStyle/>
+          <a:p>
+            <a:r>
+              <a:rPr lang="en-US" dirty="0" smtClean="0">
+                <a:solidFill>
+                  <a:schemeClr val="bg1"/>
+                </a:solidFill>
+              </a:rPr>
               <a:t>Design Concept</a:t>
             </a:r>
             <a:endParaRPr lang="en-US" dirty="0">
@@ -4539,12 +5778,17 @@
           </a:ln>
           <a:extLst>
             <a:ext uri="{53640926-AAD7-44D8-BBD7-CCE9431645EC}">
-              <a14:shadowObscured xmlns:ve="http://schemas.openxmlformats.org/markup-compatibility/2006" xmlns:m="http://schemas.openxmlformats.org/officeDocument/2006/math" xmlns:wp="http://schemas.openxmlformats.org/drawingml/2006/wordprocessingDrawing" xmlns:wne="http://schemas.microsoft.com/office/word/2006/wordml" xmlns:a14="http://schemas.microsoft.com/office/drawing/2010/main" xmlns:wps="http://schemas.microsoft.com/office/word/2010/wordprocessingShape" xmlns:wpi="http://schemas.microsoft.com/office/word/2010/wordprocessingInk" xmlns:wpg="http://schemas.microsoft.com/office/word/2010/wordprocessingGroup" xmlns:w14="http://schemas.microsoft.com/office/word/2010/wordml" xmlns:w="http://schemas.openxmlformats.org/wordprocessingml/2006/main" xmlns:w10="urn:schemas-microsoft-com:office:word" xmlns:wp14="http://schemas.microsoft.com/office/word/2010/wordprocessingDrawing" xmlns:v="urn:schemas-microsoft-com:vml" xmlns:o="urn:schemas-microsoft-com:office:office" xmlns:mc="http://schemas.openxmlformats.org/markup-compatibility/2006" xmlns:wpc="http://schemas.microsoft.com/office/word/2010/wordprocessingCanvas" xmlns="" xmlns:pic="http://schemas.openxmlformats.org/drawingml/2006/picture" xmlns:lc="http://schemas.openxmlformats.org/drawingml/2006/lockedCanvas"/>
+              <a14:shadowObscured xmlns:a14="http://schemas.microsoft.com/office/drawing/2010/main"/>
             </a:ext>
           </a:extLst>
         </p:spPr>
       </p:pic>
     </p:spTree>
+    <p:extLst>
+      <p:ext uri="{BB962C8B-B14F-4D97-AF65-F5344CB8AC3E}">
+        <p14:creationId xmlns:p14="http://schemas.microsoft.com/office/powerpoint/2010/main" val="3015840949"/>
+      </p:ext>
+    </p:extLst>
   </p:cSld>
   <p:clrMapOvr>
     <a:masterClrMapping/>
@@ -4552,7 +5796,7 @@
 </p:sld>
 </file>
 
-<file path=ppt/slides/slide17.xml><?xml version="1.0" encoding="utf-8"?>
+<file path=ppt/slides/slide19.xml><?xml version="1.0" encoding="utf-8"?>
 <p:sld xmlns:a="http://schemas.openxmlformats.org/drawingml/2006/main" xmlns:r="http://schemas.openxmlformats.org/officeDocument/2006/relationships" xmlns:p="http://schemas.openxmlformats.org/presentationml/2006/main">
   <p:cSld>
     <p:spTree>
@@ -5152,934 +6396,11 @@
         </a:graphic>
       </p:graphicFrame>
     </p:spTree>
-  </p:cSld>
-  <p:clrMapOvr>
-    <a:masterClrMapping/>
-  </p:clrMapOvr>
-</p:sld>
-</file>
-
-<file path=ppt/slides/slide18.xml><?xml version="1.0" encoding="utf-8"?>
-<p:sld xmlns:a="http://schemas.openxmlformats.org/drawingml/2006/main" xmlns:r="http://schemas.openxmlformats.org/officeDocument/2006/relationships" xmlns:p="http://schemas.openxmlformats.org/presentationml/2006/main">
-  <p:cSld>
-    <p:spTree>
-      <p:nvGrpSpPr>
-        <p:cNvPr id="1" name=""/>
-        <p:cNvGrpSpPr/>
-        <p:nvPr/>
-      </p:nvGrpSpPr>
-      <p:grpSpPr>
-        <a:xfrm>
-          <a:off x="0" y="0"/>
-          <a:ext cx="0" cy="0"/>
-          <a:chOff x="0" y="0"/>
-          <a:chExt cx="0" cy="0"/>
-        </a:xfrm>
-      </p:grpSpPr>
-      <p:sp>
-        <p:nvSpPr>
-          <p:cNvPr id="2" name="Title 1"/>
-          <p:cNvSpPr>
-            <a:spLocks noGrp="1"/>
-          </p:cNvSpPr>
-          <p:nvPr>
-            <p:ph type="title"/>
-          </p:nvPr>
-        </p:nvSpPr>
-        <p:spPr/>
-        <p:txBody>
-          <a:bodyPr/>
-          <a:lstStyle/>
-          <a:p>
-            <a:r>
-              <a:rPr lang="en-US" dirty="0" smtClean="0">
-                <a:solidFill>
-                  <a:schemeClr val="bg1"/>
-                </a:solidFill>
-              </a:rPr>
-              <a:t>Testing – Generator</a:t>
-            </a:r>
-            <a:endParaRPr lang="en-US" dirty="0">
-              <a:solidFill>
-                <a:schemeClr val="bg1"/>
-              </a:solidFill>
-            </a:endParaRPr>
-          </a:p>
-        </p:txBody>
-      </p:sp>
-      <p:graphicFrame>
-        <p:nvGraphicFramePr>
-          <p:cNvPr id="5" name="Chart 4"/>
-          <p:cNvGraphicFramePr/>
-          <p:nvPr/>
-        </p:nvGraphicFramePr>
-        <p:xfrm>
-          <a:off x="838200" y="1524000"/>
-          <a:ext cx="7315200" cy="4572000"/>
-        </p:xfrm>
-        <a:graphic>
-          <a:graphicData uri="http://schemas.openxmlformats.org/drawingml/2006/chart">
-            <c:chart xmlns:c="http://schemas.openxmlformats.org/drawingml/2006/chart" xmlns:r="http://schemas.openxmlformats.org/officeDocument/2006/relationships" r:id="rId2"/>
-          </a:graphicData>
-        </a:graphic>
-      </p:graphicFrame>
-    </p:spTree>
-  </p:cSld>
-  <p:clrMapOvr>
-    <a:masterClrMapping/>
-  </p:clrMapOvr>
-</p:sld>
-</file>
-
-<file path=ppt/slides/slide19.xml><?xml version="1.0" encoding="utf-8"?>
-<p:sld xmlns:a="http://schemas.openxmlformats.org/drawingml/2006/main" xmlns:r="http://schemas.openxmlformats.org/officeDocument/2006/relationships" xmlns:p="http://schemas.openxmlformats.org/presentationml/2006/main">
-  <p:cSld>
-    <p:spTree>
-      <p:nvGrpSpPr>
-        <p:cNvPr id="1" name=""/>
-        <p:cNvGrpSpPr/>
-        <p:nvPr/>
-      </p:nvGrpSpPr>
-      <p:grpSpPr>
-        <a:xfrm>
-          <a:off x="0" y="0"/>
-          <a:ext cx="0" cy="0"/>
-          <a:chOff x="0" y="0"/>
-          <a:chExt cx="0" cy="0"/>
-        </a:xfrm>
-      </p:grpSpPr>
-      <p:sp>
-        <p:nvSpPr>
-          <p:cNvPr id="2" name="Title 1"/>
-          <p:cNvSpPr>
-            <a:spLocks noGrp="1"/>
-          </p:cNvSpPr>
-          <p:nvPr>
-            <p:ph type="title"/>
-          </p:nvPr>
-        </p:nvSpPr>
-        <p:spPr/>
-        <p:txBody>
-          <a:bodyPr>
-            <a:normAutofit/>
-          </a:bodyPr>
-          <a:lstStyle/>
-          <a:p>
-            <a:r>
-              <a:rPr lang="en-US" dirty="0" smtClean="0">
-                <a:solidFill>
-                  <a:schemeClr val="bg1"/>
-                </a:solidFill>
-              </a:rPr>
-              <a:t>Single Phase Equivalent</a:t>
-            </a:r>
-            <a:endParaRPr lang="en-US" dirty="0">
-              <a:solidFill>
-                <a:schemeClr val="bg1"/>
-              </a:solidFill>
-            </a:endParaRPr>
-          </a:p>
-        </p:txBody>
-      </p:sp>
-      <p:grpSp>
-        <p:nvGrpSpPr>
-          <p:cNvPr id="23" name="Group 22"/>
-          <p:cNvGrpSpPr/>
-          <p:nvPr/>
-        </p:nvGrpSpPr>
-        <p:grpSpPr>
-          <a:xfrm>
-            <a:off x="1905000" y="2133600"/>
-            <a:ext cx="5364480" cy="3048000"/>
-            <a:chOff x="2714625" y="2943225"/>
-            <a:chExt cx="3352800" cy="1905000"/>
-          </a:xfrm>
-        </p:grpSpPr>
-        <p:sp>
-          <p:nvSpPr>
-            <p:cNvPr id="22" name="Rectangle 21"/>
-            <p:cNvSpPr/>
-            <p:nvPr/>
-          </p:nvSpPr>
-          <p:spPr>
-            <a:xfrm>
-              <a:off x="2714625" y="2943225"/>
-              <a:ext cx="3352800" cy="1905000"/>
-            </a:xfrm>
-            <a:prstGeom prst="rect">
-              <a:avLst/>
-            </a:prstGeom>
-            <a:solidFill>
-              <a:schemeClr val="bg1"/>
-            </a:solidFill>
-          </p:spPr>
-          <p:style>
-            <a:lnRef idx="2">
-              <a:schemeClr val="accent1">
-                <a:shade val="50000"/>
-              </a:schemeClr>
-            </a:lnRef>
-            <a:fillRef idx="1">
-              <a:schemeClr val="accent1"/>
-            </a:fillRef>
-            <a:effectRef idx="0">
-              <a:schemeClr val="accent1"/>
-            </a:effectRef>
-            <a:fontRef idx="minor">
-              <a:schemeClr val="lt1"/>
-            </a:fontRef>
-          </p:style>
-          <p:txBody>
-            <a:bodyPr rtlCol="0" anchor="ctr"/>
-            <a:lstStyle/>
-            <a:p>
-              <a:pPr algn="ctr"/>
-              <a:endParaRPr lang="en-US" dirty="0">
-                <a:solidFill>
-                  <a:schemeClr val="bg1"/>
-                </a:solidFill>
-              </a:endParaRPr>
-            </a:p>
-          </p:txBody>
-        </p:sp>
-        <p:grpSp>
-          <p:nvGrpSpPr>
-            <p:cNvPr id="22530" name="Group 2"/>
-            <p:cNvGrpSpPr>
-              <a:grpSpLocks/>
-            </p:cNvGrpSpPr>
-            <p:nvPr/>
-          </p:nvGrpSpPr>
-          <p:grpSpPr bwMode="auto">
-            <a:xfrm>
-              <a:off x="2971800" y="3200400"/>
-              <a:ext cx="2771775" cy="1279525"/>
-              <a:chOff x="2617" y="4990"/>
-              <a:chExt cx="4366" cy="2013"/>
-            </a:xfrm>
-            <a:noFill/>
-          </p:grpSpPr>
-          <p:grpSp>
-            <p:nvGrpSpPr>
-              <p:cNvPr id="22531" name="Group 3"/>
-              <p:cNvGrpSpPr>
-                <a:grpSpLocks/>
-              </p:cNvGrpSpPr>
-              <p:nvPr/>
-            </p:nvGrpSpPr>
-            <p:grpSpPr bwMode="auto">
-              <a:xfrm>
-                <a:off x="3410" y="5492"/>
-                <a:ext cx="652" cy="279"/>
-                <a:chOff x="9306" y="8547"/>
-                <a:chExt cx="724" cy="336"/>
-              </a:xfrm>
-              <a:grpFill/>
-            </p:grpSpPr>
-            <p:cxnSp>
-              <p:nvCxnSpPr>
-                <p:cNvPr id="22532" name="AutoShape 4"/>
-                <p:cNvCxnSpPr>
-                  <a:cxnSpLocks noChangeShapeType="1"/>
-                </p:cNvCxnSpPr>
-                <p:nvPr/>
-              </p:nvCxnSpPr>
-              <p:spPr bwMode="auto">
-                <a:xfrm flipV="1">
-                  <a:off x="9306" y="8547"/>
-                  <a:ext cx="82" cy="185"/>
-                </a:xfrm>
-                <a:prstGeom prst="straightConnector1">
-                  <a:avLst/>
-                </a:prstGeom>
-                <a:grpFill/>
-                <a:ln w="9525">
-                  <a:solidFill>
-                    <a:srgbClr val="000000"/>
-                  </a:solidFill>
-                  <a:round/>
-                  <a:headEnd/>
-                  <a:tailEnd/>
-                </a:ln>
-              </p:spPr>
-            </p:cxnSp>
-            <p:cxnSp>
-              <p:nvCxnSpPr>
-                <p:cNvPr id="22533" name="AutoShape 5"/>
-                <p:cNvCxnSpPr>
-                  <a:cxnSpLocks noChangeShapeType="1"/>
-                </p:cNvCxnSpPr>
-                <p:nvPr/>
-              </p:nvCxnSpPr>
-              <p:spPr bwMode="auto">
-                <a:xfrm flipH="1" flipV="1">
-                  <a:off x="9388" y="8547"/>
-                  <a:ext cx="128" cy="336"/>
-                </a:xfrm>
-                <a:prstGeom prst="straightConnector1">
-                  <a:avLst/>
-                </a:prstGeom>
-                <a:grpFill/>
-                <a:ln w="9525">
-                  <a:solidFill>
-                    <a:srgbClr val="000000"/>
-                  </a:solidFill>
-                  <a:round/>
-                  <a:headEnd/>
-                  <a:tailEnd/>
-                </a:ln>
-              </p:spPr>
-            </p:cxnSp>
-            <p:cxnSp>
-              <p:nvCxnSpPr>
-                <p:cNvPr id="22534" name="AutoShape 6"/>
-                <p:cNvCxnSpPr>
-                  <a:cxnSpLocks noChangeShapeType="1"/>
-                </p:cNvCxnSpPr>
-                <p:nvPr/>
-              </p:nvCxnSpPr>
-              <p:spPr bwMode="auto">
-                <a:xfrm flipV="1">
-                  <a:off x="9516" y="8547"/>
-                  <a:ext cx="150" cy="336"/>
-                </a:xfrm>
-                <a:prstGeom prst="straightConnector1">
-                  <a:avLst/>
-                </a:prstGeom>
-                <a:grpFill/>
-                <a:ln w="9525">
-                  <a:solidFill>
-                    <a:srgbClr val="000000"/>
-                  </a:solidFill>
-                  <a:round/>
-                  <a:headEnd/>
-                  <a:tailEnd/>
-                </a:ln>
-              </p:spPr>
-            </p:cxnSp>
-            <p:cxnSp>
-              <p:nvCxnSpPr>
-                <p:cNvPr id="22535" name="AutoShape 7"/>
-                <p:cNvCxnSpPr>
-                  <a:cxnSpLocks noChangeShapeType="1"/>
-                </p:cNvCxnSpPr>
-                <p:nvPr/>
-              </p:nvCxnSpPr>
-              <p:spPr bwMode="auto">
-                <a:xfrm flipV="1">
-                  <a:off x="9808" y="8547"/>
-                  <a:ext cx="150" cy="336"/>
-                </a:xfrm>
-                <a:prstGeom prst="straightConnector1">
-                  <a:avLst/>
-                </a:prstGeom>
-                <a:grpFill/>
-                <a:ln w="9525">
-                  <a:solidFill>
-                    <a:srgbClr val="000000"/>
-                  </a:solidFill>
-                  <a:round/>
-                  <a:headEnd/>
-                  <a:tailEnd/>
-                </a:ln>
-              </p:spPr>
-            </p:cxnSp>
-            <p:cxnSp>
-              <p:nvCxnSpPr>
-                <p:cNvPr id="22536" name="AutoShape 8"/>
-                <p:cNvCxnSpPr>
-                  <a:cxnSpLocks noChangeShapeType="1"/>
-                </p:cNvCxnSpPr>
-                <p:nvPr/>
-              </p:nvCxnSpPr>
-              <p:spPr bwMode="auto">
-                <a:xfrm flipH="1" flipV="1">
-                  <a:off x="9666" y="8547"/>
-                  <a:ext cx="128" cy="336"/>
-                </a:xfrm>
-                <a:prstGeom prst="straightConnector1">
-                  <a:avLst/>
-                </a:prstGeom>
-                <a:grpFill/>
-                <a:ln w="9525">
-                  <a:solidFill>
-                    <a:srgbClr val="000000"/>
-                  </a:solidFill>
-                  <a:round/>
-                  <a:headEnd/>
-                  <a:tailEnd/>
-                </a:ln>
-              </p:spPr>
-            </p:cxnSp>
-            <p:cxnSp>
-              <p:nvCxnSpPr>
-                <p:cNvPr id="22537" name="AutoShape 9"/>
-                <p:cNvCxnSpPr>
-                  <a:cxnSpLocks noChangeShapeType="1"/>
-                </p:cNvCxnSpPr>
-                <p:nvPr/>
-              </p:nvCxnSpPr>
-              <p:spPr bwMode="auto">
-                <a:xfrm flipH="1" flipV="1">
-                  <a:off x="9958" y="8547"/>
-                  <a:ext cx="72" cy="185"/>
-                </a:xfrm>
-                <a:prstGeom prst="straightConnector1">
-                  <a:avLst/>
-                </a:prstGeom>
-                <a:grpFill/>
-                <a:ln w="9525">
-                  <a:solidFill>
-                    <a:srgbClr val="000000"/>
-                  </a:solidFill>
-                  <a:round/>
-                  <a:headEnd/>
-                  <a:tailEnd/>
-                </a:ln>
-              </p:spPr>
-            </p:cxnSp>
-          </p:grpSp>
-          <p:cxnSp>
-            <p:nvCxnSpPr>
-              <p:cNvPr id="22538" name="AutoShape 10"/>
-              <p:cNvCxnSpPr>
-                <a:cxnSpLocks noChangeShapeType="1"/>
-              </p:cNvCxnSpPr>
-              <p:nvPr/>
-            </p:nvCxnSpPr>
-            <p:spPr bwMode="auto">
-              <a:xfrm>
-                <a:off x="2617" y="5646"/>
-                <a:ext cx="793" cy="0"/>
-              </a:xfrm>
-              <a:prstGeom prst="straightConnector1">
-                <a:avLst/>
-              </a:prstGeom>
-              <a:grpFill/>
-              <a:ln w="9525">
-                <a:solidFill>
-                  <a:srgbClr val="000000"/>
-                </a:solidFill>
-                <a:round/>
-                <a:headEnd/>
-                <a:tailEnd/>
-              </a:ln>
-            </p:spPr>
-          </p:cxnSp>
-          <p:cxnSp>
-            <p:nvCxnSpPr>
-              <p:cNvPr id="22539" name="AutoShape 11"/>
-              <p:cNvCxnSpPr>
-                <a:cxnSpLocks noChangeShapeType="1"/>
-              </p:cNvCxnSpPr>
-              <p:nvPr/>
-            </p:nvCxnSpPr>
-            <p:spPr bwMode="auto">
-              <a:xfrm>
-                <a:off x="4062" y="5646"/>
-                <a:ext cx="1139" cy="1"/>
-              </a:xfrm>
-              <a:prstGeom prst="straightConnector1">
-                <a:avLst/>
-              </a:prstGeom>
-              <a:grpFill/>
-              <a:ln w="9525">
-                <a:solidFill>
-                  <a:srgbClr val="000000"/>
-                </a:solidFill>
-                <a:round/>
-                <a:headEnd/>
-                <a:tailEnd/>
-              </a:ln>
-            </p:spPr>
-          </p:cxnSp>
-          <p:sp>
-            <p:nvSpPr>
-              <p:cNvPr id="22540" name="Freeform 12"/>
-              <p:cNvSpPr>
-                <a:spLocks/>
-              </p:cNvSpPr>
-              <p:nvPr/>
-            </p:nvSpPr>
-            <p:spPr bwMode="auto">
-              <a:xfrm>
-                <a:off x="5201" y="5464"/>
-                <a:ext cx="980" cy="220"/>
-              </a:xfrm>
-              <a:custGeom>
-                <a:avLst/>
-                <a:gdLst/>
-                <a:ahLst/>
-                <a:cxnLst>
-                  <a:cxn ang="0">
-                    <a:pos x="0" y="193"/>
-                  </a:cxn>
-                  <a:cxn ang="0">
-                    <a:pos x="95" y="71"/>
-                  </a:cxn>
-                  <a:cxn ang="0">
-                    <a:pos x="340" y="98"/>
-                  </a:cxn>
-                  <a:cxn ang="0">
-                    <a:pos x="340" y="220"/>
-                  </a:cxn>
-                  <a:cxn ang="0">
-                    <a:pos x="245" y="84"/>
-                  </a:cxn>
-                  <a:cxn ang="0">
-                    <a:pos x="476" y="30"/>
-                  </a:cxn>
-                  <a:cxn ang="0">
-                    <a:pos x="666" y="139"/>
-                  </a:cxn>
-                  <a:cxn ang="0">
-                    <a:pos x="652" y="193"/>
-                  </a:cxn>
-                  <a:cxn ang="0">
-                    <a:pos x="571" y="220"/>
-                  </a:cxn>
-                  <a:cxn ang="0">
-                    <a:pos x="584" y="125"/>
-                  </a:cxn>
-                  <a:cxn ang="0">
-                    <a:pos x="707" y="44"/>
-                  </a:cxn>
-                  <a:cxn ang="0">
-                    <a:pos x="978" y="152"/>
-                  </a:cxn>
-                  <a:cxn ang="0">
-                    <a:pos x="978" y="207"/>
-                  </a:cxn>
-                </a:cxnLst>
-                <a:rect l="0" t="0" r="r" b="b"/>
-                <a:pathLst>
-                  <a:path w="980" h="220">
-                    <a:moveTo>
-                      <a:pt x="0" y="193"/>
-                    </a:moveTo>
-                    <a:cubicBezTo>
-                      <a:pt x="17" y="96"/>
-                      <a:pt x="6" y="99"/>
-                      <a:pt x="95" y="71"/>
-                    </a:cubicBezTo>
-                    <a:cubicBezTo>
-                      <a:pt x="179" y="15"/>
-                      <a:pt x="264" y="48"/>
-                      <a:pt x="340" y="98"/>
-                    </a:cubicBezTo>
-                    <a:cubicBezTo>
-                      <a:pt x="372" y="195"/>
-                      <a:pt x="383" y="155"/>
-                      <a:pt x="340" y="220"/>
-                    </a:cubicBezTo>
-                    <a:cubicBezTo>
-                      <a:pt x="266" y="199"/>
-                      <a:pt x="186" y="188"/>
-                      <a:pt x="245" y="84"/>
-                    </a:cubicBezTo>
-                    <a:cubicBezTo>
-                      <a:pt x="284" y="15"/>
-                      <a:pt x="476" y="30"/>
-                      <a:pt x="476" y="30"/>
-                    </a:cubicBezTo>
-                    <a:cubicBezTo>
-                      <a:pt x="586" y="46"/>
-                      <a:pt x="607" y="50"/>
-                      <a:pt x="666" y="139"/>
-                    </a:cubicBezTo>
-                    <a:cubicBezTo>
-                      <a:pt x="661" y="157"/>
-                      <a:pt x="666" y="181"/>
-                      <a:pt x="652" y="193"/>
-                    </a:cubicBezTo>
-                    <a:cubicBezTo>
-                      <a:pt x="630" y="211"/>
-                      <a:pt x="571" y="220"/>
-                      <a:pt x="571" y="220"/>
-                    </a:cubicBezTo>
-                    <a:cubicBezTo>
-                      <a:pt x="575" y="188"/>
-                      <a:pt x="572" y="155"/>
-                      <a:pt x="584" y="125"/>
-                    </a:cubicBezTo>
-                    <a:cubicBezTo>
-                      <a:pt x="601" y="82"/>
-                      <a:pt x="667" y="57"/>
-                      <a:pt x="707" y="44"/>
-                    </a:cubicBezTo>
-                    <a:cubicBezTo>
-                      <a:pt x="863" y="53"/>
-                      <a:pt x="960" y="0"/>
-                      <a:pt x="978" y="152"/>
-                    </a:cubicBezTo>
-                    <a:cubicBezTo>
-                      <a:pt x="980" y="170"/>
-                      <a:pt x="978" y="189"/>
-                      <a:pt x="978" y="207"/>
-                    </a:cubicBezTo>
-                  </a:path>
-                </a:pathLst>
-              </a:custGeom>
-              <a:grpFill/>
-              <a:ln w="9525">
-                <a:solidFill>
-                  <a:srgbClr val="000000"/>
-                </a:solidFill>
-                <a:round/>
-                <a:headEnd/>
-                <a:tailEnd/>
-              </a:ln>
-            </p:spPr>
-            <p:txBody>
-              <a:bodyPr vert="horz" wrap="square" lIns="91440" tIns="45720" rIns="91440" bIns="45720" numCol="1" anchor="t" anchorCtr="0" compatLnSpc="1">
-                <a:prstTxWarp prst="textNoShape">
-                  <a:avLst/>
-                </a:prstTxWarp>
-              </a:bodyPr>
-              <a:lstStyle/>
-              <a:p>
-                <a:endParaRPr lang="en-US"/>
-              </a:p>
-            </p:txBody>
-          </p:sp>
-          <p:sp>
-            <p:nvSpPr>
-              <p:cNvPr id="22541" name="Oval 13"/>
-              <p:cNvSpPr>
-                <a:spLocks noChangeArrowheads="1"/>
-              </p:cNvSpPr>
-              <p:nvPr/>
-            </p:nvSpPr>
-            <p:spPr bwMode="auto">
-              <a:xfrm>
-                <a:off x="6449" y="6049"/>
-                <a:ext cx="534" cy="520"/>
-              </a:xfrm>
-              <a:prstGeom prst="ellipse">
-                <a:avLst/>
-              </a:prstGeom>
-              <a:grpFill/>
-              <a:ln w="9525">
-                <a:solidFill>
-                  <a:srgbClr val="000000"/>
-                </a:solidFill>
-                <a:round/>
-                <a:headEnd/>
-                <a:tailEnd/>
-              </a:ln>
-            </p:spPr>
-            <p:txBody>
-              <a:bodyPr vert="horz" wrap="square" lIns="91440" tIns="45720" rIns="91440" bIns="45720" numCol="1" anchor="t" anchorCtr="0" compatLnSpc="1">
-                <a:prstTxWarp prst="textNoShape">
-                  <a:avLst/>
-                </a:prstTxWarp>
-              </a:bodyPr>
-              <a:lstStyle/>
-              <a:p>
-                <a:pPr marL="0" marR="0" lvl="0" indent="0" algn="l" defTabSz="914400" rtl="0" eaLnBrk="1" fontAlgn="base" latinLnBrk="0" hangingPunct="1">
-                  <a:lnSpc>
-                    <a:spcPct val="100000"/>
-                  </a:lnSpc>
-                  <a:spcBef>
-                    <a:spcPct val="0"/>
-                  </a:spcBef>
-                  <a:spcAft>
-                    <a:spcPts val="1000"/>
-                  </a:spcAft>
-                  <a:buClrTx/>
-                  <a:buSzTx/>
-                  <a:buFontTx/>
-                  <a:buNone/>
-                  <a:tabLst/>
-                </a:pPr>
-                <a:r>
-                  <a:rPr kumimoji="0" lang="en-US" altLang="ja-JP" sz="2000" b="0" i="0" u="none" strike="noStrike" cap="none" normalizeH="0" baseline="0" dirty="0" smtClean="0">
-                    <a:ln>
-                      <a:noFill/>
-                    </a:ln>
-                    <a:solidFill>
-                      <a:schemeClr val="tx1"/>
-                    </a:solidFill>
-                    <a:effectLst/>
-                    <a:latin typeface="Calibri" pitchFamily="34" charset="0"/>
-                    <a:ea typeface="MS Mincho" pitchFamily="49" charset="-128"/>
-                  </a:rPr>
-                  <a:t>E</a:t>
-                </a:r>
-                <a:endParaRPr kumimoji="0" lang="en-US" sz="2000" b="0" i="0" u="none" strike="noStrike" cap="none" normalizeH="0" baseline="0" dirty="0" smtClean="0">
-                  <a:ln>
-                    <a:noFill/>
-                  </a:ln>
-                  <a:solidFill>
-                    <a:schemeClr val="tx1"/>
-                  </a:solidFill>
-                  <a:effectLst/>
-                  <a:latin typeface="Arial" pitchFamily="34" charset="0"/>
-                </a:endParaRPr>
-              </a:p>
-            </p:txBody>
-          </p:sp>
-          <p:cxnSp>
-            <p:nvCxnSpPr>
-              <p:cNvPr id="22542" name="AutoShape 14"/>
-              <p:cNvCxnSpPr>
-                <a:cxnSpLocks noChangeShapeType="1"/>
-              </p:cNvCxnSpPr>
-              <p:nvPr/>
-            </p:nvCxnSpPr>
-            <p:spPr bwMode="auto">
-              <a:xfrm>
-                <a:off x="6181" y="5684"/>
-                <a:ext cx="530" cy="0"/>
-              </a:xfrm>
-              <a:prstGeom prst="straightConnector1">
-                <a:avLst/>
-              </a:prstGeom>
-              <a:grpFill/>
-              <a:ln w="9525">
-                <a:solidFill>
-                  <a:srgbClr val="000000"/>
-                </a:solidFill>
-                <a:round/>
-                <a:headEnd/>
-                <a:tailEnd/>
-              </a:ln>
-            </p:spPr>
-          </p:cxnSp>
-          <p:cxnSp>
-            <p:nvCxnSpPr>
-              <p:cNvPr id="22543" name="AutoShape 15"/>
-              <p:cNvCxnSpPr>
-                <a:cxnSpLocks noChangeShapeType="1"/>
-              </p:cNvCxnSpPr>
-              <p:nvPr/>
-            </p:nvCxnSpPr>
-            <p:spPr bwMode="auto">
-              <a:xfrm>
-                <a:off x="6711" y="5684"/>
-                <a:ext cx="0" cy="365"/>
-              </a:xfrm>
-              <a:prstGeom prst="straightConnector1">
-                <a:avLst/>
-              </a:prstGeom>
-              <a:grpFill/>
-              <a:ln w="9525">
-                <a:solidFill>
-                  <a:srgbClr val="000000"/>
-                </a:solidFill>
-                <a:round/>
-                <a:headEnd/>
-                <a:tailEnd/>
-              </a:ln>
-            </p:spPr>
-          </p:cxnSp>
-          <p:cxnSp>
-            <p:nvCxnSpPr>
-              <p:cNvPr id="22544" name="AutoShape 16"/>
-              <p:cNvCxnSpPr>
-                <a:cxnSpLocks noChangeShapeType="1"/>
-              </p:cNvCxnSpPr>
-              <p:nvPr/>
-            </p:nvCxnSpPr>
-            <p:spPr bwMode="auto">
-              <a:xfrm>
-                <a:off x="6711" y="6569"/>
-                <a:ext cx="0" cy="433"/>
-              </a:xfrm>
-              <a:prstGeom prst="straightConnector1">
-                <a:avLst/>
-              </a:prstGeom>
-              <a:grpFill/>
-              <a:ln w="9525">
-                <a:solidFill>
-                  <a:srgbClr val="000000"/>
-                </a:solidFill>
-                <a:round/>
-                <a:headEnd/>
-                <a:tailEnd/>
-              </a:ln>
-            </p:spPr>
-          </p:cxnSp>
-          <p:cxnSp>
-            <p:nvCxnSpPr>
-              <p:cNvPr id="22545" name="AutoShape 17"/>
-              <p:cNvCxnSpPr>
-                <a:cxnSpLocks noChangeShapeType="1"/>
-              </p:cNvCxnSpPr>
-              <p:nvPr/>
-            </p:nvCxnSpPr>
-            <p:spPr bwMode="auto">
-              <a:xfrm>
-                <a:off x="2617" y="7003"/>
-                <a:ext cx="4094" cy="0"/>
-              </a:xfrm>
-              <a:prstGeom prst="straightConnector1">
-                <a:avLst/>
-              </a:prstGeom>
-              <a:grpFill/>
-              <a:ln w="9525">
-                <a:solidFill>
-                  <a:srgbClr val="000000"/>
-                </a:solidFill>
-                <a:round/>
-                <a:headEnd/>
-                <a:tailEnd/>
-              </a:ln>
-            </p:spPr>
-          </p:cxnSp>
-          <p:sp>
-            <p:nvSpPr>
-              <p:cNvPr id="22546" name="Rectangle 18"/>
-              <p:cNvSpPr>
-                <a:spLocks noChangeArrowheads="1"/>
-              </p:cNvSpPr>
-              <p:nvPr/>
-            </p:nvSpPr>
-            <p:spPr bwMode="auto">
-              <a:xfrm>
-                <a:off x="2948" y="4990"/>
-                <a:ext cx="1576" cy="502"/>
-              </a:xfrm>
-              <a:prstGeom prst="rect">
-                <a:avLst/>
-              </a:prstGeom>
-              <a:grpFill/>
-              <a:ln w="9525">
-                <a:noFill/>
-                <a:miter lim="800000"/>
-                <a:headEnd/>
-                <a:tailEnd/>
-              </a:ln>
-            </p:spPr>
-            <p:txBody>
-              <a:bodyPr vert="horz" wrap="square" lIns="91440" tIns="45720" rIns="91440" bIns="45720" numCol="1" anchor="t" anchorCtr="0" compatLnSpc="1">
-                <a:prstTxWarp prst="textNoShape">
-                  <a:avLst/>
-                </a:prstTxWarp>
-              </a:bodyPr>
-              <a:lstStyle/>
-              <a:p>
-                <a:pPr marL="0" marR="0" lvl="0" indent="0" algn="l" defTabSz="914400" rtl="0" eaLnBrk="1" fontAlgn="base" latinLnBrk="0" hangingPunct="1">
-                  <a:lnSpc>
-                    <a:spcPct val="100000"/>
-                  </a:lnSpc>
-                  <a:spcBef>
-                    <a:spcPct val="0"/>
-                  </a:spcBef>
-                  <a:spcAft>
-                    <a:spcPts val="1000"/>
-                  </a:spcAft>
-                  <a:buClrTx/>
-                  <a:buSzTx/>
-                  <a:buFontTx/>
-                  <a:buNone/>
-                  <a:tabLst/>
-                </a:pPr>
-                <a:r>
-                  <a:rPr kumimoji="0" lang="en-US" altLang="ja-JP" sz="2000" b="0" i="0" u="none" strike="noStrike" cap="none" normalizeH="0" dirty="0" smtClean="0">
-                    <a:ln>
-                      <a:noFill/>
-                    </a:ln>
-                    <a:solidFill>
-                      <a:schemeClr val="tx1"/>
-                    </a:solidFill>
-                    <a:effectLst/>
-                    <a:latin typeface="Calibri" pitchFamily="34" charset="0"/>
-                    <a:ea typeface="MS Mincho" pitchFamily="49" charset="-128"/>
-                  </a:rPr>
-                  <a:t>R = 0.034 Ω</a:t>
-                </a:r>
-                <a:endParaRPr kumimoji="0" lang="en-US" sz="2000" b="0" i="0" u="none" strike="noStrike" cap="none" normalizeH="0" dirty="0" smtClean="0">
-                  <a:ln>
-                    <a:noFill/>
-                  </a:ln>
-                  <a:solidFill>
-                    <a:schemeClr val="tx1"/>
-                  </a:solidFill>
-                  <a:effectLst/>
-                  <a:latin typeface="Arial" pitchFamily="34" charset="0"/>
-                </a:endParaRPr>
-              </a:p>
-            </p:txBody>
-          </p:sp>
-          <p:sp>
-            <p:nvSpPr>
-              <p:cNvPr id="22547" name="Rectangle 19"/>
-              <p:cNvSpPr>
-                <a:spLocks noChangeArrowheads="1"/>
-              </p:cNvSpPr>
-              <p:nvPr/>
-            </p:nvSpPr>
-            <p:spPr bwMode="auto">
-              <a:xfrm>
-                <a:off x="4872" y="4990"/>
-                <a:ext cx="1961" cy="502"/>
-              </a:xfrm>
-              <a:prstGeom prst="rect">
-                <a:avLst/>
-              </a:prstGeom>
-              <a:grpFill/>
-              <a:ln w="9525">
-                <a:noFill/>
-                <a:miter lim="800000"/>
-                <a:headEnd/>
-                <a:tailEnd/>
-              </a:ln>
-            </p:spPr>
-            <p:txBody>
-              <a:bodyPr vert="horz" wrap="square" lIns="91440" tIns="45720" rIns="91440" bIns="45720" numCol="1" anchor="t" anchorCtr="0" compatLnSpc="1">
-                <a:prstTxWarp prst="textNoShape">
-                  <a:avLst/>
-                </a:prstTxWarp>
-              </a:bodyPr>
-              <a:lstStyle/>
-              <a:p>
-                <a:pPr marL="0" marR="0" lvl="0" indent="0" algn="l" defTabSz="914400" rtl="0" eaLnBrk="1" fontAlgn="base" latinLnBrk="0" hangingPunct="1">
-                  <a:lnSpc>
-                    <a:spcPct val="100000"/>
-                  </a:lnSpc>
-                  <a:spcBef>
-                    <a:spcPct val="0"/>
-                  </a:spcBef>
-                  <a:spcAft>
-                    <a:spcPts val="1000"/>
-                  </a:spcAft>
-                  <a:buClrTx/>
-                  <a:buSzTx/>
-                  <a:buFontTx/>
-                  <a:buNone/>
-                  <a:tabLst/>
-                </a:pPr>
-                <a:r>
-                  <a:rPr kumimoji="0" lang="en-US" altLang="ja-JP" sz="2000" b="0" i="0" u="none" strike="noStrike" cap="none" normalizeH="0" baseline="0" dirty="0" smtClean="0">
-                    <a:ln>
-                      <a:noFill/>
-                    </a:ln>
-                    <a:solidFill>
-                      <a:schemeClr val="tx1"/>
-                    </a:solidFill>
-                    <a:effectLst/>
-                    <a:latin typeface="Calibri" pitchFamily="34" charset="0"/>
-                    <a:ea typeface="MS Mincho" pitchFamily="49" charset="-128"/>
-                  </a:rPr>
-                  <a:t>L = 0.000478 H</a:t>
-                </a:r>
-                <a:endParaRPr kumimoji="0" lang="en-US" sz="2000" b="0" i="0" u="none" strike="noStrike" cap="none" normalizeH="0" baseline="0" dirty="0" smtClean="0">
-                  <a:ln>
-                    <a:noFill/>
-                  </a:ln>
-                  <a:solidFill>
-                    <a:schemeClr val="tx1"/>
-                  </a:solidFill>
-                  <a:effectLst/>
-                  <a:latin typeface="Arial" pitchFamily="34" charset="0"/>
-                </a:endParaRPr>
-              </a:p>
-            </p:txBody>
-          </p:sp>
-        </p:grpSp>
-      </p:grpSp>
-    </p:spTree>
+    <p:extLst>
+      <p:ext uri="{BB962C8B-B14F-4D97-AF65-F5344CB8AC3E}">
+        <p14:creationId xmlns:p14="http://schemas.microsoft.com/office/powerpoint/2010/main" val="3841843449"/>
+      </p:ext>
+    </p:extLst>
   </p:cSld>
   <p:clrMapOvr>
     <a:masterClrMapping/>
@@ -6212,7 +6533,7 @@
                   <a:schemeClr val="bg1"/>
                 </a:solidFill>
               </a:rPr>
-              <a:t>Generator Test Results</a:t>
+              <a:t>Future Steps</a:t>
             </a:r>
             <a:endParaRPr lang="en-US" dirty="0">
               <a:solidFill>
@@ -6243,66 +6564,37 @@
                   <a:schemeClr val="bg1"/>
                 </a:solidFill>
               </a:rPr>
-              <a:t>Maximum Power Output at 0.5</a:t>
-            </a:r>
-            <a:r>
-              <a:rPr lang="el-GR" dirty="0" smtClean="0">
-                <a:solidFill>
-                  <a:schemeClr val="bg1"/>
-                </a:solidFill>
-              </a:rPr>
-              <a:t>Ω</a:t>
-            </a:r>
-            <a:r>
-              <a:rPr lang="en-US" dirty="0" smtClean="0">
-                <a:solidFill>
-                  <a:schemeClr val="bg1"/>
-                </a:solidFill>
-              </a:rPr>
-              <a:t> = 70W</a:t>
-            </a:r>
-          </a:p>
-          <a:p>
-            <a:r>
-              <a:rPr lang="en-US" dirty="0" smtClean="0">
-                <a:solidFill>
-                  <a:schemeClr val="bg1"/>
-                </a:solidFill>
-              </a:rPr>
-              <a:t>Speed required for 25W = 2400rpm</a:t>
-            </a:r>
-          </a:p>
-          <a:p>
-            <a:r>
-              <a:rPr lang="en-US" dirty="0" smtClean="0">
-                <a:solidFill>
-                  <a:schemeClr val="bg1"/>
-                </a:solidFill>
-              </a:rPr>
-              <a:t>Voltage given at 2400rpm = 4.7 </a:t>
-            </a:r>
-            <a:r>
-              <a:rPr lang="en-US" dirty="0" smtClean="0">
-                <a:solidFill>
-                  <a:schemeClr val="bg1"/>
-                </a:solidFill>
-              </a:rPr>
-              <a:t>V</a:t>
-            </a:r>
-            <a:endParaRPr lang="en-US" dirty="0" smtClean="0">
-              <a:solidFill>
-                <a:schemeClr val="bg1"/>
-              </a:solidFill>
-            </a:endParaRPr>
-          </a:p>
-          <a:p>
-            <a:r>
-              <a:rPr lang="en-US" dirty="0" smtClean="0">
-                <a:solidFill>
-                  <a:schemeClr val="bg1"/>
-                </a:solidFill>
-              </a:rPr>
-              <a:t>Current given at 2400 rpm = 5.4 A</a:t>
+              <a:t>Build tank tracks and use with motors to find exact characteristics</a:t>
+            </a:r>
+          </a:p>
+          <a:p>
+            <a:r>
+              <a:rPr lang="en-US" dirty="0" smtClean="0">
+                <a:solidFill>
+                  <a:schemeClr val="bg1"/>
+                </a:solidFill>
+              </a:rPr>
+              <a:t>Choose and purchase power converter</a:t>
+            </a:r>
+          </a:p>
+          <a:p>
+            <a:r>
+              <a:rPr lang="en-US" dirty="0" smtClean="0">
+                <a:solidFill>
+                  <a:schemeClr val="bg1"/>
+                </a:solidFill>
+              </a:rPr>
+              <a:t>Slowly build and test </a:t>
+            </a:r>
+          </a:p>
+          <a:p>
+            <a:r>
+              <a:rPr lang="en-US" dirty="0" smtClean="0">
+                <a:solidFill>
+                  <a:schemeClr val="bg1"/>
+                </a:solidFill>
+              </a:rPr>
+              <a:t>Final test in water tunnel with current coming through</a:t>
             </a:r>
             <a:endParaRPr lang="en-US" dirty="0">
               <a:solidFill>
@@ -6358,7 +6650,7 @@
                   <a:schemeClr val="bg1"/>
                 </a:solidFill>
               </a:rPr>
-              <a:t>Future Steps</a:t>
+              <a:t>Conclusions</a:t>
             </a:r>
             <a:endParaRPr lang="en-US" dirty="0">
               <a:solidFill>
@@ -6389,38 +6681,50 @@
                   <a:schemeClr val="bg1"/>
                 </a:solidFill>
               </a:rPr>
-              <a:t>Build tank tracks and use with motors to find exact characteristics</a:t>
-            </a:r>
-          </a:p>
-          <a:p>
-            <a:r>
-              <a:rPr lang="en-US" dirty="0" smtClean="0">
-                <a:solidFill>
-                  <a:schemeClr val="bg1"/>
-                </a:solidFill>
-              </a:rPr>
-              <a:t>Choose and purchase power converter</a:t>
-            </a:r>
-          </a:p>
-          <a:p>
-            <a:r>
-              <a:rPr lang="en-US" dirty="0" smtClean="0">
-                <a:solidFill>
-                  <a:schemeClr val="bg1"/>
-                </a:solidFill>
-              </a:rPr>
-              <a:t>Slowly build and test </a:t>
-            </a:r>
-          </a:p>
-          <a:p>
-            <a:r>
-              <a:rPr lang="en-US" dirty="0" smtClean="0">
-                <a:solidFill>
-                  <a:schemeClr val="bg1"/>
-                </a:solidFill>
-              </a:rPr>
-              <a:t>Final test in water tunnel with current coming through</a:t>
-            </a:r>
+              <a:t>Project was a success</a:t>
+            </a:r>
+          </a:p>
+          <a:p>
+            <a:r>
+              <a:rPr lang="en-US" dirty="0" smtClean="0">
+                <a:solidFill>
+                  <a:schemeClr val="bg1"/>
+                </a:solidFill>
+              </a:rPr>
+              <a:t>Design completed</a:t>
+            </a:r>
+          </a:p>
+          <a:p>
+            <a:r>
+              <a:rPr lang="en-US" dirty="0" smtClean="0">
+                <a:solidFill>
+                  <a:schemeClr val="bg1"/>
+                </a:solidFill>
+              </a:rPr>
+              <a:t>Future work allowed for</a:t>
+            </a:r>
+          </a:p>
+          <a:p>
+            <a:r>
+              <a:rPr lang="en-US" dirty="0" smtClean="0">
+                <a:solidFill>
+                  <a:schemeClr val="bg1"/>
+                </a:solidFill>
+              </a:rPr>
+              <a:t>Plastic components to resist corrosion</a:t>
+            </a:r>
+          </a:p>
+          <a:p>
+            <a:r>
+              <a:rPr lang="en-US" dirty="0" smtClean="0">
+                <a:solidFill>
+                  <a:schemeClr val="bg1"/>
+                </a:solidFill>
+              </a:rPr>
+              <a:t>Oil filled to resist pressure</a:t>
+            </a:r>
+          </a:p>
+          <a:p>
             <a:endParaRPr lang="en-US" dirty="0">
               <a:solidFill>
                 <a:schemeClr val="bg1"/>
@@ -6464,135 +6768,6 @@
             <p:ph type="title"/>
           </p:nvPr>
         </p:nvSpPr>
-        <p:spPr/>
-        <p:txBody>
-          <a:bodyPr/>
-          <a:lstStyle/>
-          <a:p>
-            <a:r>
-              <a:rPr lang="en-US" dirty="0" smtClean="0">
-                <a:solidFill>
-                  <a:schemeClr val="bg1"/>
-                </a:solidFill>
-              </a:rPr>
-              <a:t>Conclusions</a:t>
-            </a:r>
-            <a:endParaRPr lang="en-US" dirty="0">
-              <a:solidFill>
-                <a:schemeClr val="bg1"/>
-              </a:solidFill>
-            </a:endParaRPr>
-          </a:p>
-        </p:txBody>
-      </p:sp>
-      <p:sp>
-        <p:nvSpPr>
-          <p:cNvPr id="3" name="Content Placeholder 2"/>
-          <p:cNvSpPr>
-            <a:spLocks noGrp="1"/>
-          </p:cNvSpPr>
-          <p:nvPr>
-            <p:ph idx="1"/>
-          </p:nvPr>
-        </p:nvSpPr>
-        <p:spPr/>
-        <p:txBody>
-          <a:bodyPr/>
-          <a:lstStyle/>
-          <a:p>
-            <a:r>
-              <a:rPr lang="en-US" dirty="0" smtClean="0">
-                <a:solidFill>
-                  <a:schemeClr val="bg1"/>
-                </a:solidFill>
-              </a:rPr>
-              <a:t>Project was a success</a:t>
-            </a:r>
-          </a:p>
-          <a:p>
-            <a:r>
-              <a:rPr lang="en-US" dirty="0" smtClean="0">
-                <a:solidFill>
-                  <a:schemeClr val="bg1"/>
-                </a:solidFill>
-              </a:rPr>
-              <a:t>Design completed</a:t>
-            </a:r>
-          </a:p>
-          <a:p>
-            <a:r>
-              <a:rPr lang="en-US" dirty="0" smtClean="0">
-                <a:solidFill>
-                  <a:schemeClr val="bg1"/>
-                </a:solidFill>
-              </a:rPr>
-              <a:t>Future work allowed for</a:t>
-            </a:r>
-          </a:p>
-          <a:p>
-            <a:r>
-              <a:rPr lang="en-US" dirty="0" smtClean="0">
-                <a:solidFill>
-                  <a:schemeClr val="bg1"/>
-                </a:solidFill>
-              </a:rPr>
-              <a:t>Plastic components to resist corrosion</a:t>
-            </a:r>
-          </a:p>
-          <a:p>
-            <a:r>
-              <a:rPr lang="en-US" dirty="0" smtClean="0">
-                <a:solidFill>
-                  <a:schemeClr val="bg1"/>
-                </a:solidFill>
-              </a:rPr>
-              <a:t>Oil filled to resist pressure</a:t>
-            </a:r>
-          </a:p>
-          <a:p>
-            <a:endParaRPr lang="en-US" dirty="0">
-              <a:solidFill>
-                <a:schemeClr val="bg1"/>
-              </a:solidFill>
-            </a:endParaRPr>
-          </a:p>
-        </p:txBody>
-      </p:sp>
-    </p:spTree>
-  </p:cSld>
-  <p:clrMapOvr>
-    <a:masterClrMapping/>
-  </p:clrMapOvr>
-</p:sld>
-</file>
-
-<file path=ppt/slides/slide23.xml><?xml version="1.0" encoding="utf-8"?>
-<p:sld xmlns:a="http://schemas.openxmlformats.org/drawingml/2006/main" xmlns:r="http://schemas.openxmlformats.org/officeDocument/2006/relationships" xmlns:p="http://schemas.openxmlformats.org/presentationml/2006/main">
-  <p:cSld>
-    <p:spTree>
-      <p:nvGrpSpPr>
-        <p:cNvPr id="1" name=""/>
-        <p:cNvGrpSpPr/>
-        <p:nvPr/>
-      </p:nvGrpSpPr>
-      <p:grpSpPr>
-        <a:xfrm>
-          <a:off x="0" y="0"/>
-          <a:ext cx="0" cy="0"/>
-          <a:chOff x="0" y="0"/>
-          <a:chExt cx="0" cy="0"/>
-        </a:xfrm>
-      </p:grpSpPr>
-      <p:sp>
-        <p:nvSpPr>
-          <p:cNvPr id="2" name="Title 1"/>
-          <p:cNvSpPr>
-            <a:spLocks noGrp="1"/>
-          </p:cNvSpPr>
-          <p:nvPr>
-            <p:ph type="title"/>
-          </p:nvPr>
-        </p:nvSpPr>
         <p:spPr>
           <a:xfrm>
             <a:off x="457200" y="2270754"/>
@@ -6777,7 +6952,7 @@
                   <a:schemeClr val="bg1"/>
                 </a:solidFill>
               </a:rPr>
-              <a:t>Application</a:t>
+              <a:t>Extreme Environment: The Sea</a:t>
             </a:r>
             <a:endParaRPr lang="en-US" dirty="0">
               <a:solidFill>
@@ -7200,17 +7375,15 @@
                   <a:schemeClr val="bg1"/>
                 </a:solidFill>
               </a:rPr>
-              <a:t>No extra functionality</a:t>
-            </a:r>
-          </a:p>
-          <a:p>
-            <a:r>
-              <a:rPr lang="en-US" dirty="0" smtClean="0">
-                <a:solidFill>
-                  <a:schemeClr val="bg1"/>
-                </a:solidFill>
-              </a:rPr>
-              <a:t>These things to be added after initial design proven</a:t>
+              <a:t>These </a:t>
+            </a:r>
+            <a:r>
+              <a:rPr lang="en-US" dirty="0" smtClean="0">
+                <a:solidFill>
+                  <a:schemeClr val="bg1"/>
+                </a:solidFill>
+              </a:rPr>
+              <a:t>things to be added after initial design proven</a:t>
             </a:r>
             <a:endParaRPr lang="en-US" dirty="0">
               <a:solidFill>
@@ -7328,9 +7501,59 @@
         </p:xfrm>
         <a:graphic>
           <a:graphicData uri="http://schemas.openxmlformats.org/presentationml/2006/ole">
-            <p:oleObj spid="_x0000_s1025" r:id="rId3" imgW="6686839" imgH="583316" progId="">
-              <p:embed/>
-            </p:oleObj>
+            <mc:AlternateContent xmlns:mc="http://schemas.openxmlformats.org/markup-compatibility/2006">
+              <mc:Choice xmlns:v="urn:schemas-microsoft-com:vml" Requires="v">
+                <p:oleObj spid="_x0000_s1027" r:id="rId3" imgW="6686839" imgH="583316" progId="">
+                  <p:embed/>
+                </p:oleObj>
+              </mc:Choice>
+              <mc:Fallback>
+                <p:oleObj r:id="rId3" imgW="6686839" imgH="583316" progId="">
+                  <p:embed/>
+                  <p:pic>
+                    <p:nvPicPr>
+                      <p:cNvPr id="0" name="Picture 1"/>
+                      <p:cNvPicPr>
+                        <a:picLocks noChangeAspect="1" noChangeArrowheads="1"/>
+                      </p:cNvPicPr>
+                      <p:nvPr/>
+                    </p:nvPicPr>
+                    <p:blipFill>
+                      <a:blip r:embed="rId4">
+                        <a:extLst>
+                          <a:ext uri="{28A0092B-C50C-407E-A947-70E740481C1C}">
+                            <a14:useLocalDpi xmlns:a14="http://schemas.microsoft.com/office/drawing/2010/main" val="0"/>
+                          </a:ext>
+                        </a:extLst>
+                      </a:blip>
+                      <a:srcRect/>
+                      <a:stretch>
+                        <a:fillRect/>
+                      </a:stretch>
+                    </p:blipFill>
+                    <p:spPr bwMode="auto">
+                      <a:xfrm>
+                        <a:off x="609600" y="2743200"/>
+                        <a:ext cx="7862207" cy="685800"/>
+                      </a:xfrm>
+                      <a:prstGeom prst="rect">
+                        <a:avLst/>
+                      </a:prstGeom>
+                      <a:noFill/>
+                      <a:extLst>
+                        <a:ext uri="{909E8E84-426E-40DD-AFC4-6F175D3DCCD1}">
+                          <a14:hiddenFill xmlns:a14="http://schemas.microsoft.com/office/drawing/2010/main">
+                            <a:solidFill>
+                              <a:srgbClr val="FFFFFF"/>
+                            </a:solidFill>
+                          </a14:hiddenFill>
+                        </a:ext>
+                      </a:extLst>
+                    </p:spPr>
+                  </p:pic>
+                </p:oleObj>
+              </mc:Fallback>
+            </mc:AlternateContent>
           </a:graphicData>
         </a:graphic>
       </p:graphicFrame>
@@ -7435,21 +7658,8 @@
                   <a:schemeClr val="bg1"/>
                 </a:solidFill>
               </a:rPr>
-              <a:t>Robot will require 25W of </a:t>
-            </a:r>
-            <a:r>
-              <a:rPr lang="en-US" dirty="0" smtClean="0">
-                <a:solidFill>
-                  <a:schemeClr val="bg1"/>
-                </a:solidFill>
-              </a:rPr>
-              <a:t>power including power loss to power converter inefficiency</a:t>
-            </a:r>
-            <a:endParaRPr lang="en-US" dirty="0" smtClean="0">
-              <a:solidFill>
-                <a:schemeClr val="bg1"/>
-              </a:solidFill>
-            </a:endParaRPr>
+              <a:t>Robot will require 25W of power including power loss to power converter inefficiency</a:t>
+            </a:r>
           </a:p>
           <a:p>
             <a:pPr lvl="1">
